--- a/slides/03 - Activities.pptx
+++ b/slides/03 - Activities.pptx
@@ -5,10 +5,10 @@
     <p:sldMasterId id="2147483648" r:id="rId1"/>
   </p:sldMasterIdLst>
   <p:notesMasterIdLst>
-    <p:notesMasterId r:id="rId44"/>
+    <p:notesMasterId r:id="rId25"/>
   </p:notesMasterIdLst>
   <p:handoutMasterIdLst>
-    <p:handoutMasterId r:id="rId45"/>
+    <p:handoutMasterId r:id="rId26"/>
   </p:handoutMasterIdLst>
   <p:sldIdLst>
     <p:sldId id="293" r:id="rId2"/>
@@ -31,28 +31,9 @@
     <p:sldId id="297" r:id="rId19"/>
     <p:sldId id="300" r:id="rId20"/>
     <p:sldId id="301" r:id="rId21"/>
-    <p:sldId id="316" r:id="rId22"/>
-    <p:sldId id="322" r:id="rId23"/>
-    <p:sldId id="323" r:id="rId24"/>
-    <p:sldId id="324" r:id="rId25"/>
-    <p:sldId id="325" r:id="rId26"/>
-    <p:sldId id="326" r:id="rId27"/>
-    <p:sldId id="317" r:id="rId28"/>
-    <p:sldId id="318" r:id="rId29"/>
-    <p:sldId id="319" r:id="rId30"/>
-    <p:sldId id="320" r:id="rId31"/>
-    <p:sldId id="321" r:id="rId32"/>
-    <p:sldId id="327" r:id="rId33"/>
-    <p:sldId id="329" r:id="rId34"/>
-    <p:sldId id="328" r:id="rId35"/>
-    <p:sldId id="330" r:id="rId36"/>
-    <p:sldId id="331" r:id="rId37"/>
-    <p:sldId id="332" r:id="rId38"/>
-    <p:sldId id="333" r:id="rId39"/>
-    <p:sldId id="334" r:id="rId40"/>
-    <p:sldId id="287" r:id="rId41"/>
-    <p:sldId id="335" r:id="rId42"/>
-    <p:sldId id="336" r:id="rId43"/>
+    <p:sldId id="287" r:id="rId22"/>
+    <p:sldId id="335" r:id="rId23"/>
+    <p:sldId id="336" r:id="rId24"/>
   </p:sldIdLst>
   <p:sldSz cx="9144000" cy="5143500" type="screen16x9"/>
   <p:notesSz cx="6858000" cy="9144000"/>
@@ -191,38 +172,6 @@
 <file path=ppt/changesInfos/changesInfo1.xml><?xml version="1.0" encoding="utf-8"?>
 <pc:chgInfo xmlns:a="http://schemas.openxmlformats.org/drawingml/2006/main" xmlns:r="http://schemas.openxmlformats.org/officeDocument/2006/relationships" xmlns:ac="http://schemas.microsoft.com/office/drawing/2013/main/command" xmlns:pc="http://schemas.microsoft.com/office/powerpoint/2013/main/command">
   <pc:docChgLst>
-    <pc:chgData name="Harm De Weirdt" userId="3b80b7b2-6973-431e-8013-89966fc4a2c1" providerId="ADAL" clId="{F493086F-B012-4B03-BED4-E86E7F5543FB}"/>
-    <pc:docChg chg="undo custSel addSld delSld modSld sldOrd">
-      <pc:chgData name="Harm De Weirdt" userId="3b80b7b2-6973-431e-8013-89966fc4a2c1" providerId="ADAL" clId="{F493086F-B012-4B03-BED4-E86E7F5543FB}" dt="2018-09-06T13:27:57.372" v="3569" actId="113"/>
-      <pc:docMkLst>
-        <pc:docMk/>
-      </pc:docMkLst>
-      <pc:sldChg chg="modSp add">
-        <pc:chgData name="Harm De Weirdt" userId="3b80b7b2-6973-431e-8013-89966fc4a2c1" providerId="ADAL" clId="{F493086F-B012-4B03-BED4-E86E7F5543FB}" dt="2018-09-06T13:27:57.372" v="3569" actId="113"/>
-        <pc:sldMkLst>
-          <pc:docMk/>
-          <pc:sldMk cId="994270348" sldId="287"/>
-        </pc:sldMkLst>
-        <pc:spChg chg="mod">
-          <ac:chgData name="Harm De Weirdt" userId="3b80b7b2-6973-431e-8013-89966fc4a2c1" providerId="ADAL" clId="{F493086F-B012-4B03-BED4-E86E7F5543FB}" dt="2018-09-06T13:27:57.372" v="3569" actId="113"/>
-          <ac:spMkLst>
-            <pc:docMk/>
-            <pc:sldMk cId="994270348" sldId="287"/>
-            <ac:spMk id="15" creationId="{00000000-0000-0000-0000-000000000000}"/>
-          </ac:spMkLst>
-        </pc:spChg>
-        <pc:spChg chg="mod">
-          <ac:chgData name="Harm De Weirdt" userId="3b80b7b2-6973-431e-8013-89966fc4a2c1" providerId="ADAL" clId="{F493086F-B012-4B03-BED4-E86E7F5543FB}" dt="2018-09-06T13:20:43.486" v="3457" actId="20577"/>
-          <ac:spMkLst>
-            <pc:docMk/>
-            <pc:sldMk cId="994270348" sldId="287"/>
-            <ac:spMk id="20" creationId="{00000000-0000-0000-0000-000000000000}"/>
-          </ac:spMkLst>
-        </pc:spChg>
-      </pc:sldChg>
-    </pc:docChg>
-  </pc:docChgLst>
-  <pc:docChgLst>
     <pc:chgData name="Harm De Weirdt" userId="3b80b7b2-6973-431e-8013-89966fc4a2c1" providerId="ADAL" clId="{68E43170-6E55-424D-94E1-FEAE91F13568}"/>
     <pc:docChg chg="undo redo custSel addSld delSld modSld sldOrd">
       <pc:chgData name="Harm De Weirdt" userId="3b80b7b2-6973-431e-8013-89966fc4a2c1" providerId="ADAL" clId="{68E43170-6E55-424D-94E1-FEAE91F13568}" dt="2018-10-10T09:51:17.609" v="10125" actId="478"/>
@@ -260,7 +209,7 @@
         </pc:spChg>
       </pc:sldChg>
       <pc:sldChg chg="addSp delSp modSp modAnim modNotesTx">
-        <pc:chgData name="Harm De Weirdt" userId="3b80b7b2-6973-431e-8013-89966fc4a2c1" providerId="ADAL" clId="{68E43170-6E55-424D-94E1-FEAE91F13568}" dt="2018-10-08T09:21:45.052" v="2788"/>
+        <pc:chgData name="Harm De Weirdt" userId="3b80b7b2-6973-431e-8013-89966fc4a2c1" providerId="ADAL" clId="{68E43170-6E55-424D-94E1-FEAE91F13568}" dt="2018-10-08T09:21:45.052" v="2788" actId="478"/>
         <pc:sldMkLst>
           <pc:docMk/>
           <pc:sldMk cId="529561143" sldId="294"/>
@@ -274,7 +223,7 @@
           </ac:spMkLst>
         </pc:spChg>
         <pc:spChg chg="add del mod">
-          <ac:chgData name="Harm De Weirdt" userId="3b80b7b2-6973-431e-8013-89966fc4a2c1" providerId="ADAL" clId="{68E43170-6E55-424D-94E1-FEAE91F13568}" dt="2018-10-08T09:21:06.516" v="2778"/>
+          <ac:chgData name="Harm De Weirdt" userId="3b80b7b2-6973-431e-8013-89966fc4a2c1" providerId="ADAL" clId="{68E43170-6E55-424D-94E1-FEAE91F13568}" dt="2018-10-08T09:21:06.516" v="2778" actId="478"/>
           <ac:spMkLst>
             <pc:docMk/>
             <pc:sldMk cId="529561143" sldId="294"/>
@@ -313,7 +262,7 @@
           <pc:sldMk cId="3281156717" sldId="295"/>
         </pc:sldMkLst>
         <pc:spChg chg="add del mod">
-          <ac:chgData name="Harm De Weirdt" userId="3b80b7b2-6973-431e-8013-89966fc4a2c1" providerId="ADAL" clId="{68E43170-6E55-424D-94E1-FEAE91F13568}" dt="2018-10-08T08:46:49.785" v="1367"/>
+          <ac:chgData name="Harm De Weirdt" userId="3b80b7b2-6973-431e-8013-89966fc4a2c1" providerId="ADAL" clId="{68E43170-6E55-424D-94E1-FEAE91F13568}" dt="2018-10-08T08:46:49.785" v="1367" actId="20577"/>
           <ac:spMkLst>
             <pc:docMk/>
             <pc:sldMk cId="3281156717" sldId="295"/>
@@ -321,7 +270,7 @@
           </ac:spMkLst>
         </pc:spChg>
         <pc:spChg chg="add del">
-          <ac:chgData name="Harm De Weirdt" userId="3b80b7b2-6973-431e-8013-89966fc4a2c1" providerId="ADAL" clId="{68E43170-6E55-424D-94E1-FEAE91F13568}" dt="2018-10-08T08:46:57.115" v="1368"/>
+          <ac:chgData name="Harm De Weirdt" userId="3b80b7b2-6973-431e-8013-89966fc4a2c1" providerId="ADAL" clId="{68E43170-6E55-424D-94E1-FEAE91F13568}" dt="2018-10-08T08:46:57.115" v="1368" actId="20577"/>
           <ac:spMkLst>
             <pc:docMk/>
             <pc:sldMk cId="3281156717" sldId="295"/>
@@ -337,7 +286,7 @@
           </ac:spMkLst>
         </pc:spChg>
         <pc:spChg chg="add del">
-          <ac:chgData name="Harm De Weirdt" userId="3b80b7b2-6973-431e-8013-89966fc4a2c1" providerId="ADAL" clId="{68E43170-6E55-424D-94E1-FEAE91F13568}" dt="2018-10-08T08:46:57.115" v="1368"/>
+          <ac:chgData name="Harm De Weirdt" userId="3b80b7b2-6973-431e-8013-89966fc4a2c1" providerId="ADAL" clId="{68E43170-6E55-424D-94E1-FEAE91F13568}" dt="2018-10-08T08:46:57.115" v="1368" actId="20577"/>
           <ac:spMkLst>
             <pc:docMk/>
             <pc:sldMk cId="3281156717" sldId="295"/>
@@ -383,7 +332,7 @@
           </ac:spMkLst>
         </pc:spChg>
         <pc:spChg chg="add mod">
-          <ac:chgData name="Harm De Weirdt" userId="3b80b7b2-6973-431e-8013-89966fc4a2c1" providerId="ADAL" clId="{68E43170-6E55-424D-94E1-FEAE91F13568}" dt="2018-10-08T09:27:55.740" v="2847"/>
+          <ac:chgData name="Harm De Weirdt" userId="3b80b7b2-6973-431e-8013-89966fc4a2c1" providerId="ADAL" clId="{68E43170-6E55-424D-94E1-FEAE91F13568}" dt="2018-10-08T09:27:55.740" v="2847" actId="6549"/>
           <ac:spMkLst>
             <pc:docMk/>
             <pc:sldMk cId="3539963482" sldId="298"/>
@@ -445,7 +394,7 @@
           <pc:sldMk cId="2787363852" sldId="300"/>
         </pc:sldMkLst>
         <pc:spChg chg="add del mod">
-          <ac:chgData name="Harm De Weirdt" userId="3b80b7b2-6973-431e-8013-89966fc4a2c1" providerId="ADAL" clId="{68E43170-6E55-424D-94E1-FEAE91F13568}" dt="2018-10-08T10:15:18.532" v="5425"/>
+          <ac:chgData name="Harm De Weirdt" userId="3b80b7b2-6973-431e-8013-89966fc4a2c1" providerId="ADAL" clId="{68E43170-6E55-424D-94E1-FEAE91F13568}" dt="2018-10-08T10:15:18.532" v="5425" actId="255"/>
           <ac:spMkLst>
             <pc:docMk/>
             <pc:sldMk cId="2787363852" sldId="300"/>
@@ -453,7 +402,7 @@
           </ac:spMkLst>
         </pc:spChg>
         <pc:spChg chg="del">
-          <ac:chgData name="Harm De Weirdt" userId="3b80b7b2-6973-431e-8013-89966fc4a2c1" providerId="ADAL" clId="{68E43170-6E55-424D-94E1-FEAE91F13568}" dt="2018-10-08T10:15:15.883" v="5423"/>
+          <ac:chgData name="Harm De Weirdt" userId="3b80b7b2-6973-431e-8013-89966fc4a2c1" providerId="ADAL" clId="{68E43170-6E55-424D-94E1-FEAE91F13568}" dt="2018-10-08T10:15:15.883" v="5423" actId="255"/>
           <ac:spMkLst>
             <pc:docMk/>
             <pc:sldMk cId="2787363852" sldId="300"/>
@@ -469,7 +418,7 @@
           </ac:spMkLst>
         </pc:spChg>
         <pc:spChg chg="del">
-          <ac:chgData name="Harm De Weirdt" userId="3b80b7b2-6973-431e-8013-89966fc4a2c1" providerId="ADAL" clId="{68E43170-6E55-424D-94E1-FEAE91F13568}" dt="2018-10-08T10:15:15.883" v="5423"/>
+          <ac:chgData name="Harm De Weirdt" userId="3b80b7b2-6973-431e-8013-89966fc4a2c1" providerId="ADAL" clId="{68E43170-6E55-424D-94E1-FEAE91F13568}" dt="2018-10-08T10:15:15.883" v="5423" actId="255"/>
           <ac:spMkLst>
             <pc:docMk/>
             <pc:sldMk cId="2787363852" sldId="300"/>
@@ -477,7 +426,7 @@
           </ac:spMkLst>
         </pc:spChg>
         <pc:spChg chg="add mod">
-          <ac:chgData name="Harm De Weirdt" userId="3b80b7b2-6973-431e-8013-89966fc4a2c1" providerId="ADAL" clId="{68E43170-6E55-424D-94E1-FEAE91F13568}" dt="2018-10-08T10:17:16.362" v="5461"/>
+          <ac:chgData name="Harm De Weirdt" userId="3b80b7b2-6973-431e-8013-89966fc4a2c1" providerId="ADAL" clId="{68E43170-6E55-424D-94E1-FEAE91F13568}" dt="2018-10-08T10:17:16.362" v="5461" actId="255"/>
           <ac:spMkLst>
             <pc:docMk/>
             <pc:sldMk cId="2787363852" sldId="300"/>
@@ -500,7 +449,7 @@
           </ac:spMkLst>
         </pc:spChg>
         <pc:spChg chg="del">
-          <ac:chgData name="Harm De Weirdt" userId="3b80b7b2-6973-431e-8013-89966fc4a2c1" providerId="ADAL" clId="{68E43170-6E55-424D-94E1-FEAE91F13568}" dt="2018-10-08T10:21:29.222" v="5548"/>
+          <ac:chgData name="Harm De Weirdt" userId="3b80b7b2-6973-431e-8013-89966fc4a2c1" providerId="ADAL" clId="{68E43170-6E55-424D-94E1-FEAE91F13568}" dt="2018-10-08T10:21:29.222" v="5548" actId="20577"/>
           <ac:spMkLst>
             <pc:docMk/>
             <pc:sldMk cId="3630226700" sldId="301"/>
@@ -539,7 +488,7 @@
           <pc:sldMk cId="2674454564" sldId="302"/>
         </pc:sldMkLst>
         <pc:spChg chg="mod">
-          <ac:chgData name="Harm De Weirdt" userId="3b80b7b2-6973-431e-8013-89966fc4a2c1" providerId="ADAL" clId="{68E43170-6E55-424D-94E1-FEAE91F13568}" dt="2018-10-08T08:31:26.827" v="321"/>
+          <ac:chgData name="Harm De Weirdt" userId="3b80b7b2-6973-431e-8013-89966fc4a2c1" providerId="ADAL" clId="{68E43170-6E55-424D-94E1-FEAE91F13568}" dt="2018-10-08T08:31:26.827" v="321" actId="113"/>
           <ac:spMkLst>
             <pc:docMk/>
             <pc:sldMk cId="2674454564" sldId="302"/>
@@ -571,7 +520,7 @@
           </ac:spMkLst>
         </pc:spChg>
         <pc:spChg chg="add mod">
-          <ac:chgData name="Harm De Weirdt" userId="3b80b7b2-6973-431e-8013-89966fc4a2c1" providerId="ADAL" clId="{68E43170-6E55-424D-94E1-FEAE91F13568}" dt="2018-10-08T08:32:50.617" v="366"/>
+          <ac:chgData name="Harm De Weirdt" userId="3b80b7b2-6973-431e-8013-89966fc4a2c1" providerId="ADAL" clId="{68E43170-6E55-424D-94E1-FEAE91F13568}" dt="2018-10-08T08:32:50.617" v="366" actId="113"/>
           <ac:spMkLst>
             <pc:docMk/>
             <pc:sldMk cId="2674454564" sldId="302"/>
@@ -579,7 +528,7 @@
           </ac:spMkLst>
         </pc:spChg>
         <pc:spChg chg="add del mod">
-          <ac:chgData name="Harm De Weirdt" userId="3b80b7b2-6973-431e-8013-89966fc4a2c1" providerId="ADAL" clId="{68E43170-6E55-424D-94E1-FEAE91F13568}" dt="2018-10-08T08:33:05.232" v="370"/>
+          <ac:chgData name="Harm De Weirdt" userId="3b80b7b2-6973-431e-8013-89966fc4a2c1" providerId="ADAL" clId="{68E43170-6E55-424D-94E1-FEAE91F13568}" dt="2018-10-08T08:33:05.232" v="370" actId="113"/>
           <ac:spMkLst>
             <pc:docMk/>
             <pc:sldMk cId="2674454564" sldId="302"/>
@@ -595,7 +544,7 @@
           </ac:spMkLst>
         </pc:spChg>
         <pc:picChg chg="add del mod">
-          <ac:chgData name="Harm De Weirdt" userId="3b80b7b2-6973-431e-8013-89966fc4a2c1" providerId="ADAL" clId="{68E43170-6E55-424D-94E1-FEAE91F13568}" dt="2018-10-08T08:33:03.363" v="368"/>
+          <ac:chgData name="Harm De Weirdt" userId="3b80b7b2-6973-431e-8013-89966fc4a2c1" providerId="ADAL" clId="{68E43170-6E55-424D-94E1-FEAE91F13568}" dt="2018-10-08T08:33:03.363" v="368" actId="113"/>
           <ac:picMkLst>
             <pc:docMk/>
             <pc:sldMk cId="2674454564" sldId="302"/>
@@ -650,7 +599,7 @@
           </ac:spMkLst>
         </pc:spChg>
         <pc:spChg chg="add del mod">
-          <ac:chgData name="Harm De Weirdt" userId="3b80b7b2-6973-431e-8013-89966fc4a2c1" providerId="ADAL" clId="{68E43170-6E55-424D-94E1-FEAE91F13568}" dt="2018-10-08T08:51:04.746" v="1553"/>
+          <ac:chgData name="Harm De Weirdt" userId="3b80b7b2-6973-431e-8013-89966fc4a2c1" providerId="ADAL" clId="{68E43170-6E55-424D-94E1-FEAE91F13568}" dt="2018-10-08T08:51:04.746" v="1553" actId="20577"/>
           <ac:spMkLst>
             <pc:docMk/>
             <pc:sldMk cId="2538097182" sldId="303"/>
@@ -706,7 +655,7 @@
           </ac:picMkLst>
         </pc:picChg>
         <pc:picChg chg="add del">
-          <ac:chgData name="Harm De Weirdt" userId="3b80b7b2-6973-431e-8013-89966fc4a2c1" providerId="ADAL" clId="{68E43170-6E55-424D-94E1-FEAE91F13568}" dt="2018-10-08T08:54:40.985" v="1801"/>
+          <ac:chgData name="Harm De Weirdt" userId="3b80b7b2-6973-431e-8013-89966fc4a2c1" providerId="ADAL" clId="{68E43170-6E55-424D-94E1-FEAE91F13568}" dt="2018-10-08T08:54:40.985" v="1801" actId="20577"/>
           <ac:picMkLst>
             <pc:docMk/>
             <pc:sldMk cId="2538097182" sldId="303"/>
@@ -723,7 +672,7 @@
         </pc:cxnChg>
       </pc:sldChg>
       <pc:sldChg chg="addSp delSp modSp add">
-        <pc:chgData name="Harm De Weirdt" userId="3b80b7b2-6973-431e-8013-89966fc4a2c1" providerId="ADAL" clId="{68E43170-6E55-424D-94E1-FEAE91F13568}" dt="2018-10-09T08:34:10.554" v="5741"/>
+        <pc:chgData name="Harm De Weirdt" userId="3b80b7b2-6973-431e-8013-89966fc4a2c1" providerId="ADAL" clId="{68E43170-6E55-424D-94E1-FEAE91F13568}" dt="2018-10-09T08:34:10.554" v="5741" actId="478"/>
         <pc:sldMkLst>
           <pc:docMk/>
           <pc:sldMk cId="2751834772" sldId="304"/>
@@ -737,7 +686,7 @@
           </ac:spMkLst>
         </pc:spChg>
         <pc:spChg chg="mod">
-          <ac:chgData name="Harm De Weirdt" userId="3b80b7b2-6973-431e-8013-89966fc4a2c1" providerId="ADAL" clId="{68E43170-6E55-424D-94E1-FEAE91F13568}" dt="2018-10-09T08:34:10.554" v="5741"/>
+          <ac:chgData name="Harm De Weirdt" userId="3b80b7b2-6973-431e-8013-89966fc4a2c1" providerId="ADAL" clId="{68E43170-6E55-424D-94E1-FEAE91F13568}" dt="2018-10-09T08:34:10.554" v="5741" actId="478"/>
           <ac:spMkLst>
             <pc:docMk/>
             <pc:sldMk cId="2751834772" sldId="304"/>
@@ -753,7 +702,7 @@
           </ac:spMkLst>
         </pc:spChg>
         <pc:spChg chg="add del mod">
-          <ac:chgData name="Harm De Weirdt" userId="3b80b7b2-6973-431e-8013-89966fc4a2c1" providerId="ADAL" clId="{68E43170-6E55-424D-94E1-FEAE91F13568}" dt="2018-10-08T08:55:03.696" v="1806"/>
+          <ac:chgData name="Harm De Weirdt" userId="3b80b7b2-6973-431e-8013-89966fc4a2c1" providerId="ADAL" clId="{68E43170-6E55-424D-94E1-FEAE91F13568}" dt="2018-10-08T08:55:03.696" v="1806" actId="478"/>
           <ac:spMkLst>
             <pc:docMk/>
             <pc:sldMk cId="2751834772" sldId="304"/>
@@ -761,7 +710,7 @@
           </ac:spMkLst>
         </pc:spChg>
         <pc:spChg chg="add del mod">
-          <ac:chgData name="Harm De Weirdt" userId="3b80b7b2-6973-431e-8013-89966fc4a2c1" providerId="ADAL" clId="{68E43170-6E55-424D-94E1-FEAE91F13568}" dt="2018-10-08T08:55:58.916" v="1818"/>
+          <ac:chgData name="Harm De Weirdt" userId="3b80b7b2-6973-431e-8013-89966fc4a2c1" providerId="ADAL" clId="{68E43170-6E55-424D-94E1-FEAE91F13568}" dt="2018-10-08T08:55:58.916" v="1818" actId="478"/>
           <ac:spMkLst>
             <pc:docMk/>
             <pc:sldMk cId="2751834772" sldId="304"/>
@@ -769,7 +718,7 @@
           </ac:spMkLst>
         </pc:spChg>
         <pc:spChg chg="add">
-          <ac:chgData name="Harm De Weirdt" userId="3b80b7b2-6973-431e-8013-89966fc4a2c1" providerId="ADAL" clId="{68E43170-6E55-424D-94E1-FEAE91F13568}" dt="2018-10-08T08:59:15.245" v="1994"/>
+          <ac:chgData name="Harm De Weirdt" userId="3b80b7b2-6973-431e-8013-89966fc4a2c1" providerId="ADAL" clId="{68E43170-6E55-424D-94E1-FEAE91F13568}" dt="2018-10-08T08:59:15.245" v="1994" actId="478"/>
           <ac:spMkLst>
             <pc:docMk/>
             <pc:sldMk cId="2751834772" sldId="304"/>
@@ -777,7 +726,7 @@
           </ac:spMkLst>
         </pc:spChg>
         <pc:picChg chg="add del">
-          <ac:chgData name="Harm De Weirdt" userId="3b80b7b2-6973-431e-8013-89966fc4a2c1" providerId="ADAL" clId="{68E43170-6E55-424D-94E1-FEAE91F13568}" dt="2018-10-08T08:55:02.926" v="1805"/>
+          <ac:chgData name="Harm De Weirdt" userId="3b80b7b2-6973-431e-8013-89966fc4a2c1" providerId="ADAL" clId="{68E43170-6E55-424D-94E1-FEAE91F13568}" dt="2018-10-08T08:55:02.926" v="1805" actId="478"/>
           <ac:picMkLst>
             <pc:docMk/>
             <pc:sldMk cId="2751834772" sldId="304"/>
@@ -801,7 +750,7 @@
           </ac:picMkLst>
         </pc:picChg>
         <pc:picChg chg="add del">
-          <ac:chgData name="Harm De Weirdt" userId="3b80b7b2-6973-431e-8013-89966fc4a2c1" providerId="ADAL" clId="{68E43170-6E55-424D-94E1-FEAE91F13568}" dt="2018-10-08T08:55:58.090" v="1817"/>
+          <ac:chgData name="Harm De Weirdt" userId="3b80b7b2-6973-431e-8013-89966fc4a2c1" providerId="ADAL" clId="{68E43170-6E55-424D-94E1-FEAE91F13568}" dt="2018-10-08T08:55:58.090" v="1817" actId="478"/>
           <ac:picMkLst>
             <pc:docMk/>
             <pc:sldMk cId="2751834772" sldId="304"/>
@@ -818,7 +767,7 @@
         </pc:picChg>
       </pc:sldChg>
       <pc:sldChg chg="addSp delSp modSp add">
-        <pc:chgData name="Harm De Weirdt" userId="3b80b7b2-6973-431e-8013-89966fc4a2c1" providerId="ADAL" clId="{68E43170-6E55-424D-94E1-FEAE91F13568}" dt="2018-10-09T08:34:14.405" v="5743"/>
+        <pc:chgData name="Harm De Weirdt" userId="3b80b7b2-6973-431e-8013-89966fc4a2c1" providerId="ADAL" clId="{68E43170-6E55-424D-94E1-FEAE91F13568}" dt="2018-10-09T08:34:14.405" v="5743" actId="478"/>
         <pc:sldMkLst>
           <pc:docMk/>
           <pc:sldMk cId="3337128494" sldId="305"/>
@@ -832,7 +781,7 @@
           </ac:spMkLst>
         </pc:spChg>
         <pc:spChg chg="mod">
-          <ac:chgData name="Harm De Weirdt" userId="3b80b7b2-6973-431e-8013-89966fc4a2c1" providerId="ADAL" clId="{68E43170-6E55-424D-94E1-FEAE91F13568}" dt="2018-10-09T08:34:14.405" v="5743"/>
+          <ac:chgData name="Harm De Weirdt" userId="3b80b7b2-6973-431e-8013-89966fc4a2c1" providerId="ADAL" clId="{68E43170-6E55-424D-94E1-FEAE91F13568}" dt="2018-10-09T08:34:14.405" v="5743" actId="478"/>
           <ac:spMkLst>
             <pc:docMk/>
             <pc:sldMk cId="3337128494" sldId="305"/>
@@ -848,7 +797,7 @@
           </ac:spMkLst>
         </pc:spChg>
         <pc:spChg chg="add del mod">
-          <ac:chgData name="Harm De Weirdt" userId="3b80b7b2-6973-431e-8013-89966fc4a2c1" providerId="ADAL" clId="{68E43170-6E55-424D-94E1-FEAE91F13568}" dt="2018-10-08T09:00:41.917" v="2077"/>
+          <ac:chgData name="Harm De Weirdt" userId="3b80b7b2-6973-431e-8013-89966fc4a2c1" providerId="ADAL" clId="{68E43170-6E55-424D-94E1-FEAE91F13568}" dt="2018-10-08T09:00:41.917" v="2077" actId="478"/>
           <ac:spMkLst>
             <pc:docMk/>
             <pc:sldMk cId="3337128494" sldId="305"/>
@@ -873,7 +822,7 @@
         </pc:picChg>
       </pc:sldChg>
       <pc:sldChg chg="modSp add modNotesTx">
-        <pc:chgData name="Harm De Weirdt" userId="3b80b7b2-6973-431e-8013-89966fc4a2c1" providerId="ADAL" clId="{68E43170-6E55-424D-94E1-FEAE91F13568}" dt="2018-10-09T08:34:16.357" v="5744"/>
+        <pc:chgData name="Harm De Weirdt" userId="3b80b7b2-6973-431e-8013-89966fc4a2c1" providerId="ADAL" clId="{68E43170-6E55-424D-94E1-FEAE91F13568}" dt="2018-10-09T08:34:16.357" v="5744" actId="478"/>
         <pc:sldMkLst>
           <pc:docMk/>
           <pc:sldMk cId="723118796" sldId="306"/>
@@ -887,7 +836,7 @@
           </ac:spMkLst>
         </pc:spChg>
         <pc:spChg chg="mod">
-          <ac:chgData name="Harm De Weirdt" userId="3b80b7b2-6973-431e-8013-89966fc4a2c1" providerId="ADAL" clId="{68E43170-6E55-424D-94E1-FEAE91F13568}" dt="2018-10-09T08:34:16.357" v="5744"/>
+          <ac:chgData name="Harm De Weirdt" userId="3b80b7b2-6973-431e-8013-89966fc4a2c1" providerId="ADAL" clId="{68E43170-6E55-424D-94E1-FEAE91F13568}" dt="2018-10-09T08:34:16.357" v="5744" actId="478"/>
           <ac:spMkLst>
             <pc:docMk/>
             <pc:sldMk cId="723118796" sldId="306"/>
@@ -912,7 +861,7 @@
         </pc:picChg>
       </pc:sldChg>
       <pc:sldChg chg="addSp delSp modSp add modNotesTx">
-        <pc:chgData name="Harm De Weirdt" userId="3b80b7b2-6973-431e-8013-89966fc4a2c1" providerId="ADAL" clId="{68E43170-6E55-424D-94E1-FEAE91F13568}" dt="2018-10-09T08:34:18.469" v="5745"/>
+        <pc:chgData name="Harm De Weirdt" userId="3b80b7b2-6973-431e-8013-89966fc4a2c1" providerId="ADAL" clId="{68E43170-6E55-424D-94E1-FEAE91F13568}" dt="2018-10-09T08:34:18.469" v="5745" actId="478"/>
         <pc:sldMkLst>
           <pc:docMk/>
           <pc:sldMk cId="2498624983" sldId="307"/>
@@ -926,7 +875,7 @@
           </ac:spMkLst>
         </pc:spChg>
         <pc:spChg chg="mod">
-          <ac:chgData name="Harm De Weirdt" userId="3b80b7b2-6973-431e-8013-89966fc4a2c1" providerId="ADAL" clId="{68E43170-6E55-424D-94E1-FEAE91F13568}" dt="2018-10-09T08:34:18.469" v="5745"/>
+          <ac:chgData name="Harm De Weirdt" userId="3b80b7b2-6973-431e-8013-89966fc4a2c1" providerId="ADAL" clId="{68E43170-6E55-424D-94E1-FEAE91F13568}" dt="2018-10-09T08:34:18.469" v="5745" actId="478"/>
           <ac:spMkLst>
             <pc:docMk/>
             <pc:sldMk cId="2498624983" sldId="307"/>
@@ -942,7 +891,7 @@
           </ac:spMkLst>
         </pc:spChg>
         <pc:spChg chg="add del mod">
-          <ac:chgData name="Harm De Weirdt" userId="3b80b7b2-6973-431e-8013-89966fc4a2c1" providerId="ADAL" clId="{68E43170-6E55-424D-94E1-FEAE91F13568}" dt="2018-10-08T09:16:55.501" v="2661"/>
+          <ac:chgData name="Harm De Weirdt" userId="3b80b7b2-6973-431e-8013-89966fc4a2c1" providerId="ADAL" clId="{68E43170-6E55-424D-94E1-FEAE91F13568}" dt="2018-10-08T09:16:55.501" v="2661" actId="478"/>
           <ac:spMkLst>
             <pc:docMk/>
             <pc:sldMk cId="2498624983" sldId="307"/>
@@ -950,7 +899,7 @@
           </ac:spMkLst>
         </pc:spChg>
         <pc:spChg chg="add del mod">
-          <ac:chgData name="Harm De Weirdt" userId="3b80b7b2-6973-431e-8013-89966fc4a2c1" providerId="ADAL" clId="{68E43170-6E55-424D-94E1-FEAE91F13568}" dt="2018-10-08T09:17:37.910" v="2666"/>
+          <ac:chgData name="Harm De Weirdt" userId="3b80b7b2-6973-431e-8013-89966fc4a2c1" providerId="ADAL" clId="{68E43170-6E55-424D-94E1-FEAE91F13568}" dt="2018-10-08T09:17:37.910" v="2666" actId="478"/>
           <ac:spMkLst>
             <pc:docMk/>
             <pc:sldMk cId="2498624983" sldId="307"/>
@@ -983,7 +932,7 @@
         </pc:picChg>
       </pc:sldChg>
       <pc:sldChg chg="addSp delSp modSp add">
-        <pc:chgData name="Harm De Weirdt" userId="3b80b7b2-6973-431e-8013-89966fc4a2c1" providerId="ADAL" clId="{68E43170-6E55-424D-94E1-FEAE91F13568}" dt="2018-10-09T08:34:20.705" v="5746"/>
+        <pc:chgData name="Harm De Weirdt" userId="3b80b7b2-6973-431e-8013-89966fc4a2c1" providerId="ADAL" clId="{68E43170-6E55-424D-94E1-FEAE91F13568}" dt="2018-10-09T08:34:20.705" v="5746" actId="478"/>
         <pc:sldMkLst>
           <pc:docMk/>
           <pc:sldMk cId="2058970245" sldId="308"/>
@@ -997,7 +946,7 @@
           </ac:spMkLst>
         </pc:spChg>
         <pc:spChg chg="mod">
-          <ac:chgData name="Harm De Weirdt" userId="3b80b7b2-6973-431e-8013-89966fc4a2c1" providerId="ADAL" clId="{68E43170-6E55-424D-94E1-FEAE91F13568}" dt="2018-10-09T08:34:20.705" v="5746"/>
+          <ac:chgData name="Harm De Weirdt" userId="3b80b7b2-6973-431e-8013-89966fc4a2c1" providerId="ADAL" clId="{68E43170-6E55-424D-94E1-FEAE91F13568}" dt="2018-10-09T08:34:20.705" v="5746" actId="478"/>
           <ac:spMkLst>
             <pc:docMk/>
             <pc:sldMk cId="2058970245" sldId="308"/>
@@ -1013,7 +962,7 @@
           </ac:spMkLst>
         </pc:spChg>
         <pc:spChg chg="add del mod">
-          <ac:chgData name="Harm De Weirdt" userId="3b80b7b2-6973-431e-8013-89966fc4a2c1" providerId="ADAL" clId="{68E43170-6E55-424D-94E1-FEAE91F13568}" dt="2018-10-08T09:19:59.949" v="2771"/>
+          <ac:chgData name="Harm De Weirdt" userId="3b80b7b2-6973-431e-8013-89966fc4a2c1" providerId="ADAL" clId="{68E43170-6E55-424D-94E1-FEAE91F13568}" dt="2018-10-08T09:19:59.949" v="2771" actId="478"/>
           <ac:spMkLst>
             <pc:docMk/>
             <pc:sldMk cId="2058970245" sldId="308"/>
@@ -1090,7 +1039,7 @@
           <pc:sldMk cId="2498200728" sldId="312"/>
         </pc:sldMkLst>
         <pc:spChg chg="mod">
-          <ac:chgData name="Harm De Weirdt" userId="3b80b7b2-6973-431e-8013-89966fc4a2c1" providerId="ADAL" clId="{68E43170-6E55-424D-94E1-FEAE91F13568}" dt="2018-10-08T09:39:19.813" v="3071"/>
+          <ac:chgData name="Harm De Weirdt" userId="3b80b7b2-6973-431e-8013-89966fc4a2c1" providerId="ADAL" clId="{68E43170-6E55-424D-94E1-FEAE91F13568}" dt="2018-10-08T09:39:19.813" v="3071" actId="14100"/>
           <ac:spMkLst>
             <pc:docMk/>
             <pc:sldMk cId="2498200728" sldId="312"/>
@@ -1130,7 +1079,7 @@
           </ac:spMkLst>
         </pc:spChg>
         <pc:graphicFrameChg chg="del modGraphic">
-          <ac:chgData name="Harm De Weirdt" userId="3b80b7b2-6973-431e-8013-89966fc4a2c1" providerId="ADAL" clId="{68E43170-6E55-424D-94E1-FEAE91F13568}" dt="2018-10-08T09:44:11.312" v="3478"/>
+          <ac:chgData name="Harm De Weirdt" userId="3b80b7b2-6973-431e-8013-89966fc4a2c1" providerId="ADAL" clId="{68E43170-6E55-424D-94E1-FEAE91F13568}" dt="2018-10-08T09:44:11.312" v="3478" actId="14100"/>
           <ac:graphicFrameMkLst>
             <pc:docMk/>
             <pc:sldMk cId="2498200728" sldId="312"/>
@@ -1192,7 +1141,7 @@
           </ac:spMkLst>
         </pc:spChg>
         <pc:spChg chg="mod">
-          <ac:chgData name="Harm De Weirdt" userId="3b80b7b2-6973-431e-8013-89966fc4a2c1" providerId="ADAL" clId="{68E43170-6E55-424D-94E1-FEAE91F13568}" dt="2018-10-09T08:35:49.692" v="5822"/>
+          <ac:chgData name="Harm De Weirdt" userId="3b80b7b2-6973-431e-8013-89966fc4a2c1" providerId="ADAL" clId="{68E43170-6E55-424D-94E1-FEAE91F13568}" dt="2018-10-09T08:35:49.692" v="5822" actId="20577"/>
           <ac:spMkLst>
             <pc:docMk/>
             <pc:sldMk cId="598929668" sldId="314"/>
@@ -1207,6 +1156,14 @@
             <ac:spMk id="5" creationId="{2B6990D4-19EF-4373-BAF6-AD20E3120057}"/>
           </ac:spMkLst>
         </pc:spChg>
+        <pc:spChg chg="add del">
+          <ac:chgData name="Harm De Weirdt" userId="3b80b7b2-6973-431e-8013-89966fc4a2c1" providerId="ADAL" clId="{68E43170-6E55-424D-94E1-FEAE91F13568}" dt="2018-10-08T10:05:57.871" v="4774" actId="20577"/>
+          <ac:spMkLst>
+            <pc:docMk/>
+            <pc:sldMk cId="598929668" sldId="314"/>
+            <ac:spMk id="6" creationId="{FBB1B9BC-4F58-4B77-A63B-CFD91B8E5271}"/>
+          </ac:spMkLst>
+        </pc:spChg>
         <pc:spChg chg="add mod">
           <ac:chgData name="Harm De Weirdt" userId="3b80b7b2-6973-431e-8013-89966fc4a2c1" providerId="ADAL" clId="{68E43170-6E55-424D-94E1-FEAE91F13568}" dt="2018-10-10T09:35:52.437" v="10019" actId="1076"/>
           <ac:spMkLst>
@@ -1216,15 +1173,7 @@
           </ac:spMkLst>
         </pc:spChg>
         <pc:spChg chg="add del">
-          <ac:chgData name="Harm De Weirdt" userId="3b80b7b2-6973-431e-8013-89966fc4a2c1" providerId="ADAL" clId="{68E43170-6E55-424D-94E1-FEAE91F13568}" dt="2018-10-08T10:05:57.871" v="4774"/>
-          <ac:spMkLst>
-            <pc:docMk/>
-            <pc:sldMk cId="598929668" sldId="314"/>
-            <ac:spMk id="6" creationId="{FBB1B9BC-4F58-4B77-A63B-CFD91B8E5271}"/>
-          </ac:spMkLst>
-        </pc:spChg>
-        <pc:spChg chg="add del">
-          <ac:chgData name="Harm De Weirdt" userId="3b80b7b2-6973-431e-8013-89966fc4a2c1" providerId="ADAL" clId="{68E43170-6E55-424D-94E1-FEAE91F13568}" dt="2018-10-08T10:07:21.012" v="4792"/>
+          <ac:chgData name="Harm De Weirdt" userId="3b80b7b2-6973-431e-8013-89966fc4a2c1" providerId="ADAL" clId="{68E43170-6E55-424D-94E1-FEAE91F13568}" dt="2018-10-08T10:07:21.012" v="4792" actId="20577"/>
           <ac:spMkLst>
             <pc:docMk/>
             <pc:sldMk cId="598929668" sldId="314"/>
@@ -1240,7 +1189,7 @@
           </ac:spMkLst>
         </pc:spChg>
         <pc:spChg chg="add del">
-          <ac:chgData name="Harm De Weirdt" userId="3b80b7b2-6973-431e-8013-89966fc4a2c1" providerId="ADAL" clId="{68E43170-6E55-424D-94E1-FEAE91F13568}" dt="2018-10-08T10:08:01.361" v="4810"/>
+          <ac:chgData name="Harm De Weirdt" userId="3b80b7b2-6973-431e-8013-89966fc4a2c1" providerId="ADAL" clId="{68E43170-6E55-424D-94E1-FEAE91F13568}" dt="2018-10-08T10:08:01.361" v="4810" actId="20577"/>
           <ac:spMkLst>
             <pc:docMk/>
             <pc:sldMk cId="598929668" sldId="314"/>
@@ -1263,7 +1212,7 @@
           </ac:spMkLst>
         </pc:spChg>
         <pc:spChg chg="mod">
-          <ac:chgData name="Harm De Weirdt" userId="3b80b7b2-6973-431e-8013-89966fc4a2c1" providerId="ADAL" clId="{68E43170-6E55-424D-94E1-FEAE91F13568}" dt="2018-10-09T08:35:04.717" v="5784"/>
+          <ac:chgData name="Harm De Weirdt" userId="3b80b7b2-6973-431e-8013-89966fc4a2c1" providerId="ADAL" clId="{68E43170-6E55-424D-94E1-FEAE91F13568}" dt="2018-10-09T08:35:04.717" v="5784" actId="20577"/>
           <ac:spMkLst>
             <pc:docMk/>
             <pc:sldMk cId="3330983337" sldId="315"/>
@@ -1271,7 +1220,7 @@
           </ac:spMkLst>
         </pc:spChg>
         <pc:spChg chg="add">
-          <ac:chgData name="Harm De Weirdt" userId="3b80b7b2-6973-431e-8013-89966fc4a2c1" providerId="ADAL" clId="{68E43170-6E55-424D-94E1-FEAE91F13568}" dt="2018-10-09T08:35:18.988" v="5788"/>
+          <ac:chgData name="Harm De Weirdt" userId="3b80b7b2-6973-431e-8013-89966fc4a2c1" providerId="ADAL" clId="{68E43170-6E55-424D-94E1-FEAE91F13568}" dt="2018-10-09T08:35:18.988" v="5788" actId="20577"/>
           <ac:spMkLst>
             <pc:docMk/>
             <pc:sldMk cId="3330983337" sldId="315"/>
@@ -1294,7 +1243,7 @@
         </pc:sldMkLst>
       </pc:sldChg>
       <pc:sldChg chg="add del">
-        <pc:chgData name="Harm De Weirdt" userId="3b80b7b2-6973-431e-8013-89966fc4a2c1" providerId="ADAL" clId="{68E43170-6E55-424D-94E1-FEAE91F13568}" dt="2018-10-09T08:40:28.806" v="5836"/>
+        <pc:chgData name="Harm De Weirdt" userId="3b80b7b2-6973-431e-8013-89966fc4a2c1" providerId="ADAL" clId="{68E43170-6E55-424D-94E1-FEAE91F13568}" dt="2018-10-09T08:40:28.806" v="5836" actId="478"/>
         <pc:sldMkLst>
           <pc:docMk/>
           <pc:sldMk cId="2366523987" sldId="316"/>
@@ -1445,7 +1394,7 @@
           <pc:sldMk cId="3291019550" sldId="322"/>
         </pc:sldMkLst>
         <pc:spChg chg="del mod">
-          <ac:chgData name="Harm De Weirdt" userId="3b80b7b2-6973-431e-8013-89966fc4a2c1" providerId="ADAL" clId="{68E43170-6E55-424D-94E1-FEAE91F13568}" dt="2018-10-09T08:55:00.226" v="6472"/>
+          <ac:chgData name="Harm De Weirdt" userId="3b80b7b2-6973-431e-8013-89966fc4a2c1" providerId="ADAL" clId="{68E43170-6E55-424D-94E1-FEAE91F13568}" dt="2018-10-09T08:55:00.226" v="6472" actId="2696"/>
           <ac:spMkLst>
             <pc:docMk/>
             <pc:sldMk cId="3291019550" sldId="322"/>
@@ -1469,7 +1418,7 @@
           </ac:spMkLst>
         </pc:spChg>
         <pc:spChg chg="del">
-          <ac:chgData name="Harm De Weirdt" userId="3b80b7b2-6973-431e-8013-89966fc4a2c1" providerId="ADAL" clId="{68E43170-6E55-424D-94E1-FEAE91F13568}" dt="2018-10-09T08:55:00.226" v="6472"/>
+          <ac:chgData name="Harm De Weirdt" userId="3b80b7b2-6973-431e-8013-89966fc4a2c1" providerId="ADAL" clId="{68E43170-6E55-424D-94E1-FEAE91F13568}" dt="2018-10-09T08:55:00.226" v="6472" actId="2696"/>
           <ac:spMkLst>
             <pc:docMk/>
             <pc:sldMk cId="3291019550" sldId="322"/>
@@ -1477,7 +1426,7 @@
           </ac:spMkLst>
         </pc:spChg>
         <pc:spChg chg="add del mod">
-          <ac:chgData name="Harm De Weirdt" userId="3b80b7b2-6973-431e-8013-89966fc4a2c1" providerId="ADAL" clId="{68E43170-6E55-424D-94E1-FEAE91F13568}" dt="2018-10-09T08:56:48.437" v="6529"/>
+          <ac:chgData name="Harm De Weirdt" userId="3b80b7b2-6973-431e-8013-89966fc4a2c1" providerId="ADAL" clId="{68E43170-6E55-424D-94E1-FEAE91F13568}" dt="2018-10-09T08:56:48.437" v="6529" actId="2696"/>
           <ac:spMkLst>
             <pc:docMk/>
             <pc:sldMk cId="3291019550" sldId="322"/>
@@ -1485,7 +1434,7 @@
           </ac:spMkLst>
         </pc:spChg>
         <pc:spChg chg="add mod">
-          <ac:chgData name="Harm De Weirdt" userId="3b80b7b2-6973-431e-8013-89966fc4a2c1" providerId="ADAL" clId="{68E43170-6E55-424D-94E1-FEAE91F13568}" dt="2018-10-09T08:55:00.226" v="6472"/>
+          <ac:chgData name="Harm De Weirdt" userId="3b80b7b2-6973-431e-8013-89966fc4a2c1" providerId="ADAL" clId="{68E43170-6E55-424D-94E1-FEAE91F13568}" dt="2018-10-09T08:55:00.226" v="6472" actId="2696"/>
           <ac:spMkLst>
             <pc:docMk/>
             <pc:sldMk cId="3291019550" sldId="322"/>
@@ -1493,7 +1442,7 @@
           </ac:spMkLst>
         </pc:spChg>
         <pc:spChg chg="add del mod">
-          <ac:chgData name="Harm De Weirdt" userId="3b80b7b2-6973-431e-8013-89966fc4a2c1" providerId="ADAL" clId="{68E43170-6E55-424D-94E1-FEAE91F13568}" dt="2018-10-09T08:58:18.118" v="6536"/>
+          <ac:chgData name="Harm De Weirdt" userId="3b80b7b2-6973-431e-8013-89966fc4a2c1" providerId="ADAL" clId="{68E43170-6E55-424D-94E1-FEAE91F13568}" dt="2018-10-09T08:58:18.118" v="6536" actId="2696"/>
           <ac:spMkLst>
             <pc:docMk/>
             <pc:sldMk cId="3291019550" sldId="322"/>
@@ -1526,7 +1475,7 @@
         </pc:picChg>
       </pc:sldChg>
       <pc:sldChg chg="add">
-        <pc:chgData name="Harm De Weirdt" userId="3b80b7b2-6973-431e-8013-89966fc4a2c1" providerId="ADAL" clId="{68E43170-6E55-424D-94E1-FEAE91F13568}" dt="2018-10-09T10:58:16.703" v="7521"/>
+        <pc:chgData name="Harm De Weirdt" userId="3b80b7b2-6973-431e-8013-89966fc4a2c1" providerId="ADAL" clId="{68E43170-6E55-424D-94E1-FEAE91F13568}" dt="2018-10-09T10:58:16.703" v="7521" actId="478"/>
         <pc:sldMkLst>
           <pc:docMk/>
           <pc:sldMk cId="3324219591" sldId="322"/>
@@ -1547,7 +1496,7 @@
           </ac:spMkLst>
         </pc:spChg>
         <pc:spChg chg="add del mod">
-          <ac:chgData name="Harm De Weirdt" userId="3b80b7b2-6973-431e-8013-89966fc4a2c1" providerId="ADAL" clId="{68E43170-6E55-424D-94E1-FEAE91F13568}" dt="2018-10-09T09:00:27.439" v="6669"/>
+          <ac:chgData name="Harm De Weirdt" userId="3b80b7b2-6973-431e-8013-89966fc4a2c1" providerId="ADAL" clId="{68E43170-6E55-424D-94E1-FEAE91F13568}" dt="2018-10-09T09:00:27.439" v="6669" actId="2696"/>
           <ac:spMkLst>
             <pc:docMk/>
             <pc:sldMk cId="452020587" sldId="323"/>
@@ -1563,7 +1512,7 @@
           </ac:spMkLst>
         </pc:spChg>
         <pc:spChg chg="add del mod">
-          <ac:chgData name="Harm De Weirdt" userId="3b80b7b2-6973-431e-8013-89966fc4a2c1" providerId="ADAL" clId="{68E43170-6E55-424D-94E1-FEAE91F13568}" dt="2018-10-09T09:02:26.922" v="6710"/>
+          <ac:chgData name="Harm De Weirdt" userId="3b80b7b2-6973-431e-8013-89966fc4a2c1" providerId="ADAL" clId="{68E43170-6E55-424D-94E1-FEAE91F13568}" dt="2018-10-09T09:02:26.922" v="6710" actId="2696"/>
           <ac:spMkLst>
             <pc:docMk/>
             <pc:sldMk cId="452020587" sldId="323"/>
@@ -1571,7 +1520,7 @@
           </ac:spMkLst>
         </pc:spChg>
         <pc:spChg chg="add del">
-          <ac:chgData name="Harm De Weirdt" userId="3b80b7b2-6973-431e-8013-89966fc4a2c1" providerId="ADAL" clId="{68E43170-6E55-424D-94E1-FEAE91F13568}" dt="2018-10-09T09:02:15.648" v="6708"/>
+          <ac:chgData name="Harm De Weirdt" userId="3b80b7b2-6973-431e-8013-89966fc4a2c1" providerId="ADAL" clId="{68E43170-6E55-424D-94E1-FEAE91F13568}" dt="2018-10-09T09:02:15.648" v="6708" actId="2696"/>
           <ac:spMkLst>
             <pc:docMk/>
             <pc:sldMk cId="452020587" sldId="323"/>
@@ -1611,7 +1560,7 @@
           </ac:spMkLst>
         </pc:spChg>
         <pc:spChg chg="add del">
-          <ac:chgData name="Harm De Weirdt" userId="3b80b7b2-6973-431e-8013-89966fc4a2c1" providerId="ADAL" clId="{68E43170-6E55-424D-94E1-FEAE91F13568}" dt="2018-10-09T09:07:48.454" v="7073"/>
+          <ac:chgData name="Harm De Weirdt" userId="3b80b7b2-6973-431e-8013-89966fc4a2c1" providerId="ADAL" clId="{68E43170-6E55-424D-94E1-FEAE91F13568}" dt="2018-10-09T09:07:48.454" v="7073" actId="2696"/>
           <ac:spMkLst>
             <pc:docMk/>
             <pc:sldMk cId="452020587" sldId="323"/>
@@ -1619,7 +1568,7 @@
           </ac:spMkLst>
         </pc:spChg>
         <pc:spChg chg="add">
-          <ac:chgData name="Harm De Weirdt" userId="3b80b7b2-6973-431e-8013-89966fc4a2c1" providerId="ADAL" clId="{68E43170-6E55-424D-94E1-FEAE91F13568}" dt="2018-10-09T09:07:50.791" v="7075"/>
+          <ac:chgData name="Harm De Weirdt" userId="3b80b7b2-6973-431e-8013-89966fc4a2c1" providerId="ADAL" clId="{68E43170-6E55-424D-94E1-FEAE91F13568}" dt="2018-10-09T09:07:50.791" v="7075" actId="2696"/>
           <ac:spMkLst>
             <pc:docMk/>
             <pc:sldMk cId="452020587" sldId="323"/>
@@ -1627,7 +1576,7 @@
           </ac:spMkLst>
         </pc:spChg>
         <pc:picChg chg="add del mod">
-          <ac:chgData name="Harm De Weirdt" userId="3b80b7b2-6973-431e-8013-89966fc4a2c1" providerId="ADAL" clId="{68E43170-6E55-424D-94E1-FEAE91F13568}" dt="2018-10-09T09:00:24.864" v="6667"/>
+          <ac:chgData name="Harm De Weirdt" userId="3b80b7b2-6973-431e-8013-89966fc4a2c1" providerId="ADAL" clId="{68E43170-6E55-424D-94E1-FEAE91F13568}" dt="2018-10-09T09:00:24.864" v="6667" actId="2696"/>
           <ac:picMkLst>
             <pc:docMk/>
             <pc:sldMk cId="452020587" sldId="323"/>
@@ -1668,7 +1617,7 @@
         </pc:picChg>
       </pc:sldChg>
       <pc:sldChg chg="add">
-        <pc:chgData name="Harm De Weirdt" userId="3b80b7b2-6973-431e-8013-89966fc4a2c1" providerId="ADAL" clId="{68E43170-6E55-424D-94E1-FEAE91F13568}" dt="2018-10-09T10:58:16.703" v="7521"/>
+        <pc:chgData name="Harm De Weirdt" userId="3b80b7b2-6973-431e-8013-89966fc4a2c1" providerId="ADAL" clId="{68E43170-6E55-424D-94E1-FEAE91F13568}" dt="2018-10-09T10:58:16.703" v="7521" actId="478"/>
         <pc:sldMkLst>
           <pc:docMk/>
           <pc:sldMk cId="926241345" sldId="323"/>
@@ -1698,14 +1647,14 @@
         </pc:picChg>
       </pc:sldChg>
       <pc:sldChg chg="add">
-        <pc:chgData name="Harm De Weirdt" userId="3b80b7b2-6973-431e-8013-89966fc4a2c1" providerId="ADAL" clId="{68E43170-6E55-424D-94E1-FEAE91F13568}" dt="2018-10-09T10:58:16.703" v="7521"/>
+        <pc:chgData name="Harm De Weirdt" userId="3b80b7b2-6973-431e-8013-89966fc4a2c1" providerId="ADAL" clId="{68E43170-6E55-424D-94E1-FEAE91F13568}" dt="2018-10-09T10:58:16.703" v="7521" actId="478"/>
         <pc:sldMkLst>
           <pc:docMk/>
           <pc:sldMk cId="3954444066" sldId="324"/>
         </pc:sldMkLst>
       </pc:sldChg>
       <pc:sldChg chg="add">
-        <pc:chgData name="Harm De Weirdt" userId="3b80b7b2-6973-431e-8013-89966fc4a2c1" providerId="ADAL" clId="{68E43170-6E55-424D-94E1-FEAE91F13568}" dt="2018-10-09T10:58:16.703" v="7521"/>
+        <pc:chgData name="Harm De Weirdt" userId="3b80b7b2-6973-431e-8013-89966fc4a2c1" providerId="ADAL" clId="{68E43170-6E55-424D-94E1-FEAE91F13568}" dt="2018-10-09T10:58:16.703" v="7521" actId="478"/>
         <pc:sldMkLst>
           <pc:docMk/>
           <pc:sldMk cId="1717430324" sldId="325"/>
@@ -1734,7 +1683,7 @@
           </ac:spMkLst>
         </pc:spChg>
         <pc:spChg chg="add del mod">
-          <ac:chgData name="Harm De Weirdt" userId="3b80b7b2-6973-431e-8013-89966fc4a2c1" providerId="ADAL" clId="{68E43170-6E55-424D-94E1-FEAE91F13568}" dt="2018-10-09T09:15:28.907" v="7095"/>
+          <ac:chgData name="Harm De Weirdt" userId="3b80b7b2-6973-431e-8013-89966fc4a2c1" providerId="ADAL" clId="{68E43170-6E55-424D-94E1-FEAE91F13568}" dt="2018-10-09T09:15:28.907" v="7095" actId="2696"/>
           <ac:spMkLst>
             <pc:docMk/>
             <pc:sldMk cId="2866339281" sldId="325"/>
@@ -1742,7 +1691,7 @@
           </ac:spMkLst>
         </pc:spChg>
         <pc:spChg chg="del">
-          <ac:chgData name="Harm De Weirdt" userId="3b80b7b2-6973-431e-8013-89966fc4a2c1" providerId="ADAL" clId="{68E43170-6E55-424D-94E1-FEAE91F13568}" dt="2018-10-09T09:15:28.907" v="7095"/>
+          <ac:chgData name="Harm De Weirdt" userId="3b80b7b2-6973-431e-8013-89966fc4a2c1" providerId="ADAL" clId="{68E43170-6E55-424D-94E1-FEAE91F13568}" dt="2018-10-09T09:15:28.907" v="7095" actId="2696"/>
           <ac:spMkLst>
             <pc:docMk/>
             <pc:sldMk cId="2866339281" sldId="325"/>
@@ -1750,7 +1699,7 @@
           </ac:spMkLst>
         </pc:spChg>
         <pc:spChg chg="add del mod">
-          <ac:chgData name="Harm De Weirdt" userId="3b80b7b2-6973-431e-8013-89966fc4a2c1" providerId="ADAL" clId="{68E43170-6E55-424D-94E1-FEAE91F13568}" dt="2018-10-09T09:15:28.907" v="7095"/>
+          <ac:chgData name="Harm De Weirdt" userId="3b80b7b2-6973-431e-8013-89966fc4a2c1" providerId="ADAL" clId="{68E43170-6E55-424D-94E1-FEAE91F13568}" dt="2018-10-09T09:15:28.907" v="7095" actId="2696"/>
           <ac:spMkLst>
             <pc:docMk/>
             <pc:sldMk cId="2866339281" sldId="325"/>
@@ -1758,7 +1707,7 @@
           </ac:spMkLst>
         </pc:spChg>
         <pc:spChg chg="add del mod">
-          <ac:chgData name="Harm De Weirdt" userId="3b80b7b2-6973-431e-8013-89966fc4a2c1" providerId="ADAL" clId="{68E43170-6E55-424D-94E1-FEAE91F13568}" dt="2018-10-09T09:15:28.907" v="7095"/>
+          <ac:chgData name="Harm De Weirdt" userId="3b80b7b2-6973-431e-8013-89966fc4a2c1" providerId="ADAL" clId="{68E43170-6E55-424D-94E1-FEAE91F13568}" dt="2018-10-09T09:15:28.907" v="7095" actId="2696"/>
           <ac:spMkLst>
             <pc:docMk/>
             <pc:sldMk cId="2866339281" sldId="325"/>
@@ -1766,7 +1715,7 @@
           </ac:spMkLst>
         </pc:spChg>
         <pc:spChg chg="add del mod">
-          <ac:chgData name="Harm De Weirdt" userId="3b80b7b2-6973-431e-8013-89966fc4a2c1" providerId="ADAL" clId="{68E43170-6E55-424D-94E1-FEAE91F13568}" dt="2018-10-09T09:15:37.965" v="7096"/>
+          <ac:chgData name="Harm De Weirdt" userId="3b80b7b2-6973-431e-8013-89966fc4a2c1" providerId="ADAL" clId="{68E43170-6E55-424D-94E1-FEAE91F13568}" dt="2018-10-09T09:15:37.965" v="7096" actId="2696"/>
           <ac:spMkLst>
             <pc:docMk/>
             <pc:sldMk cId="2866339281" sldId="325"/>
@@ -1774,7 +1723,7 @@
           </ac:spMkLst>
         </pc:spChg>
         <pc:spChg chg="add del mod">
-          <ac:chgData name="Harm De Weirdt" userId="3b80b7b2-6973-431e-8013-89966fc4a2c1" providerId="ADAL" clId="{68E43170-6E55-424D-94E1-FEAE91F13568}" dt="2018-10-09T09:15:37.965" v="7096"/>
+          <ac:chgData name="Harm De Weirdt" userId="3b80b7b2-6973-431e-8013-89966fc4a2c1" providerId="ADAL" clId="{68E43170-6E55-424D-94E1-FEAE91F13568}" dt="2018-10-09T09:15:37.965" v="7096" actId="2696"/>
           <ac:spMkLst>
             <pc:docMk/>
             <pc:sldMk cId="2866339281" sldId="325"/>
@@ -1782,7 +1731,7 @@
           </ac:spMkLst>
         </pc:spChg>
         <pc:spChg chg="add del mod">
-          <ac:chgData name="Harm De Weirdt" userId="3b80b7b2-6973-431e-8013-89966fc4a2c1" providerId="ADAL" clId="{68E43170-6E55-424D-94E1-FEAE91F13568}" dt="2018-10-09T09:15:37.965" v="7096"/>
+          <ac:chgData name="Harm De Weirdt" userId="3b80b7b2-6973-431e-8013-89966fc4a2c1" providerId="ADAL" clId="{68E43170-6E55-424D-94E1-FEAE91F13568}" dt="2018-10-09T09:15:37.965" v="7096" actId="2696"/>
           <ac:spMkLst>
             <pc:docMk/>
             <pc:sldMk cId="2866339281" sldId="325"/>
@@ -1862,21 +1811,21 @@
         </pc:spChg>
       </pc:sldChg>
       <pc:sldChg chg="add">
-        <pc:chgData name="Harm De Weirdt" userId="3b80b7b2-6973-431e-8013-89966fc4a2c1" providerId="ADAL" clId="{68E43170-6E55-424D-94E1-FEAE91F13568}" dt="2018-10-09T10:58:16.703" v="7521"/>
+        <pc:chgData name="Harm De Weirdt" userId="3b80b7b2-6973-431e-8013-89966fc4a2c1" providerId="ADAL" clId="{68E43170-6E55-424D-94E1-FEAE91F13568}" dt="2018-10-09T10:58:16.703" v="7521" actId="478"/>
         <pc:sldMkLst>
           <pc:docMk/>
           <pc:sldMk cId="2878668532" sldId="326"/>
         </pc:sldMkLst>
       </pc:sldChg>
       <pc:sldChg chg="add">
-        <pc:chgData name="Harm De Weirdt" userId="3b80b7b2-6973-431e-8013-89966fc4a2c1" providerId="ADAL" clId="{68E43170-6E55-424D-94E1-FEAE91F13568}" dt="2018-10-09T10:57:59.796" v="7515"/>
+        <pc:chgData name="Harm De Weirdt" userId="3b80b7b2-6973-431e-8013-89966fc4a2c1" providerId="ADAL" clId="{68E43170-6E55-424D-94E1-FEAE91F13568}" dt="2018-10-09T10:57:59.796" v="7515" actId="478"/>
         <pc:sldMkLst>
           <pc:docMk/>
           <pc:sldMk cId="1864787917" sldId="327"/>
         </pc:sldMkLst>
       </pc:sldChg>
       <pc:sldChg chg="add del">
-        <pc:chgData name="Harm De Weirdt" userId="3b80b7b2-6973-431e-8013-89966fc4a2c1" providerId="ADAL" clId="{68E43170-6E55-424D-94E1-FEAE91F13568}" dt="2018-10-09T10:58:56.903" v="7530"/>
+        <pc:chgData name="Harm De Weirdt" userId="3b80b7b2-6973-431e-8013-89966fc4a2c1" providerId="ADAL" clId="{68E43170-6E55-424D-94E1-FEAE91F13568}" dt="2018-10-09T10:58:56.903" v="7530" actId="478"/>
         <pc:sldMkLst>
           <pc:docMk/>
           <pc:sldMk cId="1276296021" sldId="328"/>
@@ -1921,7 +1870,7 @@
           </ac:spMkLst>
         </pc:spChg>
         <pc:spChg chg="add del mod">
-          <ac:chgData name="Harm De Weirdt" userId="3b80b7b2-6973-431e-8013-89966fc4a2c1" providerId="ADAL" clId="{68E43170-6E55-424D-94E1-FEAE91F13568}" dt="2018-10-09T11:00:58.589" v="7735"/>
+          <ac:chgData name="Harm De Weirdt" userId="3b80b7b2-6973-431e-8013-89966fc4a2c1" providerId="ADAL" clId="{68E43170-6E55-424D-94E1-FEAE91F13568}" dt="2018-10-09T11:00:58.589" v="7735" actId="403"/>
           <ac:spMkLst>
             <pc:docMk/>
             <pc:sldMk cId="2067409136" sldId="328"/>
@@ -1954,7 +1903,7 @@
         </pc:spChg>
       </pc:sldChg>
       <pc:sldChg chg="modSp add ord">
-        <pc:chgData name="Harm De Weirdt" userId="3b80b7b2-6973-431e-8013-89966fc4a2c1" providerId="ADAL" clId="{68E43170-6E55-424D-94E1-FEAE91F13568}" dt="2018-10-09T11:00:36.863" v="7730"/>
+        <pc:chgData name="Harm De Weirdt" userId="3b80b7b2-6973-431e-8013-89966fc4a2c1" providerId="ADAL" clId="{68E43170-6E55-424D-94E1-FEAE91F13568}" dt="2018-10-09T11:00:36.863" v="7730" actId="478"/>
         <pc:sldMkLst>
           <pc:docMk/>
           <pc:sldMk cId="884819016" sldId="329"/>
@@ -1999,7 +1948,7 @@
           </ac:spMkLst>
         </pc:spChg>
         <pc:spChg chg="add">
-          <ac:chgData name="Harm De Weirdt" userId="3b80b7b2-6973-431e-8013-89966fc4a2c1" providerId="ADAL" clId="{68E43170-6E55-424D-94E1-FEAE91F13568}" dt="2018-10-09T11:09:08.033" v="8091"/>
+          <ac:chgData name="Harm De Weirdt" userId="3b80b7b2-6973-431e-8013-89966fc4a2c1" providerId="ADAL" clId="{68E43170-6E55-424D-94E1-FEAE91F13568}" dt="2018-10-09T11:09:08.033" v="8091" actId="20577"/>
           <ac:spMkLst>
             <pc:docMk/>
             <pc:sldMk cId="2588597379" sldId="330"/>
@@ -2023,7 +1972,7 @@
           </ac:spMkLst>
         </pc:spChg>
         <pc:picChg chg="add del mod">
-          <ac:chgData name="Harm De Weirdt" userId="3b80b7b2-6973-431e-8013-89966fc4a2c1" providerId="ADAL" clId="{68E43170-6E55-424D-94E1-FEAE91F13568}" dt="2018-10-09T11:06:30.393" v="7924"/>
+          <ac:chgData name="Harm De Weirdt" userId="3b80b7b2-6973-431e-8013-89966fc4a2c1" providerId="ADAL" clId="{68E43170-6E55-424D-94E1-FEAE91F13568}" dt="2018-10-09T11:06:30.393" v="7924" actId="20577"/>
           <ac:picMkLst>
             <pc:docMk/>
             <pc:sldMk cId="2588597379" sldId="330"/>
@@ -2054,7 +2003,7 @@
           </ac:spMkLst>
         </pc:spChg>
         <pc:spChg chg="del">
-          <ac:chgData name="Harm De Weirdt" userId="3b80b7b2-6973-431e-8013-89966fc4a2c1" providerId="ADAL" clId="{68E43170-6E55-424D-94E1-FEAE91F13568}" dt="2018-10-09T11:10:01.393" v="8121"/>
+          <ac:chgData name="Harm De Weirdt" userId="3b80b7b2-6973-431e-8013-89966fc4a2c1" providerId="ADAL" clId="{68E43170-6E55-424D-94E1-FEAE91F13568}" dt="2018-10-09T11:10:01.393" v="8121" actId="20577"/>
           <ac:spMkLst>
             <pc:docMk/>
             <pc:sldMk cId="3617868043" sldId="331"/>
@@ -2078,7 +2027,7 @@
           </ac:spMkLst>
         </pc:spChg>
         <pc:picChg chg="add mod">
-          <ac:chgData name="Harm De Weirdt" userId="3b80b7b2-6973-431e-8013-89966fc4a2c1" providerId="ADAL" clId="{68E43170-6E55-424D-94E1-FEAE91F13568}" dt="2018-10-09T11:10:01.393" v="8121"/>
+          <ac:chgData name="Harm De Weirdt" userId="3b80b7b2-6973-431e-8013-89966fc4a2c1" providerId="ADAL" clId="{68E43170-6E55-424D-94E1-FEAE91F13568}" dt="2018-10-09T11:10:01.393" v="8121" actId="20577"/>
           <ac:picMkLst>
             <pc:docMk/>
             <pc:sldMk cId="3617868043" sldId="331"/>
@@ -2109,7 +2058,7 @@
           </ac:spMkLst>
         </pc:spChg>
         <pc:spChg chg="add del mod">
-          <ac:chgData name="Harm De Weirdt" userId="3b80b7b2-6973-431e-8013-89966fc4a2c1" providerId="ADAL" clId="{68E43170-6E55-424D-94E1-FEAE91F13568}" dt="2018-10-09T11:13:19.362" v="8275"/>
+          <ac:chgData name="Harm De Weirdt" userId="3b80b7b2-6973-431e-8013-89966fc4a2c1" providerId="ADAL" clId="{68E43170-6E55-424D-94E1-FEAE91F13568}" dt="2018-10-09T11:13:19.362" v="8275" actId="20577"/>
           <ac:spMkLst>
             <pc:docMk/>
             <pc:sldMk cId="281169694" sldId="332"/>
@@ -2125,7 +2074,7 @@
           </ac:picMkLst>
         </pc:picChg>
         <pc:picChg chg="add del mod">
-          <ac:chgData name="Harm De Weirdt" userId="3b80b7b2-6973-431e-8013-89966fc4a2c1" providerId="ADAL" clId="{68E43170-6E55-424D-94E1-FEAE91F13568}" dt="2018-10-09T11:13:18.556" v="8274"/>
+          <ac:chgData name="Harm De Weirdt" userId="3b80b7b2-6973-431e-8013-89966fc4a2c1" providerId="ADAL" clId="{68E43170-6E55-424D-94E1-FEAE91F13568}" dt="2018-10-09T11:13:18.556" v="8274" actId="20577"/>
           <ac:picMkLst>
             <pc:docMk/>
             <pc:sldMk cId="281169694" sldId="332"/>
@@ -2164,7 +2113,7 @@
           </ac:spMkLst>
         </pc:spChg>
         <pc:spChg chg="add del mod">
-          <ac:chgData name="Harm De Weirdt" userId="3b80b7b2-6973-431e-8013-89966fc4a2c1" providerId="ADAL" clId="{68E43170-6E55-424D-94E1-FEAE91F13568}" dt="2018-10-09T11:16:57.533" v="8505"/>
+          <ac:chgData name="Harm De Weirdt" userId="3b80b7b2-6973-431e-8013-89966fc4a2c1" providerId="ADAL" clId="{68E43170-6E55-424D-94E1-FEAE91F13568}" dt="2018-10-09T11:16:57.533" v="8505" actId="20577"/>
           <ac:spMkLst>
             <pc:docMk/>
             <pc:sldMk cId="3850291291" sldId="333"/>
@@ -2172,7 +2121,7 @@
           </ac:spMkLst>
         </pc:spChg>
         <pc:spChg chg="mod">
-          <ac:chgData name="Harm De Weirdt" userId="3b80b7b2-6973-431e-8013-89966fc4a2c1" providerId="ADAL" clId="{68E43170-6E55-424D-94E1-FEAE91F13568}" dt="2018-10-09T11:16:13.573" v="8491"/>
+          <ac:chgData name="Harm De Weirdt" userId="3b80b7b2-6973-431e-8013-89966fc4a2c1" providerId="ADAL" clId="{68E43170-6E55-424D-94E1-FEAE91F13568}" dt="2018-10-09T11:16:13.573" v="8491" actId="20577"/>
           <ac:spMkLst>
             <pc:docMk/>
             <pc:sldMk cId="3850291291" sldId="333"/>
@@ -2180,7 +2129,7 @@
           </ac:spMkLst>
         </pc:spChg>
         <pc:spChg chg="add del mod">
-          <ac:chgData name="Harm De Weirdt" userId="3b80b7b2-6973-431e-8013-89966fc4a2c1" providerId="ADAL" clId="{68E43170-6E55-424D-94E1-FEAE91F13568}" dt="2018-10-09T11:16:53.834" v="8502"/>
+          <ac:chgData name="Harm De Weirdt" userId="3b80b7b2-6973-431e-8013-89966fc4a2c1" providerId="ADAL" clId="{68E43170-6E55-424D-94E1-FEAE91F13568}" dt="2018-10-09T11:16:53.834" v="8502" actId="20577"/>
           <ac:spMkLst>
             <pc:docMk/>
             <pc:sldMk cId="3850291291" sldId="333"/>
@@ -2188,7 +2137,7 @@
           </ac:spMkLst>
         </pc:spChg>
         <pc:picChg chg="add del mod">
-          <ac:chgData name="Harm De Weirdt" userId="3b80b7b2-6973-431e-8013-89966fc4a2c1" providerId="ADAL" clId="{68E43170-6E55-424D-94E1-FEAE91F13568}" dt="2018-10-09T11:16:56.797" v="8504"/>
+          <ac:chgData name="Harm De Weirdt" userId="3b80b7b2-6973-431e-8013-89966fc4a2c1" providerId="ADAL" clId="{68E43170-6E55-424D-94E1-FEAE91F13568}" dt="2018-10-09T11:16:56.797" v="8504" actId="20577"/>
           <ac:picMkLst>
             <pc:docMk/>
             <pc:sldMk cId="3850291291" sldId="333"/>
@@ -2302,6 +2251,38 @@
             <pc:docMk/>
             <pc:sldMk cId="2037020455" sldId="336"/>
             <ac:spMk id="3" creationId="{B13395BE-BA05-42EF-9B31-F98FE6194745}"/>
+          </ac:spMkLst>
+        </pc:spChg>
+      </pc:sldChg>
+    </pc:docChg>
+  </pc:docChgLst>
+  <pc:docChgLst>
+    <pc:chgData name="Harm De Weirdt" userId="3b80b7b2-6973-431e-8013-89966fc4a2c1" providerId="ADAL" clId="{F493086F-B012-4B03-BED4-E86E7F5543FB}"/>
+    <pc:docChg chg="undo custSel addSld delSld modSld sldOrd">
+      <pc:chgData name="Harm De Weirdt" userId="3b80b7b2-6973-431e-8013-89966fc4a2c1" providerId="ADAL" clId="{F493086F-B012-4B03-BED4-E86E7F5543FB}" dt="2018-09-06T13:27:57.372" v="3569" actId="113"/>
+      <pc:docMkLst>
+        <pc:docMk/>
+      </pc:docMkLst>
+      <pc:sldChg chg="modSp add">
+        <pc:chgData name="Harm De Weirdt" userId="3b80b7b2-6973-431e-8013-89966fc4a2c1" providerId="ADAL" clId="{F493086F-B012-4B03-BED4-E86E7F5543FB}" dt="2018-09-06T13:27:57.372" v="3569" actId="113"/>
+        <pc:sldMkLst>
+          <pc:docMk/>
+          <pc:sldMk cId="994270348" sldId="287"/>
+        </pc:sldMkLst>
+        <pc:spChg chg="mod">
+          <ac:chgData name="Harm De Weirdt" userId="3b80b7b2-6973-431e-8013-89966fc4a2c1" providerId="ADAL" clId="{F493086F-B012-4B03-BED4-E86E7F5543FB}" dt="2018-09-06T13:27:57.372" v="3569" actId="113"/>
+          <ac:spMkLst>
+            <pc:docMk/>
+            <pc:sldMk cId="994270348" sldId="287"/>
+            <ac:spMk id="15" creationId="{00000000-0000-0000-0000-000000000000}"/>
+          </ac:spMkLst>
+        </pc:spChg>
+        <pc:spChg chg="mod">
+          <ac:chgData name="Harm De Weirdt" userId="3b80b7b2-6973-431e-8013-89966fc4a2c1" providerId="ADAL" clId="{F493086F-B012-4B03-BED4-E86E7F5543FB}" dt="2018-09-06T13:20:43.486" v="3457" actId="20577"/>
+          <ac:spMkLst>
+            <pc:docMk/>
+            <pc:sldMk cId="994270348" sldId="287"/>
+            <ac:spMk id="20" creationId="{00000000-0000-0000-0000-000000000000}"/>
           </ac:spMkLst>
         </pc:spChg>
       </pc:sldChg>
@@ -2404,7 +2385,7 @@
           <a:p>
             <a:fld id="{78D2DCAA-103F-354E-8DC4-514509B8F015}" type="datetimeFigureOut">
               <a:rPr lang="en-US" smtClean="0"/>
-              <a:t>10-Oct-18</a:t>
+              <a:t>11-Oct-18</a:t>
             </a:fld>
             <a:endParaRPr lang="en-US"/>
           </a:p>
@@ -2482,7 +2463,7 @@
           <a:p>
             <a:fld id="{91488359-39DF-1646-878F-232245F3C40F}" type="slidenum">
               <a:rPr lang="en-US" smtClean="0"/>
-              <a:t>‹#›</a:t>
+              <a:t>‹nr.›</a:t>
             </a:fld>
             <a:endParaRPr lang="en-US"/>
           </a:p>
@@ -2581,7 +2562,7 @@
           <a:p>
             <a:fld id="{0C57C68D-DC7A-4FCF-9840-0D2AF359C482}" type="datetimeFigureOut">
               <a:rPr lang="en-US" smtClean="0"/>
-              <a:t>10-Oct-18</a:t>
+              <a:t>11-Oct-18</a:t>
             </a:fld>
             <a:endParaRPr lang="en-US"/>
           </a:p>
@@ -2740,7 +2721,7 @@
           <a:p>
             <a:fld id="{73A82B18-7331-4D62-8247-82E8C7147C7E}" type="slidenum">
               <a:rPr lang="en-US" smtClean="0"/>
-              <a:t>‹#›</a:t>
+              <a:t>‹nr.›</a:t>
             </a:fld>
             <a:endParaRPr lang="en-US"/>
           </a:p>
@@ -3370,90 +3351,6 @@
     <p:extLst>
       <p:ext uri="{BB962C8B-B14F-4D97-AF65-F5344CB8AC3E}">
         <p14:creationId xmlns:p14="http://schemas.microsoft.com/office/powerpoint/2010/main" val="1270345848"/>
-      </p:ext>
-    </p:extLst>
-  </p:cSld>
-  <p:clrMapOvr>
-    <a:masterClrMapping/>
-  </p:clrMapOvr>
-</p:notes>
-</file>
-
-<file path=ppt/notesSlides/notesSlide15.xml><?xml version="1.0" encoding="utf-8"?>
-<p:notes xmlns:a="http://schemas.openxmlformats.org/drawingml/2006/main" xmlns:r="http://schemas.openxmlformats.org/officeDocument/2006/relationships" xmlns:p="http://schemas.openxmlformats.org/presentationml/2006/main">
-  <p:cSld>
-    <p:spTree>
-      <p:nvGrpSpPr>
-        <p:cNvPr id="1" name=""/>
-        <p:cNvGrpSpPr/>
-        <p:nvPr/>
-      </p:nvGrpSpPr>
-      <p:grpSpPr>
-        <a:xfrm>
-          <a:off x="0" y="0"/>
-          <a:ext cx="0" cy="0"/>
-          <a:chOff x="0" y="0"/>
-          <a:chExt cx="0" cy="0"/>
-        </a:xfrm>
-      </p:grpSpPr>
-      <p:sp>
-        <p:nvSpPr>
-          <p:cNvPr id="2" name="Tijdelijke aanduiding voor dia-afbeelding 1"/>
-          <p:cNvSpPr>
-            <a:spLocks noGrp="1" noRot="1" noChangeAspect="1"/>
-          </p:cNvSpPr>
-          <p:nvPr>
-            <p:ph type="sldImg"/>
-          </p:nvPr>
-        </p:nvSpPr>
-        <p:spPr/>
-      </p:sp>
-      <p:sp>
-        <p:nvSpPr>
-          <p:cNvPr id="3" name="Tijdelijke aanduiding voor notities 2"/>
-          <p:cNvSpPr>
-            <a:spLocks noGrp="1"/>
-          </p:cNvSpPr>
-          <p:nvPr>
-            <p:ph type="body" idx="1"/>
-          </p:nvPr>
-        </p:nvSpPr>
-        <p:spPr/>
-        <p:txBody>
-          <a:bodyPr/>
-          <a:lstStyle/>
-          <a:p>
-            <a:endParaRPr lang="en-US" dirty="0"/>
-          </a:p>
-        </p:txBody>
-      </p:sp>
-      <p:sp>
-        <p:nvSpPr>
-          <p:cNvPr id="4" name="Tijdelijke aanduiding voor dianummer 3"/>
-          <p:cNvSpPr>
-            <a:spLocks noGrp="1"/>
-          </p:cNvSpPr>
-          <p:nvPr>
-            <p:ph type="sldNum" sz="quarter" idx="10"/>
-          </p:nvPr>
-        </p:nvSpPr>
-        <p:spPr/>
-        <p:txBody>
-          <a:bodyPr/>
-          <a:lstStyle/>
-          <a:p>
-            <a:fld id="{73A82B18-7331-4D62-8247-82E8C7147C7E}" type="slidenum">
-              <a:rPr lang="en-US" smtClean="0"/>
-              <a:t>21</a:t>
-            </a:fld>
-            <a:endParaRPr lang="en-US"/>
-          </a:p>
-        </p:txBody>
-      </p:sp>
-    </p:spTree>
-    <p:extLst>
-      <p:ext uri="{BB962C8B-B14F-4D97-AF65-F5344CB8AC3E}">
-        <p14:creationId xmlns:p14="http://schemas.microsoft.com/office/powerpoint/2010/main" val="3880715169"/>
       </p:ext>
     </p:extLst>
   </p:cSld>
@@ -14153,4125 +14050,6 @@
       </p:grpSpPr>
       <p:pic>
         <p:nvPicPr>
-          <p:cNvPr id="6" name="Afbeelding 5">
-            <a:extLst>
-              <a:ext uri="{FF2B5EF4-FFF2-40B4-BE49-F238E27FC236}">
-                <a16:creationId xmlns:a16="http://schemas.microsoft.com/office/drawing/2014/main" id="{65C151A2-F05C-4EED-9BD3-388396D5F9B2}"/>
-              </a:ext>
-            </a:extLst>
-          </p:cNvPr>
-          <p:cNvPicPr>
-            <a:picLocks noChangeAspect="1"/>
-          </p:cNvPicPr>
-          <p:nvPr/>
-        </p:nvPicPr>
-        <p:blipFill>
-          <a:blip r:embed="rId3"/>
-          <a:stretch>
-            <a:fillRect/>
-          </a:stretch>
-        </p:blipFill>
-        <p:spPr>
-          <a:xfrm>
-            <a:off x="-3816350" y="-1350"/>
-            <a:ext cx="8229600" cy="5143500"/>
-          </a:xfrm>
-          <a:prstGeom prst="rect">
-            <a:avLst/>
-          </a:prstGeom>
-        </p:spPr>
-      </p:pic>
-      <p:pic>
-        <p:nvPicPr>
-          <p:cNvPr id="2" name="Afbeelding 1"/>
-          <p:cNvPicPr>
-            <a:picLocks noChangeAspect="1"/>
-          </p:cNvPicPr>
-          <p:nvPr/>
-        </p:nvPicPr>
-        <p:blipFill>
-          <a:blip r:embed="rId4">
-            <a:extLst>
-              <a:ext uri="{28A0092B-C50C-407E-A947-70E740481C1C}">
-                <a14:useLocalDpi xmlns:a14="http://schemas.microsoft.com/office/drawing/2010/main" val="0"/>
-              </a:ext>
-            </a:extLst>
-          </a:blip>
-          <a:stretch>
-            <a:fillRect/>
-          </a:stretch>
-        </p:blipFill>
-        <p:spPr>
-          <a:xfrm>
-            <a:off x="0" y="-1350"/>
-            <a:ext cx="6864101" cy="5143500"/>
-          </a:xfrm>
-          <a:prstGeom prst="rect">
-            <a:avLst/>
-          </a:prstGeom>
-        </p:spPr>
-      </p:pic>
-      <p:sp>
-        <p:nvSpPr>
-          <p:cNvPr id="32" name="Title 1"/>
-          <p:cNvSpPr>
-            <a:spLocks noGrp="1"/>
-          </p:cNvSpPr>
-          <p:nvPr>
-            <p:ph type="ctrTitle"/>
-          </p:nvPr>
-        </p:nvSpPr>
-        <p:spPr/>
-        <p:txBody>
-          <a:bodyPr/>
-          <a:lstStyle/>
-          <a:p>
-            <a:r>
-              <a:rPr lang="nl-BE" dirty="0">
-                <a:solidFill>
-                  <a:schemeClr val="tx1"/>
-                </a:solidFill>
-              </a:rPr>
-              <a:t>Native Apps I</a:t>
-            </a:r>
-          </a:p>
-        </p:txBody>
-      </p:sp>
-      <p:sp>
-        <p:nvSpPr>
-          <p:cNvPr id="33" name="Subtitle 2"/>
-          <p:cNvSpPr>
-            <a:spLocks noGrp="1"/>
-          </p:cNvSpPr>
-          <p:nvPr>
-            <p:ph type="subTitle" idx="1"/>
-          </p:nvPr>
-        </p:nvSpPr>
-        <p:spPr>
-          <a:xfrm>
-            <a:off x="685800" y="2570400"/>
-            <a:ext cx="7772400" cy="758328"/>
-          </a:xfrm>
-        </p:spPr>
-        <p:txBody>
-          <a:bodyPr/>
-          <a:lstStyle/>
-          <a:p>
-            <a:r>
-              <a:rPr lang="nl-BE">
-                <a:solidFill>
-                  <a:schemeClr val="accent2">
-                    <a:lumMod val="75000"/>
-                  </a:schemeClr>
-                </a:solidFill>
-              </a:rPr>
-              <a:t>User Interfaces</a:t>
-            </a:r>
-            <a:endParaRPr lang="nl-BE" dirty="0">
-              <a:solidFill>
-                <a:schemeClr val="accent2">
-                  <a:lumMod val="75000"/>
-                </a:schemeClr>
-              </a:solidFill>
-            </a:endParaRPr>
-          </a:p>
-        </p:txBody>
-      </p:sp>
-    </p:spTree>
-    <p:extLst>
-      <p:ext uri="{BB962C8B-B14F-4D97-AF65-F5344CB8AC3E}">
-        <p14:creationId xmlns:p14="http://schemas.microsoft.com/office/powerpoint/2010/main" val="2430674686"/>
-      </p:ext>
-    </p:extLst>
-  </p:cSld>
-  <p:clrMapOvr>
-    <a:masterClrMapping/>
-  </p:clrMapOvr>
-</p:sld>
-</file>
-
-<file path=ppt/slides/slide22.xml><?xml version="1.0" encoding="utf-8"?>
-<p:sld xmlns:a="http://schemas.openxmlformats.org/drawingml/2006/main" xmlns:r="http://schemas.openxmlformats.org/officeDocument/2006/relationships" xmlns:p="http://schemas.openxmlformats.org/presentationml/2006/main">
-  <p:cSld>
-    <p:spTree>
-      <p:nvGrpSpPr>
-        <p:cNvPr id="1" name=""/>
-        <p:cNvGrpSpPr/>
-        <p:nvPr/>
-      </p:nvGrpSpPr>
-      <p:grpSpPr>
-        <a:xfrm>
-          <a:off x="0" y="0"/>
-          <a:ext cx="0" cy="0"/>
-          <a:chOff x="0" y="0"/>
-          <a:chExt cx="0" cy="0"/>
-        </a:xfrm>
-      </p:grpSpPr>
-      <p:sp>
-        <p:nvSpPr>
-          <p:cNvPr id="3" name="Title 2">
-            <a:extLst>
-              <a:ext uri="{FF2B5EF4-FFF2-40B4-BE49-F238E27FC236}">
-                <a16:creationId xmlns:a16="http://schemas.microsoft.com/office/drawing/2014/main" id="{11851859-D908-4D6A-A164-8A01E60A2188}"/>
-              </a:ext>
-            </a:extLst>
-          </p:cNvPr>
-          <p:cNvSpPr>
-            <a:spLocks noGrp="1"/>
-          </p:cNvSpPr>
-          <p:nvPr>
-            <p:ph type="ctrTitle"/>
-          </p:nvPr>
-        </p:nvSpPr>
-        <p:spPr/>
-        <p:txBody>
-          <a:bodyPr/>
-          <a:lstStyle/>
-          <a:p>
-            <a:r>
-              <a:rPr lang="en-US"/>
-              <a:t>Terminologie</a:t>
-            </a:r>
-            <a:endParaRPr lang="nl-BE"/>
-          </a:p>
-        </p:txBody>
-      </p:sp>
-      <p:sp>
-        <p:nvSpPr>
-          <p:cNvPr id="7" name="Text Placeholder 6">
-            <a:extLst>
-              <a:ext uri="{FF2B5EF4-FFF2-40B4-BE49-F238E27FC236}">
-                <a16:creationId xmlns:a16="http://schemas.microsoft.com/office/drawing/2014/main" id="{E0663161-A170-4FB6-AC42-7F18ED1528E2}"/>
-              </a:ext>
-            </a:extLst>
-          </p:cNvPr>
-          <p:cNvSpPr>
-            <a:spLocks noGrp="1"/>
-          </p:cNvSpPr>
-          <p:nvPr>
-            <p:ph type="body" sz="quarter" idx="18"/>
-          </p:nvPr>
-        </p:nvSpPr>
-        <p:spPr/>
-        <p:txBody>
-          <a:bodyPr/>
-          <a:lstStyle/>
-          <a:p>
-            <a:endParaRPr lang="nl-BE"/>
-          </a:p>
-        </p:txBody>
-      </p:sp>
-      <p:sp>
-        <p:nvSpPr>
-          <p:cNvPr id="4" name="Text Placeholder 3">
-            <a:extLst>
-              <a:ext uri="{FF2B5EF4-FFF2-40B4-BE49-F238E27FC236}">
-                <a16:creationId xmlns:a16="http://schemas.microsoft.com/office/drawing/2014/main" id="{7CC90748-ACFD-4AFE-81EC-DDCBD3F454ED}"/>
-              </a:ext>
-            </a:extLst>
-          </p:cNvPr>
-          <p:cNvSpPr>
-            <a:spLocks noGrp="1"/>
-          </p:cNvSpPr>
-          <p:nvPr>
-            <p:ph type="body" sz="quarter" idx="16"/>
-          </p:nvPr>
-        </p:nvSpPr>
-        <p:spPr/>
-        <p:txBody>
-          <a:bodyPr>
-            <a:normAutofit/>
-          </a:bodyPr>
-          <a:lstStyle/>
-          <a:p>
-            <a:r>
-              <a:rPr lang="en-US" sz="2300"/>
-              <a:t>Screen Size</a:t>
-            </a:r>
-          </a:p>
-          <a:p>
-            <a:pPr lvl="1" indent="0">
-              <a:buNone/>
-            </a:pPr>
-            <a:r>
-              <a:rPr lang="en-US" sz="1800"/>
-              <a:t>Schermdiagonaal (inches)</a:t>
-            </a:r>
-          </a:p>
-          <a:p>
-            <a:pPr lvl="1" indent="0">
-              <a:buNone/>
-            </a:pPr>
-            <a:endParaRPr lang="en-US" sz="1800"/>
-          </a:p>
-        </p:txBody>
-      </p:sp>
-      <p:pic>
-        <p:nvPicPr>
-          <p:cNvPr id="13" name="Picture Placeholder 12">
-            <a:extLst>
-              <a:ext uri="{FF2B5EF4-FFF2-40B4-BE49-F238E27FC236}">
-                <a16:creationId xmlns:a16="http://schemas.microsoft.com/office/drawing/2014/main" id="{E54196C1-0419-44EE-9896-38080E494285}"/>
-              </a:ext>
-            </a:extLst>
-          </p:cNvPr>
-          <p:cNvPicPr>
-            <a:picLocks noGrp="1" noChangeAspect="1"/>
-          </p:cNvPicPr>
-          <p:nvPr>
-            <p:ph type="pic" sz="quarter" idx="10"/>
-          </p:nvPr>
-        </p:nvPicPr>
-        <p:blipFill>
-          <a:blip r:embed="rId2"/>
-          <a:stretch>
-            <a:fillRect/>
-          </a:stretch>
-        </p:blipFill>
-        <p:spPr>
-          <a:xfrm>
-            <a:off x="4303713" y="1583727"/>
-            <a:ext cx="4153977" cy="1976045"/>
-          </a:xfrm>
-        </p:spPr>
-      </p:pic>
-      <p:sp>
-        <p:nvSpPr>
-          <p:cNvPr id="14" name="Rectangle 13">
-            <a:extLst>
-              <a:ext uri="{FF2B5EF4-FFF2-40B4-BE49-F238E27FC236}">
-                <a16:creationId xmlns:a16="http://schemas.microsoft.com/office/drawing/2014/main" id="{0BBE207E-2D51-42F8-91B6-1F7D45B3557C}"/>
-              </a:ext>
-            </a:extLst>
-          </p:cNvPr>
-          <p:cNvSpPr/>
-          <p:nvPr/>
-        </p:nvSpPr>
-        <p:spPr>
-          <a:xfrm>
-            <a:off x="4303712" y="3611138"/>
-            <a:ext cx="4153977" cy="400110"/>
-          </a:xfrm>
-          <a:prstGeom prst="rect">
-            <a:avLst/>
-          </a:prstGeom>
-        </p:spPr>
-        <p:txBody>
-          <a:bodyPr wrap="square">
-            <a:spAutoFit/>
-          </a:bodyPr>
-          <a:lstStyle/>
-          <a:p>
-            <a:pPr algn="r"/>
-            <a:r>
-              <a:rPr lang="nl-BE" sz="1000">
-                <a:hlinkClick r:id="rId3"/>
-              </a:rPr>
-              <a:t>http://www.vox-vr.com/vox-gear-plus-vr-virtual-reality-headset-vr-glasses-specs.html</a:t>
-            </a:r>
-            <a:endParaRPr lang="nl-BE" sz="1000"/>
-          </a:p>
-        </p:txBody>
-      </p:sp>
-    </p:spTree>
-    <p:extLst>
-      <p:ext uri="{BB962C8B-B14F-4D97-AF65-F5344CB8AC3E}">
-        <p14:creationId xmlns:p14="http://schemas.microsoft.com/office/powerpoint/2010/main" val="3324219591"/>
-      </p:ext>
-    </p:extLst>
-  </p:cSld>
-  <p:clrMapOvr>
-    <a:masterClrMapping/>
-  </p:clrMapOvr>
-</p:sld>
-</file>
-
-<file path=ppt/slides/slide23.xml><?xml version="1.0" encoding="utf-8"?>
-<p:sld xmlns:a="http://schemas.openxmlformats.org/drawingml/2006/main" xmlns:r="http://schemas.openxmlformats.org/officeDocument/2006/relationships" xmlns:p="http://schemas.openxmlformats.org/presentationml/2006/main">
-  <p:cSld>
-    <p:spTree>
-      <p:nvGrpSpPr>
-        <p:cNvPr id="1" name=""/>
-        <p:cNvGrpSpPr/>
-        <p:nvPr/>
-      </p:nvGrpSpPr>
-      <p:grpSpPr>
-        <a:xfrm>
-          <a:off x="0" y="0"/>
-          <a:ext cx="0" cy="0"/>
-          <a:chOff x="0" y="0"/>
-          <a:chExt cx="0" cy="0"/>
-        </a:xfrm>
-      </p:grpSpPr>
-      <p:sp>
-        <p:nvSpPr>
-          <p:cNvPr id="3" name="Title 2">
-            <a:extLst>
-              <a:ext uri="{FF2B5EF4-FFF2-40B4-BE49-F238E27FC236}">
-                <a16:creationId xmlns:a16="http://schemas.microsoft.com/office/drawing/2014/main" id="{11851859-D908-4D6A-A164-8A01E60A2188}"/>
-              </a:ext>
-            </a:extLst>
-          </p:cNvPr>
-          <p:cNvSpPr>
-            <a:spLocks noGrp="1"/>
-          </p:cNvSpPr>
-          <p:nvPr>
-            <p:ph type="ctrTitle"/>
-          </p:nvPr>
-        </p:nvSpPr>
-        <p:spPr/>
-        <p:txBody>
-          <a:bodyPr/>
-          <a:lstStyle/>
-          <a:p>
-            <a:r>
-              <a:rPr lang="en-US"/>
-              <a:t>Terminologie</a:t>
-            </a:r>
-            <a:endParaRPr lang="nl-BE"/>
-          </a:p>
-        </p:txBody>
-      </p:sp>
-      <p:sp>
-        <p:nvSpPr>
-          <p:cNvPr id="7" name="Text Placeholder 6">
-            <a:extLst>
-              <a:ext uri="{FF2B5EF4-FFF2-40B4-BE49-F238E27FC236}">
-                <a16:creationId xmlns:a16="http://schemas.microsoft.com/office/drawing/2014/main" id="{E0663161-A170-4FB6-AC42-7F18ED1528E2}"/>
-              </a:ext>
-            </a:extLst>
-          </p:cNvPr>
-          <p:cNvSpPr>
-            <a:spLocks noGrp="1"/>
-          </p:cNvSpPr>
-          <p:nvPr>
-            <p:ph type="body" sz="quarter" idx="18"/>
-          </p:nvPr>
-        </p:nvSpPr>
-        <p:spPr/>
-        <p:txBody>
-          <a:bodyPr/>
-          <a:lstStyle/>
-          <a:p>
-            <a:endParaRPr lang="nl-BE"/>
-          </a:p>
-        </p:txBody>
-      </p:sp>
-      <p:sp>
-        <p:nvSpPr>
-          <p:cNvPr id="14" name="Rectangle 13">
-            <a:extLst>
-              <a:ext uri="{FF2B5EF4-FFF2-40B4-BE49-F238E27FC236}">
-                <a16:creationId xmlns:a16="http://schemas.microsoft.com/office/drawing/2014/main" id="{0BBE207E-2D51-42F8-91B6-1F7D45B3557C}"/>
-              </a:ext>
-            </a:extLst>
-          </p:cNvPr>
-          <p:cNvSpPr/>
-          <p:nvPr/>
-        </p:nvSpPr>
-        <p:spPr>
-          <a:xfrm>
-            <a:off x="4784244" y="3934612"/>
-            <a:ext cx="4153977" cy="246221"/>
-          </a:xfrm>
-          <a:prstGeom prst="rect">
-            <a:avLst/>
-          </a:prstGeom>
-        </p:spPr>
-        <p:txBody>
-          <a:bodyPr wrap="square">
-            <a:spAutoFit/>
-          </a:bodyPr>
-          <a:lstStyle/>
-          <a:p>
-            <a:pPr algn="ctr"/>
-            <a:r>
-              <a:rPr lang="nl-BE" sz="1000">
-                <a:hlinkClick r:id="rId2"/>
-              </a:rPr>
-              <a:t>https://developer.android.com/training/multiscreen/screendensities</a:t>
-            </a:r>
-            <a:endParaRPr lang="nl-BE" sz="1000"/>
-          </a:p>
-        </p:txBody>
-      </p:sp>
-      <p:pic>
-        <p:nvPicPr>
-          <p:cNvPr id="19" name="Picture Placeholder 18">
-            <a:extLst>
-              <a:ext uri="{FF2B5EF4-FFF2-40B4-BE49-F238E27FC236}">
-                <a16:creationId xmlns:a16="http://schemas.microsoft.com/office/drawing/2014/main" id="{AA7CB73D-25D9-47BE-AAA8-649AA9501B3A}"/>
-              </a:ext>
-            </a:extLst>
-          </p:cNvPr>
-          <p:cNvPicPr>
-            <a:picLocks noGrp="1" noChangeAspect="1"/>
-          </p:cNvPicPr>
-          <p:nvPr>
-            <p:ph type="pic" sz="quarter" idx="10"/>
-          </p:nvPr>
-        </p:nvPicPr>
-        <p:blipFill>
-          <a:blip r:embed="rId3"/>
-          <a:stretch>
-            <a:fillRect/>
-          </a:stretch>
-        </p:blipFill>
-        <p:spPr>
-          <a:xfrm>
-            <a:off x="5385523" y="1208888"/>
-            <a:ext cx="2951421" cy="2725724"/>
-          </a:xfrm>
-        </p:spPr>
-      </p:pic>
-      <p:sp>
-        <p:nvSpPr>
-          <p:cNvPr id="27" name="Text Placeholder 3">
-            <a:extLst>
-              <a:ext uri="{FF2B5EF4-FFF2-40B4-BE49-F238E27FC236}">
-                <a16:creationId xmlns:a16="http://schemas.microsoft.com/office/drawing/2014/main" id="{8A430D47-B24D-4492-85AC-223C88122F9C}"/>
-              </a:ext>
-            </a:extLst>
-          </p:cNvPr>
-          <p:cNvSpPr>
-            <a:spLocks noGrp="1"/>
-          </p:cNvSpPr>
-          <p:nvPr>
-            <p:ph type="body" sz="quarter" idx="16"/>
-          </p:nvPr>
-        </p:nvSpPr>
-        <p:spPr>
-          <a:xfrm>
-            <a:off x="795338" y="2178049"/>
-            <a:ext cx="3988908" cy="2437493"/>
-          </a:xfrm>
-        </p:spPr>
-        <p:txBody>
-          <a:bodyPr>
-            <a:normAutofit fontScale="62500" lnSpcReduction="20000"/>
-          </a:bodyPr>
-          <a:lstStyle/>
-          <a:p>
-            <a:r>
-              <a:rPr lang="en-US" sz="3200"/>
-              <a:t>Density</a:t>
-            </a:r>
-          </a:p>
-          <a:p>
-            <a:r>
-              <a:rPr lang="en-US" sz="2400"/>
-              <a:t>	</a:t>
-            </a:r>
-            <a:r>
-              <a:rPr lang="en-US" sz="2400" b="0"/>
-              <a:t>Pixels per oppervlakte</a:t>
-            </a:r>
-          </a:p>
-          <a:p>
-            <a:r>
-              <a:rPr lang="en-US" sz="2400" b="0"/>
-              <a:t>	DPI (Dots Per square Inch)</a:t>
-            </a:r>
-          </a:p>
-          <a:p>
-            <a:r>
-              <a:rPr lang="en-US" sz="3200"/>
-              <a:t>Density Independent Pixel</a:t>
-            </a:r>
-          </a:p>
-          <a:p>
-            <a:r>
-              <a:rPr lang="en-US" sz="3200"/>
-              <a:t>	</a:t>
-            </a:r>
-            <a:r>
-              <a:rPr lang="en-US" sz="2400" b="0"/>
-              <a:t>1dp = 1 pixel op scherm van 160 dpi</a:t>
-            </a:r>
-          </a:p>
-          <a:p>
-            <a:r>
-              <a:rPr lang="en-US" sz="3200"/>
-              <a:t>Scalable Pixel</a:t>
-            </a:r>
-          </a:p>
-          <a:p>
-            <a:r>
-              <a:rPr lang="en-US" sz="3200"/>
-              <a:t>	</a:t>
-            </a:r>
-            <a:r>
-              <a:rPr lang="en-US" sz="2400" b="0"/>
-              <a:t>op zelfde gebaseerd als dpi, maar schaalt</a:t>
-            </a:r>
-            <a:br>
-              <a:rPr lang="en-US" sz="2400" b="0"/>
-            </a:br>
-            <a:r>
-              <a:rPr lang="en-US" sz="2400" b="0"/>
-              <a:t>	mee met preferred text size</a:t>
-            </a:r>
-            <a:endParaRPr lang="en-US" sz="2400"/>
-          </a:p>
-          <a:p>
-            <a:r>
-              <a:rPr lang="en-US" sz="2400"/>
-              <a:t>	</a:t>
-            </a:r>
-          </a:p>
-        </p:txBody>
-      </p:sp>
-    </p:spTree>
-    <p:extLst>
-      <p:ext uri="{BB962C8B-B14F-4D97-AF65-F5344CB8AC3E}">
-        <p14:creationId xmlns:p14="http://schemas.microsoft.com/office/powerpoint/2010/main" val="926241345"/>
-      </p:ext>
-    </p:extLst>
-  </p:cSld>
-  <p:clrMapOvr>
-    <a:masterClrMapping/>
-  </p:clrMapOvr>
-</p:sld>
-</file>
-
-<file path=ppt/slides/slide24.xml><?xml version="1.0" encoding="utf-8"?>
-<p:sld xmlns:a="http://schemas.openxmlformats.org/drawingml/2006/main" xmlns:r="http://schemas.openxmlformats.org/officeDocument/2006/relationships" xmlns:p="http://schemas.openxmlformats.org/presentationml/2006/main">
-  <p:cSld>
-    <p:spTree>
-      <p:nvGrpSpPr>
-        <p:cNvPr id="1" name=""/>
-        <p:cNvGrpSpPr/>
-        <p:nvPr/>
-      </p:nvGrpSpPr>
-      <p:grpSpPr>
-        <a:xfrm>
-          <a:off x="0" y="0"/>
-          <a:ext cx="0" cy="0"/>
-          <a:chOff x="0" y="0"/>
-          <a:chExt cx="0" cy="0"/>
-        </a:xfrm>
-      </p:grpSpPr>
-      <p:sp>
-        <p:nvSpPr>
-          <p:cNvPr id="3" name="Title 2">
-            <a:extLst>
-              <a:ext uri="{FF2B5EF4-FFF2-40B4-BE49-F238E27FC236}">
-                <a16:creationId xmlns:a16="http://schemas.microsoft.com/office/drawing/2014/main" id="{11851859-D908-4D6A-A164-8A01E60A2188}"/>
-              </a:ext>
-            </a:extLst>
-          </p:cNvPr>
-          <p:cNvSpPr>
-            <a:spLocks noGrp="1"/>
-          </p:cNvSpPr>
-          <p:nvPr>
-            <p:ph type="ctrTitle"/>
-          </p:nvPr>
-        </p:nvSpPr>
-        <p:spPr/>
-        <p:txBody>
-          <a:bodyPr/>
-          <a:lstStyle/>
-          <a:p>
-            <a:r>
-              <a:rPr lang="en-US"/>
-              <a:t>Terminologie</a:t>
-            </a:r>
-            <a:endParaRPr lang="nl-BE"/>
-          </a:p>
-        </p:txBody>
-      </p:sp>
-      <p:sp>
-        <p:nvSpPr>
-          <p:cNvPr id="7" name="Text Placeholder 6">
-            <a:extLst>
-              <a:ext uri="{FF2B5EF4-FFF2-40B4-BE49-F238E27FC236}">
-                <a16:creationId xmlns:a16="http://schemas.microsoft.com/office/drawing/2014/main" id="{E0663161-A170-4FB6-AC42-7F18ED1528E2}"/>
-              </a:ext>
-            </a:extLst>
-          </p:cNvPr>
-          <p:cNvSpPr>
-            <a:spLocks noGrp="1"/>
-          </p:cNvSpPr>
-          <p:nvPr>
-            <p:ph type="body" sz="quarter" idx="18"/>
-          </p:nvPr>
-        </p:nvSpPr>
-        <p:spPr/>
-        <p:txBody>
-          <a:bodyPr/>
-          <a:lstStyle/>
-          <a:p>
-            <a:endParaRPr lang="nl-BE"/>
-          </a:p>
-        </p:txBody>
-      </p:sp>
-      <p:sp>
-        <p:nvSpPr>
-          <p:cNvPr id="4" name="Text Placeholder 3">
-            <a:extLst>
-              <a:ext uri="{FF2B5EF4-FFF2-40B4-BE49-F238E27FC236}">
-                <a16:creationId xmlns:a16="http://schemas.microsoft.com/office/drawing/2014/main" id="{7CC90748-ACFD-4AFE-81EC-DDCBD3F454ED}"/>
-              </a:ext>
-            </a:extLst>
-          </p:cNvPr>
-          <p:cNvSpPr>
-            <a:spLocks noGrp="1"/>
-          </p:cNvSpPr>
-          <p:nvPr>
-            <p:ph type="body" sz="quarter" idx="16"/>
-          </p:nvPr>
-        </p:nvSpPr>
-        <p:spPr>
-          <a:xfrm>
-            <a:off x="795338" y="2178049"/>
-            <a:ext cx="3988908" cy="2437493"/>
-          </a:xfrm>
-        </p:spPr>
-        <p:txBody>
-          <a:bodyPr>
-            <a:normAutofit fontScale="62500" lnSpcReduction="20000"/>
-          </a:bodyPr>
-          <a:lstStyle/>
-          <a:p>
-            <a:r>
-              <a:rPr lang="en-US" sz="3200"/>
-              <a:t>Density</a:t>
-            </a:r>
-          </a:p>
-          <a:p>
-            <a:r>
-              <a:rPr lang="en-US" sz="2400"/>
-              <a:t>	</a:t>
-            </a:r>
-            <a:r>
-              <a:rPr lang="en-US" sz="2400" b="0"/>
-              <a:t>Pixels per oppervlakte</a:t>
-            </a:r>
-          </a:p>
-          <a:p>
-            <a:r>
-              <a:rPr lang="en-US" sz="2400" b="0"/>
-              <a:t>	DPI (Dots Per square Inch)</a:t>
-            </a:r>
-          </a:p>
-          <a:p>
-            <a:r>
-              <a:rPr lang="en-US" sz="3200"/>
-              <a:t>Density Independent Pixel</a:t>
-            </a:r>
-          </a:p>
-          <a:p>
-            <a:r>
-              <a:rPr lang="en-US" sz="3200"/>
-              <a:t>	</a:t>
-            </a:r>
-            <a:r>
-              <a:rPr lang="en-US" sz="2400" b="0"/>
-              <a:t>1dp = 1 pixel op scherm van 160 dpi</a:t>
-            </a:r>
-          </a:p>
-          <a:p>
-            <a:r>
-              <a:rPr lang="en-US" sz="3200"/>
-              <a:t>Scalable Pixel</a:t>
-            </a:r>
-          </a:p>
-          <a:p>
-            <a:r>
-              <a:rPr lang="en-US" sz="3200"/>
-              <a:t>	</a:t>
-            </a:r>
-            <a:r>
-              <a:rPr lang="en-US" sz="2400" b="0"/>
-              <a:t>op zelfde gebaseerd als dpi, maar schaalt</a:t>
-            </a:r>
-            <a:br>
-              <a:rPr lang="en-US" sz="2400" b="0"/>
-            </a:br>
-            <a:r>
-              <a:rPr lang="en-US" sz="2400" b="0"/>
-              <a:t>	mee met preferred text size</a:t>
-            </a:r>
-            <a:endParaRPr lang="en-US" sz="2400"/>
-          </a:p>
-          <a:p>
-            <a:r>
-              <a:rPr lang="en-US" sz="2400"/>
-              <a:t>	</a:t>
-            </a:r>
-          </a:p>
-        </p:txBody>
-      </p:sp>
-      <p:sp>
-        <p:nvSpPr>
-          <p:cNvPr id="14" name="Rectangle 13">
-            <a:extLst>
-              <a:ext uri="{FF2B5EF4-FFF2-40B4-BE49-F238E27FC236}">
-                <a16:creationId xmlns:a16="http://schemas.microsoft.com/office/drawing/2014/main" id="{0BBE207E-2D51-42F8-91B6-1F7D45B3557C}"/>
-              </a:ext>
-            </a:extLst>
-          </p:cNvPr>
-          <p:cNvSpPr/>
-          <p:nvPr/>
-        </p:nvSpPr>
-        <p:spPr>
-          <a:xfrm>
-            <a:off x="4784246" y="3611138"/>
-            <a:ext cx="4153977" cy="400110"/>
-          </a:xfrm>
-          <a:prstGeom prst="rect">
-            <a:avLst/>
-          </a:prstGeom>
-        </p:spPr>
-        <p:txBody>
-          <a:bodyPr wrap="square">
-            <a:spAutoFit/>
-          </a:bodyPr>
-          <a:lstStyle/>
-          <a:p>
-            <a:pPr algn="r"/>
-            <a:r>
-              <a:rPr lang="nl-BE" sz="1000">
-                <a:hlinkClick r:id="rId2"/>
-              </a:rPr>
-              <a:t>http://findnerd.com/list/view/What-should-a-designer-must-know-before-starting-design-for-an-android-app-/2969/</a:t>
-            </a:r>
-            <a:endParaRPr lang="nl-BE" sz="1000"/>
-          </a:p>
-        </p:txBody>
-      </p:sp>
-      <p:pic>
-        <p:nvPicPr>
-          <p:cNvPr id="10" name="Picture Placeholder 9">
-            <a:extLst>
-              <a:ext uri="{FF2B5EF4-FFF2-40B4-BE49-F238E27FC236}">
-                <a16:creationId xmlns:a16="http://schemas.microsoft.com/office/drawing/2014/main" id="{F608FE52-BF12-4AAA-B059-40CD19728191}"/>
-              </a:ext>
-            </a:extLst>
-          </p:cNvPr>
-          <p:cNvPicPr>
-            <a:picLocks noGrp="1" noChangeAspect="1"/>
-          </p:cNvPicPr>
-          <p:nvPr>
-            <p:ph type="pic" sz="quarter" idx="10"/>
-          </p:nvPr>
-        </p:nvPicPr>
-        <p:blipFill>
-          <a:blip r:embed="rId3"/>
-          <a:stretch>
-            <a:fillRect/>
-          </a:stretch>
-        </p:blipFill>
-        <p:spPr>
-          <a:xfrm>
-            <a:off x="4830706" y="1625600"/>
-            <a:ext cx="4097142" cy="1985538"/>
-          </a:xfrm>
-        </p:spPr>
-      </p:pic>
-    </p:spTree>
-    <p:extLst>
-      <p:ext uri="{BB962C8B-B14F-4D97-AF65-F5344CB8AC3E}">
-        <p14:creationId xmlns:p14="http://schemas.microsoft.com/office/powerpoint/2010/main" val="3954444066"/>
-      </p:ext>
-    </p:extLst>
-  </p:cSld>
-  <p:clrMapOvr>
-    <a:masterClrMapping/>
-  </p:clrMapOvr>
-</p:sld>
-</file>
-
-<file path=ppt/slides/slide25.xml><?xml version="1.0" encoding="utf-8"?>
-<p:sld xmlns:a="http://schemas.openxmlformats.org/drawingml/2006/main" xmlns:r="http://schemas.openxmlformats.org/officeDocument/2006/relationships" xmlns:p="http://schemas.openxmlformats.org/presentationml/2006/main">
-  <p:cSld>
-    <p:spTree>
-      <p:nvGrpSpPr>
-        <p:cNvPr id="1" name=""/>
-        <p:cNvGrpSpPr/>
-        <p:nvPr/>
-      </p:nvGrpSpPr>
-      <p:grpSpPr>
-        <a:xfrm>
-          <a:off x="0" y="0"/>
-          <a:ext cx="0" cy="0"/>
-          <a:chOff x="0" y="0"/>
-          <a:chExt cx="0" cy="0"/>
-        </a:xfrm>
-      </p:grpSpPr>
-      <p:sp>
-        <p:nvSpPr>
-          <p:cNvPr id="3" name="Title 2">
-            <a:extLst>
-              <a:ext uri="{FF2B5EF4-FFF2-40B4-BE49-F238E27FC236}">
-                <a16:creationId xmlns:a16="http://schemas.microsoft.com/office/drawing/2014/main" id="{11851859-D908-4D6A-A164-8A01E60A2188}"/>
-              </a:ext>
-            </a:extLst>
-          </p:cNvPr>
-          <p:cNvSpPr>
-            <a:spLocks noGrp="1"/>
-          </p:cNvSpPr>
-          <p:nvPr>
-            <p:ph type="title"/>
-          </p:nvPr>
-        </p:nvSpPr>
-        <p:spPr/>
-        <p:txBody>
-          <a:bodyPr/>
-          <a:lstStyle/>
-          <a:p>
-            <a:r>
-              <a:rPr lang="en-US"/>
-              <a:t>Schermgroottes</a:t>
-            </a:r>
-            <a:endParaRPr lang="nl-BE"/>
-          </a:p>
-        </p:txBody>
-      </p:sp>
-      <p:sp>
-        <p:nvSpPr>
-          <p:cNvPr id="15" name="Content Placeholder 14">
-            <a:extLst>
-              <a:ext uri="{FF2B5EF4-FFF2-40B4-BE49-F238E27FC236}">
-                <a16:creationId xmlns:a16="http://schemas.microsoft.com/office/drawing/2014/main" id="{B0AAF166-8A0A-46FF-B1DE-160682B575D1}"/>
-              </a:ext>
-            </a:extLst>
-          </p:cNvPr>
-          <p:cNvSpPr>
-            <a:spLocks noGrp="1"/>
-          </p:cNvSpPr>
-          <p:nvPr>
-            <p:ph sz="half" idx="1"/>
-          </p:nvPr>
-        </p:nvSpPr>
-        <p:spPr/>
-        <p:txBody>
-          <a:bodyPr>
-            <a:normAutofit fontScale="92500" lnSpcReduction="20000"/>
-          </a:bodyPr>
-          <a:lstStyle/>
-          <a:p>
-            <a:pPr marL="0" indent="0">
-              <a:buNone/>
-            </a:pPr>
-            <a:r>
-              <a:rPr lang="en-US"/>
-              <a:t>Volgens screen size</a:t>
-            </a:r>
-          </a:p>
-          <a:p>
-            <a:pPr>
-              <a:buFont typeface="Arial" panose="020B0604020202020204" pitchFamily="34" charset="0"/>
-              <a:buChar char="•"/>
-            </a:pPr>
-            <a:r>
-              <a:rPr lang="en-US"/>
-              <a:t>Small</a:t>
-            </a:r>
-          </a:p>
-          <a:p>
-            <a:pPr>
-              <a:buFont typeface="Arial" panose="020B0604020202020204" pitchFamily="34" charset="0"/>
-              <a:buChar char="•"/>
-            </a:pPr>
-            <a:r>
-              <a:rPr lang="en-US"/>
-              <a:t>Normal</a:t>
-            </a:r>
-          </a:p>
-          <a:p>
-            <a:pPr>
-              <a:buFont typeface="Arial" panose="020B0604020202020204" pitchFamily="34" charset="0"/>
-              <a:buChar char="•"/>
-            </a:pPr>
-            <a:r>
-              <a:rPr lang="en-US"/>
-              <a:t>Large</a:t>
-            </a:r>
-          </a:p>
-          <a:p>
-            <a:pPr>
-              <a:buFont typeface="Arial" panose="020B0604020202020204" pitchFamily="34" charset="0"/>
-              <a:buChar char="•"/>
-            </a:pPr>
-            <a:r>
-              <a:rPr lang="en-US"/>
-              <a:t>Xlarge</a:t>
-            </a:r>
-            <a:endParaRPr lang="nl-BE"/>
-          </a:p>
-        </p:txBody>
-      </p:sp>
-      <p:sp>
-        <p:nvSpPr>
-          <p:cNvPr id="16" name="Content Placeholder 15">
-            <a:extLst>
-              <a:ext uri="{FF2B5EF4-FFF2-40B4-BE49-F238E27FC236}">
-                <a16:creationId xmlns:a16="http://schemas.microsoft.com/office/drawing/2014/main" id="{F60A53B6-5F32-4B13-82C1-0ED8CA1B844C}"/>
-              </a:ext>
-            </a:extLst>
-          </p:cNvPr>
-          <p:cNvSpPr>
-            <a:spLocks noGrp="1"/>
-          </p:cNvSpPr>
-          <p:nvPr>
-            <p:ph sz="half" idx="2"/>
-          </p:nvPr>
-        </p:nvSpPr>
-        <p:spPr/>
-        <p:txBody>
-          <a:bodyPr>
-            <a:normAutofit fontScale="92500" lnSpcReduction="20000"/>
-          </a:bodyPr>
-          <a:lstStyle/>
-          <a:p>
-            <a:pPr marL="0" indent="0">
-              <a:buNone/>
-            </a:pPr>
-            <a:r>
-              <a:rPr lang="en-US"/>
-              <a:t>Volgens dpi</a:t>
-            </a:r>
-          </a:p>
-          <a:p>
-            <a:pPr>
-              <a:buFont typeface="Arial" panose="020B0604020202020204" pitchFamily="34" charset="0"/>
-              <a:buChar char="•"/>
-            </a:pPr>
-            <a:r>
-              <a:rPr lang="en-US"/>
-              <a:t>ldpi</a:t>
-            </a:r>
-          </a:p>
-          <a:p>
-            <a:pPr>
-              <a:buFont typeface="Arial" panose="020B0604020202020204" pitchFamily="34" charset="0"/>
-              <a:buChar char="•"/>
-            </a:pPr>
-            <a:r>
-              <a:rPr lang="en-US"/>
-              <a:t>mdpi</a:t>
-            </a:r>
-          </a:p>
-          <a:p>
-            <a:pPr>
-              <a:buFont typeface="Arial" panose="020B0604020202020204" pitchFamily="34" charset="0"/>
-              <a:buChar char="•"/>
-            </a:pPr>
-            <a:r>
-              <a:rPr lang="en-US"/>
-              <a:t>tvdpi</a:t>
-            </a:r>
-          </a:p>
-          <a:p>
-            <a:pPr>
-              <a:buFont typeface="Arial" panose="020B0604020202020204" pitchFamily="34" charset="0"/>
-              <a:buChar char="•"/>
-            </a:pPr>
-            <a:r>
-              <a:rPr lang="en-US"/>
-              <a:t>hdpi</a:t>
-            </a:r>
-          </a:p>
-          <a:p>
-            <a:pPr>
-              <a:buFont typeface="Arial" panose="020B0604020202020204" pitchFamily="34" charset="0"/>
-              <a:buChar char="•"/>
-            </a:pPr>
-            <a:r>
-              <a:rPr lang="en-US"/>
-              <a:t>xhdpi</a:t>
-            </a:r>
-          </a:p>
-          <a:p>
-            <a:pPr>
-              <a:buFont typeface="Arial" panose="020B0604020202020204" pitchFamily="34" charset="0"/>
-              <a:buChar char="•"/>
-            </a:pPr>
-            <a:r>
-              <a:rPr lang="en-US"/>
-              <a:t>xxhdpi</a:t>
-            </a:r>
-            <a:endParaRPr lang="nl-BE"/>
-          </a:p>
-        </p:txBody>
-      </p:sp>
-    </p:spTree>
-    <p:extLst>
-      <p:ext uri="{BB962C8B-B14F-4D97-AF65-F5344CB8AC3E}">
-        <p14:creationId xmlns:p14="http://schemas.microsoft.com/office/powerpoint/2010/main" val="1717430324"/>
-      </p:ext>
-    </p:extLst>
-  </p:cSld>
-  <p:clrMapOvr>
-    <a:masterClrMapping/>
-  </p:clrMapOvr>
-</p:sld>
-</file>
-
-<file path=ppt/slides/slide26.xml><?xml version="1.0" encoding="utf-8"?>
-<p:sld xmlns:a="http://schemas.openxmlformats.org/drawingml/2006/main" xmlns:r="http://schemas.openxmlformats.org/officeDocument/2006/relationships" xmlns:p="http://schemas.openxmlformats.org/presentationml/2006/main">
-  <p:cSld>
-    <p:spTree>
-      <p:nvGrpSpPr>
-        <p:cNvPr id="1" name=""/>
-        <p:cNvGrpSpPr/>
-        <p:nvPr/>
-      </p:nvGrpSpPr>
-      <p:grpSpPr>
-        <a:xfrm>
-          <a:off x="0" y="0"/>
-          <a:ext cx="0" cy="0"/>
-          <a:chOff x="0" y="0"/>
-          <a:chExt cx="0" cy="0"/>
-        </a:xfrm>
-      </p:grpSpPr>
-      <p:sp>
-        <p:nvSpPr>
-          <p:cNvPr id="3" name="Title 2">
-            <a:extLst>
-              <a:ext uri="{FF2B5EF4-FFF2-40B4-BE49-F238E27FC236}">
-                <a16:creationId xmlns:a16="http://schemas.microsoft.com/office/drawing/2014/main" id="{11851859-D908-4D6A-A164-8A01E60A2188}"/>
-              </a:ext>
-            </a:extLst>
-          </p:cNvPr>
-          <p:cNvSpPr>
-            <a:spLocks noGrp="1"/>
-          </p:cNvSpPr>
-          <p:nvPr>
-            <p:ph type="title"/>
-          </p:nvPr>
-        </p:nvSpPr>
-        <p:spPr/>
-        <p:txBody>
-          <a:bodyPr/>
-          <a:lstStyle/>
-          <a:p>
-            <a:r>
-              <a:rPr lang="en-US"/>
-              <a:t>Best practices</a:t>
-            </a:r>
-            <a:endParaRPr lang="nl-BE"/>
-          </a:p>
-        </p:txBody>
-      </p:sp>
-      <p:sp>
-        <p:nvSpPr>
-          <p:cNvPr id="15" name="Content Placeholder 14">
-            <a:extLst>
-              <a:ext uri="{FF2B5EF4-FFF2-40B4-BE49-F238E27FC236}">
-                <a16:creationId xmlns:a16="http://schemas.microsoft.com/office/drawing/2014/main" id="{B0AAF166-8A0A-46FF-B1DE-160682B575D1}"/>
-              </a:ext>
-            </a:extLst>
-          </p:cNvPr>
-          <p:cNvSpPr>
-            <a:spLocks noGrp="1"/>
-          </p:cNvSpPr>
-          <p:nvPr>
-            <p:ph sz="half" idx="1"/>
-          </p:nvPr>
-        </p:nvSpPr>
-        <p:spPr>
-          <a:xfrm>
-            <a:off x="711199" y="1200151"/>
-            <a:ext cx="7801429" cy="2556477"/>
-          </a:xfrm>
-        </p:spPr>
-        <p:txBody>
-          <a:bodyPr>
-            <a:normAutofit lnSpcReduction="10000"/>
-          </a:bodyPr>
-          <a:lstStyle/>
-          <a:p>
-            <a:pPr marL="0" indent="0">
-              <a:buNone/>
-            </a:pPr>
-            <a:r>
-              <a:rPr lang="en-US"/>
-              <a:t>Gebruik geen afmetingen in px, maar dp en sp</a:t>
-            </a:r>
-          </a:p>
-          <a:p>
-            <a:pPr marL="0" indent="0">
-              <a:buNone/>
-            </a:pPr>
-            <a:endParaRPr lang="en-US"/>
-          </a:p>
-          <a:p>
-            <a:pPr marL="0" indent="0">
-              <a:buNone/>
-            </a:pPr>
-            <a:r>
-              <a:rPr lang="en-US"/>
-              <a:t>Gebruik verschillende layouts afhankelijk van schermgroottes</a:t>
-            </a:r>
-          </a:p>
-          <a:p>
-            <a:pPr marL="0" indent="0">
-              <a:buNone/>
-            </a:pPr>
-            <a:endParaRPr lang="en-US"/>
-          </a:p>
-          <a:p>
-            <a:pPr marL="0" indent="0">
-              <a:buNone/>
-            </a:pPr>
-            <a:r>
-              <a:rPr lang="en-US"/>
-              <a:t>Gebruik afbeeldingen in verschillende resoluties voor verschillende schermresoluties</a:t>
-            </a:r>
-            <a:endParaRPr lang="nl-BE"/>
-          </a:p>
-        </p:txBody>
-      </p:sp>
-    </p:spTree>
-    <p:extLst>
-      <p:ext uri="{BB962C8B-B14F-4D97-AF65-F5344CB8AC3E}">
-        <p14:creationId xmlns:p14="http://schemas.microsoft.com/office/powerpoint/2010/main" val="2878668532"/>
-      </p:ext>
-    </p:extLst>
-  </p:cSld>
-  <p:clrMapOvr>
-    <a:masterClrMapping/>
-  </p:clrMapOvr>
-</p:sld>
-</file>
-
-<file path=ppt/slides/slide27.xml><?xml version="1.0" encoding="utf-8"?>
-<p:sld xmlns:a="http://schemas.openxmlformats.org/drawingml/2006/main" xmlns:r="http://schemas.openxmlformats.org/officeDocument/2006/relationships" xmlns:p="http://schemas.openxmlformats.org/presentationml/2006/main">
-  <p:cSld>
-    <p:spTree>
-      <p:nvGrpSpPr>
-        <p:cNvPr id="1" name=""/>
-        <p:cNvGrpSpPr/>
-        <p:nvPr/>
-      </p:nvGrpSpPr>
-      <p:grpSpPr>
-        <a:xfrm>
-          <a:off x="0" y="0"/>
-          <a:ext cx="0" cy="0"/>
-          <a:chOff x="0" y="0"/>
-          <a:chExt cx="0" cy="0"/>
-        </a:xfrm>
-      </p:grpSpPr>
-      <p:sp>
-        <p:nvSpPr>
-          <p:cNvPr id="2" name="Title 1">
-            <a:extLst>
-              <a:ext uri="{FF2B5EF4-FFF2-40B4-BE49-F238E27FC236}">
-                <a16:creationId xmlns:a16="http://schemas.microsoft.com/office/drawing/2014/main" id="{AEBD3A43-F2C0-4925-8A83-CBC39240A4C3}"/>
-              </a:ext>
-            </a:extLst>
-          </p:cNvPr>
-          <p:cNvSpPr>
-            <a:spLocks noGrp="1"/>
-          </p:cNvSpPr>
-          <p:nvPr>
-            <p:ph type="ctrTitle"/>
-          </p:nvPr>
-        </p:nvSpPr>
-        <p:spPr/>
-        <p:txBody>
-          <a:bodyPr/>
-          <a:lstStyle/>
-          <a:p>
-            <a:r>
-              <a:rPr lang="en-US"/>
-              <a:t>Basiscomponenten</a:t>
-            </a:r>
-            <a:endParaRPr lang="nl-BE"/>
-          </a:p>
-        </p:txBody>
-      </p:sp>
-      <p:sp>
-        <p:nvSpPr>
-          <p:cNvPr id="3" name="Subtitle 2">
-            <a:extLst>
-              <a:ext uri="{FF2B5EF4-FFF2-40B4-BE49-F238E27FC236}">
-                <a16:creationId xmlns:a16="http://schemas.microsoft.com/office/drawing/2014/main" id="{55959553-C4FC-4A0F-9AD1-74D681FD9F64}"/>
-              </a:ext>
-            </a:extLst>
-          </p:cNvPr>
-          <p:cNvSpPr>
-            <a:spLocks noGrp="1"/>
-          </p:cNvSpPr>
-          <p:nvPr>
-            <p:ph type="subTitle" idx="1"/>
-          </p:nvPr>
-        </p:nvSpPr>
-        <p:spPr/>
-        <p:txBody>
-          <a:bodyPr/>
-          <a:lstStyle/>
-          <a:p>
-            <a:endParaRPr lang="nl-BE"/>
-          </a:p>
-        </p:txBody>
-      </p:sp>
-      <p:sp>
-        <p:nvSpPr>
-          <p:cNvPr id="4" name="Text Placeholder 3">
-            <a:extLst>
-              <a:ext uri="{FF2B5EF4-FFF2-40B4-BE49-F238E27FC236}">
-                <a16:creationId xmlns:a16="http://schemas.microsoft.com/office/drawing/2014/main" id="{7CC90748-ACFD-4AFE-81EC-DDCBD3F454ED}"/>
-              </a:ext>
-            </a:extLst>
-          </p:cNvPr>
-          <p:cNvSpPr>
-            <a:spLocks noGrp="1"/>
-          </p:cNvSpPr>
-          <p:nvPr>
-            <p:ph type="body" sz="quarter" idx="11"/>
-          </p:nvPr>
-        </p:nvSpPr>
-        <p:spPr/>
-        <p:txBody>
-          <a:bodyPr/>
-          <a:lstStyle/>
-          <a:p>
-            <a:pPr marL="342900" indent="-342900">
-              <a:buFont typeface="Arial" panose="020B0604020202020204" pitchFamily="34" charset="0"/>
-              <a:buChar char="•"/>
-            </a:pPr>
-            <a:r>
-              <a:rPr lang="en-US"/>
-              <a:t>View</a:t>
-            </a:r>
-          </a:p>
-          <a:p>
-            <a:pPr marL="342900" indent="-342900">
-              <a:buFont typeface="Arial" panose="020B0604020202020204" pitchFamily="34" charset="0"/>
-              <a:buChar char="•"/>
-            </a:pPr>
-            <a:r>
-              <a:rPr lang="en-US"/>
-              <a:t>ViewGroup</a:t>
-            </a:r>
-          </a:p>
-          <a:p>
-            <a:pPr marL="342900" indent="-342900">
-              <a:buFont typeface="Arial" panose="020B0604020202020204" pitchFamily="34" charset="0"/>
-              <a:buChar char="•"/>
-            </a:pPr>
-            <a:r>
-              <a:rPr lang="en-US"/>
-              <a:t>Activities</a:t>
-            </a:r>
-          </a:p>
-          <a:p>
-            <a:pPr marL="342900" indent="-342900">
-              <a:buFont typeface="Arial" panose="020B0604020202020204" pitchFamily="34" charset="0"/>
-              <a:buChar char="•"/>
-            </a:pPr>
-            <a:r>
-              <a:rPr lang="en-US"/>
-              <a:t>Fragments</a:t>
-            </a:r>
-          </a:p>
-        </p:txBody>
-      </p:sp>
-      <p:sp>
-        <p:nvSpPr>
-          <p:cNvPr id="5" name="Text Placeholder 4">
-            <a:extLst>
-              <a:ext uri="{FF2B5EF4-FFF2-40B4-BE49-F238E27FC236}">
-                <a16:creationId xmlns:a16="http://schemas.microsoft.com/office/drawing/2014/main" id="{36C41D77-A3F5-44DF-B890-617E39A0B1A2}"/>
-              </a:ext>
-            </a:extLst>
-          </p:cNvPr>
-          <p:cNvSpPr>
-            <a:spLocks noGrp="1"/>
-          </p:cNvSpPr>
-          <p:nvPr>
-            <p:ph type="body" sz="quarter" idx="12"/>
-          </p:nvPr>
-        </p:nvSpPr>
-        <p:spPr/>
-        <p:txBody>
-          <a:bodyPr/>
-          <a:lstStyle/>
-          <a:p>
-            <a:endParaRPr lang="nl-BE"/>
-          </a:p>
-        </p:txBody>
-      </p:sp>
-    </p:spTree>
-    <p:extLst>
-      <p:ext uri="{BB962C8B-B14F-4D97-AF65-F5344CB8AC3E}">
-        <p14:creationId xmlns:p14="http://schemas.microsoft.com/office/powerpoint/2010/main" val="591427260"/>
-      </p:ext>
-    </p:extLst>
-  </p:cSld>
-  <p:clrMapOvr>
-    <a:masterClrMapping/>
-  </p:clrMapOvr>
-</p:sld>
-</file>
-
-<file path=ppt/slides/slide28.xml><?xml version="1.0" encoding="utf-8"?>
-<p:sld xmlns:a="http://schemas.openxmlformats.org/drawingml/2006/main" xmlns:r="http://schemas.openxmlformats.org/officeDocument/2006/relationships" xmlns:p="http://schemas.openxmlformats.org/presentationml/2006/main">
-  <p:cSld>
-    <p:spTree>
-      <p:nvGrpSpPr>
-        <p:cNvPr id="1" name=""/>
-        <p:cNvGrpSpPr/>
-        <p:nvPr/>
-      </p:nvGrpSpPr>
-      <p:grpSpPr>
-        <a:xfrm>
-          <a:off x="0" y="0"/>
-          <a:ext cx="0" cy="0"/>
-          <a:chOff x="0" y="0"/>
-          <a:chExt cx="0" cy="0"/>
-        </a:xfrm>
-      </p:grpSpPr>
-      <p:sp>
-        <p:nvSpPr>
-          <p:cNvPr id="2" name="Title 1">
-            <a:extLst>
-              <a:ext uri="{FF2B5EF4-FFF2-40B4-BE49-F238E27FC236}">
-                <a16:creationId xmlns:a16="http://schemas.microsoft.com/office/drawing/2014/main" id="{AEBD3A43-F2C0-4925-8A83-CBC39240A4C3}"/>
-              </a:ext>
-            </a:extLst>
-          </p:cNvPr>
-          <p:cNvSpPr>
-            <a:spLocks noGrp="1"/>
-          </p:cNvSpPr>
-          <p:nvPr>
-            <p:ph type="ctrTitle"/>
-          </p:nvPr>
-        </p:nvSpPr>
-        <p:spPr/>
-        <p:txBody>
-          <a:bodyPr/>
-          <a:lstStyle/>
-          <a:p>
-            <a:r>
-              <a:rPr lang="en-US"/>
-              <a:t>Basiscomponenten</a:t>
-            </a:r>
-            <a:endParaRPr lang="nl-BE"/>
-          </a:p>
-        </p:txBody>
-      </p:sp>
-      <p:sp>
-        <p:nvSpPr>
-          <p:cNvPr id="4" name="Text Placeholder 3">
-            <a:extLst>
-              <a:ext uri="{FF2B5EF4-FFF2-40B4-BE49-F238E27FC236}">
-                <a16:creationId xmlns:a16="http://schemas.microsoft.com/office/drawing/2014/main" id="{7CC90748-ACFD-4AFE-81EC-DDCBD3F454ED}"/>
-              </a:ext>
-            </a:extLst>
-          </p:cNvPr>
-          <p:cNvSpPr>
-            <a:spLocks noGrp="1"/>
-          </p:cNvSpPr>
-          <p:nvPr>
-            <p:ph type="body" sz="quarter" idx="11"/>
-          </p:nvPr>
-        </p:nvSpPr>
-        <p:spPr>
-          <a:xfrm>
-            <a:off x="696278" y="2170143"/>
-            <a:ext cx="6813904" cy="1883697"/>
-          </a:xfrm>
-        </p:spPr>
-        <p:txBody>
-          <a:bodyPr>
-            <a:normAutofit/>
-          </a:bodyPr>
-          <a:lstStyle/>
-          <a:p>
-            <a:r>
-              <a:rPr lang="en-US"/>
-              <a:t>View</a:t>
-            </a:r>
-          </a:p>
-          <a:p>
-            <a:r>
-              <a:rPr lang="en-US" sz="1800"/>
-              <a:t>	Base class voor alle visuele componenten</a:t>
-            </a:r>
-          </a:p>
-          <a:p>
-            <a:r>
-              <a:rPr lang="en-US" sz="1800"/>
-              <a:t>	Een object dat iets op het scherm tekent en interactie toelaat</a:t>
-            </a:r>
-          </a:p>
-        </p:txBody>
-      </p:sp>
-      <p:sp>
-        <p:nvSpPr>
-          <p:cNvPr id="5" name="Text Placeholder 4">
-            <a:extLst>
-              <a:ext uri="{FF2B5EF4-FFF2-40B4-BE49-F238E27FC236}">
-                <a16:creationId xmlns:a16="http://schemas.microsoft.com/office/drawing/2014/main" id="{36C41D77-A3F5-44DF-B890-617E39A0B1A2}"/>
-              </a:ext>
-            </a:extLst>
-          </p:cNvPr>
-          <p:cNvSpPr>
-            <a:spLocks noGrp="1"/>
-          </p:cNvSpPr>
-          <p:nvPr>
-            <p:ph type="body" sz="quarter" idx="12"/>
-          </p:nvPr>
-        </p:nvSpPr>
-        <p:spPr/>
-        <p:txBody>
-          <a:bodyPr/>
-          <a:lstStyle/>
-          <a:p>
-            <a:endParaRPr lang="nl-BE"/>
-          </a:p>
-        </p:txBody>
-      </p:sp>
-    </p:spTree>
-    <p:extLst>
-      <p:ext uri="{BB962C8B-B14F-4D97-AF65-F5344CB8AC3E}">
-        <p14:creationId xmlns:p14="http://schemas.microsoft.com/office/powerpoint/2010/main" val="3525539026"/>
-      </p:ext>
-    </p:extLst>
-  </p:cSld>
-  <p:clrMapOvr>
-    <a:masterClrMapping/>
-  </p:clrMapOvr>
-</p:sld>
-</file>
-
-<file path=ppt/slides/slide29.xml><?xml version="1.0" encoding="utf-8"?>
-<p:sld xmlns:a="http://schemas.openxmlformats.org/drawingml/2006/main" xmlns:r="http://schemas.openxmlformats.org/officeDocument/2006/relationships" xmlns:p="http://schemas.openxmlformats.org/presentationml/2006/main">
-  <p:cSld>
-    <p:spTree>
-      <p:nvGrpSpPr>
-        <p:cNvPr id="1" name=""/>
-        <p:cNvGrpSpPr/>
-        <p:nvPr/>
-      </p:nvGrpSpPr>
-      <p:grpSpPr>
-        <a:xfrm>
-          <a:off x="0" y="0"/>
-          <a:ext cx="0" cy="0"/>
-          <a:chOff x="0" y="0"/>
-          <a:chExt cx="0" cy="0"/>
-        </a:xfrm>
-      </p:grpSpPr>
-      <p:sp>
-        <p:nvSpPr>
-          <p:cNvPr id="2" name="Title 1">
-            <a:extLst>
-              <a:ext uri="{FF2B5EF4-FFF2-40B4-BE49-F238E27FC236}">
-                <a16:creationId xmlns:a16="http://schemas.microsoft.com/office/drawing/2014/main" id="{AEBD3A43-F2C0-4925-8A83-CBC39240A4C3}"/>
-              </a:ext>
-            </a:extLst>
-          </p:cNvPr>
-          <p:cNvSpPr>
-            <a:spLocks noGrp="1"/>
-          </p:cNvSpPr>
-          <p:nvPr>
-            <p:ph type="ctrTitle"/>
-          </p:nvPr>
-        </p:nvSpPr>
-        <p:spPr/>
-        <p:txBody>
-          <a:bodyPr/>
-          <a:lstStyle/>
-          <a:p>
-            <a:r>
-              <a:rPr lang="en-US"/>
-              <a:t>Basiscomponenten</a:t>
-            </a:r>
-            <a:endParaRPr lang="nl-BE"/>
-          </a:p>
-        </p:txBody>
-      </p:sp>
-      <p:sp>
-        <p:nvSpPr>
-          <p:cNvPr id="4" name="Text Placeholder 3">
-            <a:extLst>
-              <a:ext uri="{FF2B5EF4-FFF2-40B4-BE49-F238E27FC236}">
-                <a16:creationId xmlns:a16="http://schemas.microsoft.com/office/drawing/2014/main" id="{7CC90748-ACFD-4AFE-81EC-DDCBD3F454ED}"/>
-              </a:ext>
-            </a:extLst>
-          </p:cNvPr>
-          <p:cNvSpPr>
-            <a:spLocks noGrp="1"/>
-          </p:cNvSpPr>
-          <p:nvPr>
-            <p:ph type="body" sz="quarter" idx="11"/>
-          </p:nvPr>
-        </p:nvSpPr>
-        <p:spPr>
-          <a:xfrm>
-            <a:off x="696278" y="2170143"/>
-            <a:ext cx="6813904" cy="1883697"/>
-          </a:xfrm>
-        </p:spPr>
-        <p:txBody>
-          <a:bodyPr>
-            <a:normAutofit/>
-          </a:bodyPr>
-          <a:lstStyle/>
-          <a:p>
-            <a:r>
-              <a:rPr lang="en-US"/>
-              <a:t>ViewGroup</a:t>
-            </a:r>
-          </a:p>
-          <a:p>
-            <a:r>
-              <a:rPr lang="en-US" sz="1800"/>
-              <a:t>	Verzameling Views</a:t>
-            </a:r>
-          </a:p>
-          <a:p>
-            <a:r>
-              <a:rPr lang="en-US" sz="1800"/>
-              <a:t>	Beslist hoe die Views in UI geplaatst worden </a:t>
-            </a:r>
-          </a:p>
-          <a:p>
-            <a:r>
-              <a:rPr lang="en-US" sz="1800"/>
-              <a:t>		</a:t>
-            </a:r>
-            <a:r>
-              <a:rPr lang="en-US" sz="1400"/>
-              <a:t>Samen met LayoutManager</a:t>
-            </a:r>
-          </a:p>
-        </p:txBody>
-      </p:sp>
-      <p:sp>
-        <p:nvSpPr>
-          <p:cNvPr id="5" name="Text Placeholder 4">
-            <a:extLst>
-              <a:ext uri="{FF2B5EF4-FFF2-40B4-BE49-F238E27FC236}">
-                <a16:creationId xmlns:a16="http://schemas.microsoft.com/office/drawing/2014/main" id="{36C41D77-A3F5-44DF-B890-617E39A0B1A2}"/>
-              </a:ext>
-            </a:extLst>
-          </p:cNvPr>
-          <p:cNvSpPr>
-            <a:spLocks noGrp="1"/>
-          </p:cNvSpPr>
-          <p:nvPr>
-            <p:ph type="body" sz="quarter" idx="12"/>
-          </p:nvPr>
-        </p:nvSpPr>
-        <p:spPr/>
-        <p:txBody>
-          <a:bodyPr/>
-          <a:lstStyle/>
-          <a:p>
-            <a:endParaRPr lang="nl-BE"/>
-          </a:p>
-        </p:txBody>
-      </p:sp>
-      <p:pic>
-        <p:nvPicPr>
-          <p:cNvPr id="6" name="Picture 5">
-            <a:extLst>
-              <a:ext uri="{FF2B5EF4-FFF2-40B4-BE49-F238E27FC236}">
-                <a16:creationId xmlns:a16="http://schemas.microsoft.com/office/drawing/2014/main" id="{F966C291-75CF-4DDF-BE88-7BE091D5C433}"/>
-              </a:ext>
-            </a:extLst>
-          </p:cNvPr>
-          <p:cNvPicPr>
-            <a:picLocks noChangeAspect="1"/>
-          </p:cNvPicPr>
-          <p:nvPr/>
-        </p:nvPicPr>
-        <p:blipFill>
-          <a:blip r:embed="rId2"/>
-          <a:stretch>
-            <a:fillRect/>
-          </a:stretch>
-        </p:blipFill>
-        <p:spPr>
-          <a:xfrm>
-            <a:off x="5679337" y="1674698"/>
-            <a:ext cx="3382218" cy="1794104"/>
-          </a:xfrm>
-          <a:prstGeom prst="rect">
-            <a:avLst/>
-          </a:prstGeom>
-        </p:spPr>
-      </p:pic>
-      <p:sp>
-        <p:nvSpPr>
-          <p:cNvPr id="7" name="Rectangle 6">
-            <a:extLst>
-              <a:ext uri="{FF2B5EF4-FFF2-40B4-BE49-F238E27FC236}">
-                <a16:creationId xmlns:a16="http://schemas.microsoft.com/office/drawing/2014/main" id="{55161041-E42F-4007-92A7-B54E920FF81B}"/>
-              </a:ext>
-            </a:extLst>
-          </p:cNvPr>
-          <p:cNvSpPr/>
-          <p:nvPr/>
-        </p:nvSpPr>
-        <p:spPr>
-          <a:xfrm>
-            <a:off x="5679337" y="3533890"/>
-            <a:ext cx="3382218" cy="400110"/>
-          </a:xfrm>
-          <a:prstGeom prst="rect">
-            <a:avLst/>
-          </a:prstGeom>
-        </p:spPr>
-        <p:txBody>
-          <a:bodyPr wrap="square">
-            <a:spAutoFit/>
-          </a:bodyPr>
-          <a:lstStyle/>
-          <a:p>
-            <a:pPr algn="r"/>
-            <a:r>
-              <a:rPr lang="nl-BE" sz="1000">
-                <a:latin typeface="Montserrat Semi"/>
-                <a:hlinkClick r:id="rId3"/>
-              </a:rPr>
-              <a:t>https://stackoverflow.com/questions/27352476/difference-between-view-and-viewgroup-in-android</a:t>
-            </a:r>
-            <a:endParaRPr lang="nl-BE" sz="1000">
-              <a:latin typeface="Montserrat Semi"/>
-            </a:endParaRPr>
-          </a:p>
-        </p:txBody>
-      </p:sp>
-    </p:spTree>
-    <p:extLst>
-      <p:ext uri="{BB962C8B-B14F-4D97-AF65-F5344CB8AC3E}">
-        <p14:creationId xmlns:p14="http://schemas.microsoft.com/office/powerpoint/2010/main" val="3690420794"/>
-      </p:ext>
-    </p:extLst>
-  </p:cSld>
-  <p:clrMapOvr>
-    <a:masterClrMapping/>
-  </p:clrMapOvr>
-</p:sld>
-</file>
-
-<file path=ppt/slides/slide3.xml><?xml version="1.0" encoding="utf-8"?>
-<p:sld xmlns:a="http://schemas.openxmlformats.org/drawingml/2006/main" xmlns:r="http://schemas.openxmlformats.org/officeDocument/2006/relationships" xmlns:p="http://schemas.openxmlformats.org/presentationml/2006/main">
-  <p:cSld>
-    <p:spTree>
-      <p:nvGrpSpPr>
-        <p:cNvPr id="1" name=""/>
-        <p:cNvGrpSpPr/>
-        <p:nvPr/>
-      </p:nvGrpSpPr>
-      <p:grpSpPr>
-        <a:xfrm>
-          <a:off x="0" y="0"/>
-          <a:ext cx="0" cy="0"/>
-          <a:chOff x="0" y="0"/>
-          <a:chExt cx="0" cy="0"/>
-        </a:xfrm>
-      </p:grpSpPr>
-      <p:sp>
-        <p:nvSpPr>
-          <p:cNvPr id="2" name="Titel 1">
-            <a:extLst>
-              <a:ext uri="{FF2B5EF4-FFF2-40B4-BE49-F238E27FC236}">
-                <a16:creationId xmlns:a16="http://schemas.microsoft.com/office/drawing/2014/main" id="{1EEA192F-8BCF-4754-80CE-D04051F8F1C0}"/>
-              </a:ext>
-            </a:extLst>
-          </p:cNvPr>
-          <p:cNvSpPr>
-            <a:spLocks noGrp="1"/>
-          </p:cNvSpPr>
-          <p:nvPr>
-            <p:ph type="ctrTitle"/>
-          </p:nvPr>
-        </p:nvSpPr>
-        <p:spPr/>
-        <p:txBody>
-          <a:bodyPr/>
-          <a:lstStyle/>
-          <a:p>
-            <a:r>
-              <a:rPr lang="en-US"/>
-              <a:t>One Activity to rule them all</a:t>
-            </a:r>
-            <a:endParaRPr lang="nl-BE" dirty="0"/>
-          </a:p>
-        </p:txBody>
-      </p:sp>
-      <p:sp>
-        <p:nvSpPr>
-          <p:cNvPr id="4" name="Tijdelijke aanduiding voor tekst 3">
-            <a:extLst>
-              <a:ext uri="{FF2B5EF4-FFF2-40B4-BE49-F238E27FC236}">
-                <a16:creationId xmlns:a16="http://schemas.microsoft.com/office/drawing/2014/main" id="{A46D9FA8-EDA5-4443-B95B-A58552E51CE6}"/>
-              </a:ext>
-            </a:extLst>
-          </p:cNvPr>
-          <p:cNvSpPr>
-            <a:spLocks noGrp="1"/>
-          </p:cNvSpPr>
-          <p:nvPr>
-            <p:ph type="body" sz="quarter" idx="18"/>
-          </p:nvPr>
-        </p:nvSpPr>
-        <p:spPr/>
-        <p:txBody>
-          <a:bodyPr/>
-          <a:lstStyle/>
-          <a:p>
-            <a:r>
-              <a:rPr lang="en-US" b="0"/>
-              <a:t>Activities</a:t>
-            </a:r>
-            <a:endParaRPr lang="nl-BE" b="0"/>
-          </a:p>
-        </p:txBody>
-      </p:sp>
-      <p:sp>
-        <p:nvSpPr>
-          <p:cNvPr id="5" name="Tijdelijke aanduiding voor tekst 4">
-            <a:extLst>
-              <a:ext uri="{FF2B5EF4-FFF2-40B4-BE49-F238E27FC236}">
-                <a16:creationId xmlns:a16="http://schemas.microsoft.com/office/drawing/2014/main" id="{2B6990D4-19EF-4373-BAF6-AD20E3120057}"/>
-              </a:ext>
-            </a:extLst>
-          </p:cNvPr>
-          <p:cNvSpPr>
-            <a:spLocks noGrp="1"/>
-          </p:cNvSpPr>
-          <p:nvPr>
-            <p:ph type="body" sz="quarter" idx="16"/>
-          </p:nvPr>
-        </p:nvSpPr>
-        <p:spPr>
-          <a:xfrm>
-            <a:off x="795338" y="2178050"/>
-            <a:ext cx="3856038" cy="2081716"/>
-          </a:xfrm>
-        </p:spPr>
-        <p:txBody>
-          <a:bodyPr>
-            <a:normAutofit fontScale="92500" lnSpcReduction="10000"/>
-          </a:bodyPr>
-          <a:lstStyle/>
-          <a:p>
-            <a:r>
-              <a:rPr lang="en-US"/>
-              <a:t>Problemen met 1 activity per scherm</a:t>
-            </a:r>
-          </a:p>
-          <a:p>
-            <a:r>
-              <a:rPr lang="en-US"/>
-              <a:t>	Toolbarconfiguratie</a:t>
-            </a:r>
-          </a:p>
-          <a:p>
-            <a:r>
-              <a:rPr lang="en-US"/>
-              <a:t>	Backstackmanagement</a:t>
-            </a:r>
-          </a:p>
-          <a:p>
-            <a:r>
-              <a:rPr lang="en-US"/>
-              <a:t>	Moeilijke implementatie sidemenu</a:t>
-            </a:r>
-          </a:p>
-          <a:p>
-            <a:r>
-              <a:rPr lang="en-US"/>
-              <a:t>	…</a:t>
-            </a:r>
-          </a:p>
-          <a:p>
-            <a:r>
-              <a:rPr lang="en-US"/>
-              <a:t>1 activity voor alle schermen</a:t>
-            </a:r>
-          </a:p>
-          <a:p>
-            <a:r>
-              <a:rPr lang="en-US"/>
-              <a:t>	</a:t>
-            </a:r>
-            <a:r>
-              <a:rPr lang="en-US" i="1"/>
-              <a:t>Single Activity Pattern</a:t>
-            </a:r>
-          </a:p>
-          <a:p>
-            <a:r>
-              <a:rPr lang="en-US" i="1"/>
-              <a:t>	</a:t>
-            </a:r>
-            <a:r>
-              <a:rPr lang="en-US"/>
-              <a:t>Meerdere </a:t>
-            </a:r>
-            <a:r>
-              <a:rPr lang="en-US" i="1"/>
-              <a:t>Fragments</a:t>
-            </a:r>
-          </a:p>
-          <a:p>
-            <a:r>
-              <a:rPr lang="en-US"/>
-              <a:t>Navigation architecture component</a:t>
-            </a:r>
-          </a:p>
-          <a:p>
-            <a:endParaRPr lang="nl-BE" dirty="0"/>
-          </a:p>
-        </p:txBody>
-      </p:sp>
-      <p:sp>
-        <p:nvSpPr>
-          <p:cNvPr id="7" name="Tekstvak 5">
-            <a:extLst>
-              <a:ext uri="{FF2B5EF4-FFF2-40B4-BE49-F238E27FC236}">
-                <a16:creationId xmlns:a16="http://schemas.microsoft.com/office/drawing/2014/main" id="{42B322AE-F11E-444C-916E-B6B927B051AB}"/>
-              </a:ext>
-            </a:extLst>
-          </p:cNvPr>
-          <p:cNvSpPr txBox="1"/>
-          <p:nvPr/>
-        </p:nvSpPr>
-        <p:spPr>
-          <a:xfrm>
-            <a:off x="795338" y="1902855"/>
-            <a:ext cx="6417944" cy="253916"/>
-          </a:xfrm>
-          <a:prstGeom prst="rect">
-            <a:avLst/>
-          </a:prstGeom>
-          <a:noFill/>
-        </p:spPr>
-        <p:txBody>
-          <a:bodyPr wrap="square" rtlCol="0">
-            <a:spAutoFit/>
-          </a:bodyPr>
-          <a:lstStyle/>
-          <a:p>
-            <a:r>
-              <a:rPr lang="nl-BE" sz="1050">
-                <a:hlinkClick r:id="rId3"/>
-              </a:rPr>
-              <a:t>https://developer.android.com/topic/libraries/architecture/navigation/</a:t>
-            </a:r>
-            <a:endParaRPr lang="nl-BE" sz="1050"/>
-          </a:p>
-        </p:txBody>
-      </p:sp>
-      <p:pic>
-        <p:nvPicPr>
-          <p:cNvPr id="12" name="Picture Placeholder 11">
-            <a:extLst>
-              <a:ext uri="{FF2B5EF4-FFF2-40B4-BE49-F238E27FC236}">
-                <a16:creationId xmlns:a16="http://schemas.microsoft.com/office/drawing/2014/main" id="{3DF1ACD8-C35D-43A9-BADF-D18CCE3EC4FF}"/>
-              </a:ext>
-            </a:extLst>
-          </p:cNvPr>
-          <p:cNvPicPr>
-            <a:picLocks noGrp="1" noChangeAspect="1"/>
-          </p:cNvPicPr>
-          <p:nvPr>
-            <p:ph type="pic" sz="quarter" idx="10"/>
-          </p:nvPr>
-        </p:nvPicPr>
-        <p:blipFill>
-          <a:blip r:embed="rId4"/>
-          <a:stretch>
-            <a:fillRect/>
-          </a:stretch>
-        </p:blipFill>
-        <p:spPr>
-          <a:xfrm>
-            <a:off x="5365958" y="1665637"/>
-            <a:ext cx="3694648" cy="1812225"/>
-          </a:xfrm>
-        </p:spPr>
-      </p:pic>
-      <p:sp>
-        <p:nvSpPr>
-          <p:cNvPr id="13" name="Rectangle 12">
-            <a:extLst>
-              <a:ext uri="{FF2B5EF4-FFF2-40B4-BE49-F238E27FC236}">
-                <a16:creationId xmlns:a16="http://schemas.microsoft.com/office/drawing/2014/main" id="{70782886-D143-4045-B0A4-D262243EEBA6}"/>
-              </a:ext>
-            </a:extLst>
-          </p:cNvPr>
-          <p:cNvSpPr/>
-          <p:nvPr/>
-        </p:nvSpPr>
-        <p:spPr>
-          <a:xfrm>
-            <a:off x="5365958" y="3499141"/>
-            <a:ext cx="3778042" cy="403786"/>
-          </a:xfrm>
-          <a:prstGeom prst="rect">
-            <a:avLst/>
-          </a:prstGeom>
-        </p:spPr>
-        <p:txBody>
-          <a:bodyPr wrap="square">
-            <a:spAutoFit/>
-          </a:bodyPr>
-          <a:lstStyle/>
-          <a:p>
-            <a:pPr algn="r"/>
-            <a:r>
-              <a:rPr lang="nl-BE" sz="1000">
-                <a:hlinkClick r:id="rId5"/>
-              </a:rPr>
-              <a:t>https://proandroiddev.com/android-jetpack-navigation-to-the-rescue-fe588271d36</a:t>
-            </a:r>
-            <a:endParaRPr lang="nl-BE" sz="1000"/>
-          </a:p>
-        </p:txBody>
-      </p:sp>
-    </p:spTree>
-    <p:extLst>
-      <p:ext uri="{BB962C8B-B14F-4D97-AF65-F5344CB8AC3E}">
-        <p14:creationId xmlns:p14="http://schemas.microsoft.com/office/powerpoint/2010/main" val="2674454564"/>
-      </p:ext>
-    </p:extLst>
-  </p:cSld>
-  <p:clrMapOvr>
-    <a:masterClrMapping/>
-  </p:clrMapOvr>
-</p:sld>
-</file>
-
-<file path=ppt/slides/slide30.xml><?xml version="1.0" encoding="utf-8"?>
-<p:sld xmlns:a="http://schemas.openxmlformats.org/drawingml/2006/main" xmlns:r="http://schemas.openxmlformats.org/officeDocument/2006/relationships" xmlns:p="http://schemas.openxmlformats.org/presentationml/2006/main">
-  <p:cSld>
-    <p:spTree>
-      <p:nvGrpSpPr>
-        <p:cNvPr id="1" name=""/>
-        <p:cNvGrpSpPr/>
-        <p:nvPr/>
-      </p:nvGrpSpPr>
-      <p:grpSpPr>
-        <a:xfrm>
-          <a:off x="0" y="0"/>
-          <a:ext cx="0" cy="0"/>
-          <a:chOff x="0" y="0"/>
-          <a:chExt cx="0" cy="0"/>
-        </a:xfrm>
-      </p:grpSpPr>
-      <p:sp>
-        <p:nvSpPr>
-          <p:cNvPr id="2" name="Title 1">
-            <a:extLst>
-              <a:ext uri="{FF2B5EF4-FFF2-40B4-BE49-F238E27FC236}">
-                <a16:creationId xmlns:a16="http://schemas.microsoft.com/office/drawing/2014/main" id="{AEBD3A43-F2C0-4925-8A83-CBC39240A4C3}"/>
-              </a:ext>
-            </a:extLst>
-          </p:cNvPr>
-          <p:cNvSpPr>
-            <a:spLocks noGrp="1"/>
-          </p:cNvSpPr>
-          <p:nvPr>
-            <p:ph type="ctrTitle"/>
-          </p:nvPr>
-        </p:nvSpPr>
-        <p:spPr/>
-        <p:txBody>
-          <a:bodyPr/>
-          <a:lstStyle/>
-          <a:p>
-            <a:r>
-              <a:rPr lang="en-US"/>
-              <a:t>Basiscomponenten</a:t>
-            </a:r>
-            <a:endParaRPr lang="nl-BE"/>
-          </a:p>
-        </p:txBody>
-      </p:sp>
-      <p:sp>
-        <p:nvSpPr>
-          <p:cNvPr id="4" name="Text Placeholder 3">
-            <a:extLst>
-              <a:ext uri="{FF2B5EF4-FFF2-40B4-BE49-F238E27FC236}">
-                <a16:creationId xmlns:a16="http://schemas.microsoft.com/office/drawing/2014/main" id="{7CC90748-ACFD-4AFE-81EC-DDCBD3F454ED}"/>
-              </a:ext>
-            </a:extLst>
-          </p:cNvPr>
-          <p:cNvSpPr>
-            <a:spLocks noGrp="1"/>
-          </p:cNvSpPr>
-          <p:nvPr>
-            <p:ph type="body" sz="quarter" idx="11"/>
-          </p:nvPr>
-        </p:nvSpPr>
-        <p:spPr>
-          <a:xfrm>
-            <a:off x="696278" y="2170143"/>
-            <a:ext cx="6813904" cy="1883697"/>
-          </a:xfrm>
-        </p:spPr>
-        <p:txBody>
-          <a:bodyPr>
-            <a:normAutofit/>
-          </a:bodyPr>
-          <a:lstStyle/>
-          <a:p>
-            <a:r>
-              <a:rPr lang="en-US"/>
-              <a:t>Activity</a:t>
-            </a:r>
-          </a:p>
-          <a:p>
-            <a:r>
-              <a:rPr lang="en-US" sz="1800"/>
-              <a:t>	1 scherm van de applicatie</a:t>
-            </a:r>
-          </a:p>
-          <a:p>
-            <a:r>
-              <a:rPr lang="en-US" sz="1800"/>
-              <a:t>	Kan data uitwisselen met andere schermen</a:t>
-            </a:r>
-          </a:p>
-        </p:txBody>
-      </p:sp>
-      <p:sp>
-        <p:nvSpPr>
-          <p:cNvPr id="5" name="Text Placeholder 4">
-            <a:extLst>
-              <a:ext uri="{FF2B5EF4-FFF2-40B4-BE49-F238E27FC236}">
-                <a16:creationId xmlns:a16="http://schemas.microsoft.com/office/drawing/2014/main" id="{36C41D77-A3F5-44DF-B890-617E39A0B1A2}"/>
-              </a:ext>
-            </a:extLst>
-          </p:cNvPr>
-          <p:cNvSpPr>
-            <a:spLocks noGrp="1"/>
-          </p:cNvSpPr>
-          <p:nvPr>
-            <p:ph type="body" sz="quarter" idx="12"/>
-          </p:nvPr>
-        </p:nvSpPr>
-        <p:spPr/>
-        <p:txBody>
-          <a:bodyPr/>
-          <a:lstStyle/>
-          <a:p>
-            <a:endParaRPr lang="nl-BE"/>
-          </a:p>
-        </p:txBody>
-      </p:sp>
-    </p:spTree>
-    <p:extLst>
-      <p:ext uri="{BB962C8B-B14F-4D97-AF65-F5344CB8AC3E}">
-        <p14:creationId xmlns:p14="http://schemas.microsoft.com/office/powerpoint/2010/main" val="4005738006"/>
-      </p:ext>
-    </p:extLst>
-  </p:cSld>
-  <p:clrMapOvr>
-    <a:masterClrMapping/>
-  </p:clrMapOvr>
-</p:sld>
-</file>
-
-<file path=ppt/slides/slide31.xml><?xml version="1.0" encoding="utf-8"?>
-<p:sld xmlns:a="http://schemas.openxmlformats.org/drawingml/2006/main" xmlns:r="http://schemas.openxmlformats.org/officeDocument/2006/relationships" xmlns:p="http://schemas.openxmlformats.org/presentationml/2006/main">
-  <p:cSld>
-    <p:spTree>
-      <p:nvGrpSpPr>
-        <p:cNvPr id="1" name=""/>
-        <p:cNvGrpSpPr/>
-        <p:nvPr/>
-      </p:nvGrpSpPr>
-      <p:grpSpPr>
-        <a:xfrm>
-          <a:off x="0" y="0"/>
-          <a:ext cx="0" cy="0"/>
-          <a:chOff x="0" y="0"/>
-          <a:chExt cx="0" cy="0"/>
-        </a:xfrm>
-      </p:grpSpPr>
-      <p:sp>
-        <p:nvSpPr>
-          <p:cNvPr id="2" name="Title 1">
-            <a:extLst>
-              <a:ext uri="{FF2B5EF4-FFF2-40B4-BE49-F238E27FC236}">
-                <a16:creationId xmlns:a16="http://schemas.microsoft.com/office/drawing/2014/main" id="{AEBD3A43-F2C0-4925-8A83-CBC39240A4C3}"/>
-              </a:ext>
-            </a:extLst>
-          </p:cNvPr>
-          <p:cNvSpPr>
-            <a:spLocks noGrp="1"/>
-          </p:cNvSpPr>
-          <p:nvPr>
-            <p:ph type="ctrTitle"/>
-          </p:nvPr>
-        </p:nvSpPr>
-        <p:spPr/>
-        <p:txBody>
-          <a:bodyPr/>
-          <a:lstStyle/>
-          <a:p>
-            <a:r>
-              <a:rPr lang="en-US"/>
-              <a:t>Basiscomponenten</a:t>
-            </a:r>
-            <a:endParaRPr lang="nl-BE"/>
-          </a:p>
-        </p:txBody>
-      </p:sp>
-      <p:sp>
-        <p:nvSpPr>
-          <p:cNvPr id="4" name="Text Placeholder 3">
-            <a:extLst>
-              <a:ext uri="{FF2B5EF4-FFF2-40B4-BE49-F238E27FC236}">
-                <a16:creationId xmlns:a16="http://schemas.microsoft.com/office/drawing/2014/main" id="{7CC90748-ACFD-4AFE-81EC-DDCBD3F454ED}"/>
-              </a:ext>
-            </a:extLst>
-          </p:cNvPr>
-          <p:cNvSpPr>
-            <a:spLocks noGrp="1"/>
-          </p:cNvSpPr>
-          <p:nvPr>
-            <p:ph type="body" sz="quarter" idx="11"/>
-          </p:nvPr>
-        </p:nvSpPr>
-        <p:spPr>
-          <a:xfrm>
-            <a:off x="696278" y="2170143"/>
-            <a:ext cx="6813904" cy="1883697"/>
-          </a:xfrm>
-        </p:spPr>
-        <p:txBody>
-          <a:bodyPr>
-            <a:normAutofit/>
-          </a:bodyPr>
-          <a:lstStyle/>
-          <a:p>
-            <a:r>
-              <a:rPr lang="en-US"/>
-              <a:t>Fragment</a:t>
-            </a:r>
-          </a:p>
-          <a:p>
-            <a:r>
-              <a:rPr lang="en-US" sz="1800"/>
-              <a:t>	Encapsuleert 1 onderdeel van de UI</a:t>
-            </a:r>
-          </a:p>
-          <a:p>
-            <a:r>
-              <a:rPr lang="en-US" sz="1800"/>
-              <a:t>	Herbruikbaar </a:t>
-            </a:r>
-          </a:p>
-          <a:p>
-            <a:r>
-              <a:rPr lang="en-US" sz="1800"/>
-              <a:t>		Bvb. bij verschillende schermgroottes</a:t>
-            </a:r>
-          </a:p>
-          <a:p>
-            <a:pPr lvl="1" indent="0">
-              <a:buNone/>
-            </a:pPr>
-            <a:endParaRPr lang="en-US" sz="1800"/>
-          </a:p>
-        </p:txBody>
-      </p:sp>
-      <p:sp>
-        <p:nvSpPr>
-          <p:cNvPr id="5" name="Text Placeholder 4">
-            <a:extLst>
-              <a:ext uri="{FF2B5EF4-FFF2-40B4-BE49-F238E27FC236}">
-                <a16:creationId xmlns:a16="http://schemas.microsoft.com/office/drawing/2014/main" id="{36C41D77-A3F5-44DF-B890-617E39A0B1A2}"/>
-              </a:ext>
-            </a:extLst>
-          </p:cNvPr>
-          <p:cNvSpPr>
-            <a:spLocks noGrp="1"/>
-          </p:cNvSpPr>
-          <p:nvPr>
-            <p:ph type="body" sz="quarter" idx="12"/>
-          </p:nvPr>
-        </p:nvSpPr>
-        <p:spPr/>
-        <p:txBody>
-          <a:bodyPr/>
-          <a:lstStyle/>
-          <a:p>
-            <a:endParaRPr lang="nl-BE"/>
-          </a:p>
-        </p:txBody>
-      </p:sp>
-      <p:pic>
-        <p:nvPicPr>
-          <p:cNvPr id="6" name="Picture 5">
-            <a:extLst>
-              <a:ext uri="{FF2B5EF4-FFF2-40B4-BE49-F238E27FC236}">
-                <a16:creationId xmlns:a16="http://schemas.microsoft.com/office/drawing/2014/main" id="{F6EEFDD2-4FE6-4411-BA65-0327AF28171C}"/>
-              </a:ext>
-            </a:extLst>
-          </p:cNvPr>
-          <p:cNvPicPr>
-            <a:picLocks noChangeAspect="1"/>
-          </p:cNvPicPr>
-          <p:nvPr/>
-        </p:nvPicPr>
-        <p:blipFill>
-          <a:blip r:embed="rId2"/>
-          <a:stretch>
-            <a:fillRect/>
-          </a:stretch>
-        </p:blipFill>
-        <p:spPr>
-          <a:xfrm>
-            <a:off x="5434874" y="1519357"/>
-            <a:ext cx="3649165" cy="2104786"/>
-          </a:xfrm>
-          <a:prstGeom prst="rect">
-            <a:avLst/>
-          </a:prstGeom>
-        </p:spPr>
-      </p:pic>
-      <p:sp>
-        <p:nvSpPr>
-          <p:cNvPr id="7" name="Rectangle 6">
-            <a:extLst>
-              <a:ext uri="{FF2B5EF4-FFF2-40B4-BE49-F238E27FC236}">
-                <a16:creationId xmlns:a16="http://schemas.microsoft.com/office/drawing/2014/main" id="{B61AA819-5A72-4C1A-9B78-FCD62C4DC54E}"/>
-              </a:ext>
-            </a:extLst>
-          </p:cNvPr>
-          <p:cNvSpPr/>
-          <p:nvPr/>
-        </p:nvSpPr>
-        <p:spPr>
-          <a:xfrm>
-            <a:off x="5494834" y="3624143"/>
-            <a:ext cx="3649166" cy="400110"/>
-          </a:xfrm>
-          <a:prstGeom prst="rect">
-            <a:avLst/>
-          </a:prstGeom>
-        </p:spPr>
-        <p:txBody>
-          <a:bodyPr wrap="square">
-            <a:spAutoFit/>
-          </a:bodyPr>
-          <a:lstStyle/>
-          <a:p>
-            <a:pPr algn="r"/>
-            <a:r>
-              <a:rPr lang="nl-BE" sz="1000">
-                <a:hlinkClick r:id="rId3"/>
-              </a:rPr>
-              <a:t>https://github.com/codepath/android_guides/wiki/Creating-and-Using-Fragments</a:t>
-            </a:r>
-            <a:endParaRPr lang="nl-BE" sz="1000"/>
-          </a:p>
-        </p:txBody>
-      </p:sp>
-    </p:spTree>
-    <p:extLst>
-      <p:ext uri="{BB962C8B-B14F-4D97-AF65-F5344CB8AC3E}">
-        <p14:creationId xmlns:p14="http://schemas.microsoft.com/office/powerpoint/2010/main" val="1066073866"/>
-      </p:ext>
-    </p:extLst>
-  </p:cSld>
-  <p:clrMapOvr>
-    <a:masterClrMapping/>
-  </p:clrMapOvr>
-</p:sld>
-</file>
-
-<file path=ppt/slides/slide32.xml><?xml version="1.0" encoding="utf-8"?>
-<p:sld xmlns:a="http://schemas.openxmlformats.org/drawingml/2006/main" xmlns:r="http://schemas.openxmlformats.org/officeDocument/2006/relationships" xmlns:p="http://schemas.openxmlformats.org/presentationml/2006/main">
-  <p:cSld>
-    <p:spTree>
-      <p:nvGrpSpPr>
-        <p:cNvPr id="1" name=""/>
-        <p:cNvGrpSpPr/>
-        <p:nvPr/>
-      </p:nvGrpSpPr>
-      <p:grpSpPr>
-        <a:xfrm>
-          <a:off x="0" y="0"/>
-          <a:ext cx="0" cy="0"/>
-          <a:chOff x="0" y="0"/>
-          <a:chExt cx="0" cy="0"/>
-        </a:xfrm>
-      </p:grpSpPr>
-      <p:sp>
-        <p:nvSpPr>
-          <p:cNvPr id="3" name="Title 2">
-            <a:extLst>
-              <a:ext uri="{FF2B5EF4-FFF2-40B4-BE49-F238E27FC236}">
-                <a16:creationId xmlns:a16="http://schemas.microsoft.com/office/drawing/2014/main" id="{11851859-D908-4D6A-A164-8A01E60A2188}"/>
-              </a:ext>
-            </a:extLst>
-          </p:cNvPr>
-          <p:cNvSpPr>
-            <a:spLocks noGrp="1"/>
-          </p:cNvSpPr>
-          <p:nvPr>
-            <p:ph type="title"/>
-          </p:nvPr>
-        </p:nvSpPr>
-        <p:spPr/>
-        <p:txBody>
-          <a:bodyPr/>
-          <a:lstStyle/>
-          <a:p>
-            <a:r>
-              <a:rPr lang="en-US"/>
-              <a:t>Best practices</a:t>
-            </a:r>
-            <a:endParaRPr lang="nl-BE"/>
-          </a:p>
-        </p:txBody>
-      </p:sp>
-      <p:sp>
-        <p:nvSpPr>
-          <p:cNvPr id="15" name="Content Placeholder 14">
-            <a:extLst>
-              <a:ext uri="{FF2B5EF4-FFF2-40B4-BE49-F238E27FC236}">
-                <a16:creationId xmlns:a16="http://schemas.microsoft.com/office/drawing/2014/main" id="{B0AAF166-8A0A-46FF-B1DE-160682B575D1}"/>
-              </a:ext>
-            </a:extLst>
-          </p:cNvPr>
-          <p:cNvSpPr>
-            <a:spLocks noGrp="1"/>
-          </p:cNvSpPr>
-          <p:nvPr>
-            <p:ph sz="half" idx="1"/>
-          </p:nvPr>
-        </p:nvSpPr>
-        <p:spPr>
-          <a:xfrm>
-            <a:off x="711199" y="1200151"/>
-            <a:ext cx="7801429" cy="2556477"/>
-          </a:xfrm>
-        </p:spPr>
-        <p:txBody>
-          <a:bodyPr>
-            <a:normAutofit lnSpcReduction="10000"/>
-          </a:bodyPr>
-          <a:lstStyle/>
-          <a:p>
-            <a:pPr marL="0" indent="0">
-              <a:buNone/>
-            </a:pPr>
-            <a:r>
-              <a:rPr lang="en-US"/>
-              <a:t>Gebruik geen afmetingen in px, maar dp en sp</a:t>
-            </a:r>
-          </a:p>
-          <a:p>
-            <a:pPr marL="0" indent="0">
-              <a:buNone/>
-            </a:pPr>
-            <a:endParaRPr lang="en-US"/>
-          </a:p>
-          <a:p>
-            <a:pPr marL="0" indent="0">
-              <a:buNone/>
-            </a:pPr>
-            <a:r>
-              <a:rPr lang="en-US"/>
-              <a:t>Gebruik verschillende layouts afhankelijk van schermgroottes</a:t>
-            </a:r>
-          </a:p>
-          <a:p>
-            <a:pPr marL="0" indent="0">
-              <a:buNone/>
-            </a:pPr>
-            <a:endParaRPr lang="en-US"/>
-          </a:p>
-          <a:p>
-            <a:pPr marL="0" indent="0">
-              <a:buNone/>
-            </a:pPr>
-            <a:r>
-              <a:rPr lang="en-US"/>
-              <a:t>Gebruik afbeeldingen in verschillende resoluties voor verschillende schermresoluties</a:t>
-            </a:r>
-            <a:endParaRPr lang="nl-BE"/>
-          </a:p>
-        </p:txBody>
-      </p:sp>
-    </p:spTree>
-    <p:extLst>
-      <p:ext uri="{BB962C8B-B14F-4D97-AF65-F5344CB8AC3E}">
-        <p14:creationId xmlns:p14="http://schemas.microsoft.com/office/powerpoint/2010/main" val="1864787917"/>
-      </p:ext>
-    </p:extLst>
-  </p:cSld>
-  <p:clrMapOvr>
-    <a:masterClrMapping/>
-  </p:clrMapOvr>
-</p:sld>
-</file>
-
-<file path=ppt/slides/slide33.xml><?xml version="1.0" encoding="utf-8"?>
-<p:sld xmlns:a="http://schemas.openxmlformats.org/drawingml/2006/main" xmlns:r="http://schemas.openxmlformats.org/officeDocument/2006/relationships" xmlns:p="http://schemas.openxmlformats.org/presentationml/2006/main">
-  <p:cSld>
-    <p:spTree>
-      <p:nvGrpSpPr>
-        <p:cNvPr id="1" name=""/>
-        <p:cNvGrpSpPr/>
-        <p:nvPr/>
-      </p:nvGrpSpPr>
-      <p:grpSpPr>
-        <a:xfrm>
-          <a:off x="0" y="0"/>
-          <a:ext cx="0" cy="0"/>
-          <a:chOff x="0" y="0"/>
-          <a:chExt cx="0" cy="0"/>
-        </a:xfrm>
-      </p:grpSpPr>
-      <p:sp>
-        <p:nvSpPr>
-          <p:cNvPr id="2" name="Title 1">
-            <a:extLst>
-              <a:ext uri="{FF2B5EF4-FFF2-40B4-BE49-F238E27FC236}">
-                <a16:creationId xmlns:a16="http://schemas.microsoft.com/office/drawing/2014/main" id="{AEBD3A43-F2C0-4925-8A83-CBC39240A4C3}"/>
-              </a:ext>
-            </a:extLst>
-          </p:cNvPr>
-          <p:cNvSpPr>
-            <a:spLocks noGrp="1"/>
-          </p:cNvSpPr>
-          <p:nvPr>
-            <p:ph type="ctrTitle"/>
-          </p:nvPr>
-        </p:nvSpPr>
-        <p:spPr/>
-        <p:txBody>
-          <a:bodyPr/>
-          <a:lstStyle/>
-          <a:p>
-            <a:r>
-              <a:rPr lang="en-US"/>
-              <a:t>View</a:t>
-            </a:r>
-            <a:endParaRPr lang="nl-BE"/>
-          </a:p>
-        </p:txBody>
-      </p:sp>
-      <p:sp>
-        <p:nvSpPr>
-          <p:cNvPr id="4" name="Text Placeholder 3">
-            <a:extLst>
-              <a:ext uri="{FF2B5EF4-FFF2-40B4-BE49-F238E27FC236}">
-                <a16:creationId xmlns:a16="http://schemas.microsoft.com/office/drawing/2014/main" id="{7CC90748-ACFD-4AFE-81EC-DDCBD3F454ED}"/>
-              </a:ext>
-            </a:extLst>
-          </p:cNvPr>
-          <p:cNvSpPr>
-            <a:spLocks noGrp="1"/>
-          </p:cNvSpPr>
-          <p:nvPr>
-            <p:ph type="body" sz="quarter" idx="11"/>
-          </p:nvPr>
-        </p:nvSpPr>
-        <p:spPr>
-          <a:xfrm>
-            <a:off x="696278" y="2170143"/>
-            <a:ext cx="6328636" cy="1883697"/>
-          </a:xfrm>
-        </p:spPr>
-        <p:txBody>
-          <a:bodyPr>
-            <a:normAutofit fontScale="62500" lnSpcReduction="20000"/>
-          </a:bodyPr>
-          <a:lstStyle/>
-          <a:p>
-            <a:r>
-              <a:rPr lang="en-US"/>
-              <a:t>Alles dat getekend kan worden op het scherm extend View</a:t>
-            </a:r>
-          </a:p>
-          <a:p>
-            <a:endParaRPr lang="en-US"/>
-          </a:p>
-          <a:p>
-            <a:r>
-              <a:rPr lang="en-US"/>
-              <a:t>Properties van elke View</a:t>
-            </a:r>
-          </a:p>
-          <a:p>
-            <a:pPr marL="342900" indent="-342900">
-              <a:buFont typeface="Arial" panose="020B0604020202020204" pitchFamily="34" charset="0"/>
-              <a:buChar char="•"/>
-            </a:pPr>
-            <a:r>
-              <a:rPr lang="en-US"/>
-              <a:t>Focus</a:t>
-            </a:r>
-          </a:p>
-          <a:p>
-            <a:pPr marL="342900" indent="-342900">
-              <a:buFont typeface="Arial" panose="020B0604020202020204" pitchFamily="34" charset="0"/>
-              <a:buChar char="•"/>
-            </a:pPr>
-            <a:r>
-              <a:rPr lang="en-US"/>
-              <a:t>Listeners</a:t>
-            </a:r>
-          </a:p>
-          <a:p>
-            <a:pPr marL="342900" indent="-342900">
-              <a:buFont typeface="Arial" panose="020B0604020202020204" pitchFamily="34" charset="0"/>
-              <a:buChar char="•"/>
-            </a:pPr>
-            <a:r>
-              <a:rPr lang="en-US"/>
-              <a:t>Visibility</a:t>
-            </a:r>
-          </a:p>
-          <a:p>
-            <a:endParaRPr lang="en-US"/>
-          </a:p>
-          <a:p>
-            <a:pPr marL="342900" indent="-342900">
-              <a:buFont typeface="Arial" panose="020B0604020202020204" pitchFamily="34" charset="0"/>
-              <a:buChar char="•"/>
-            </a:pPr>
-            <a:r>
-              <a:rPr lang="en-US"/>
-              <a:t>layout_width &amp; layout_height</a:t>
-            </a:r>
-          </a:p>
-          <a:p>
-            <a:pPr marL="342900" indent="-342900">
-              <a:buFont typeface="Arial" panose="020B0604020202020204" pitchFamily="34" charset="0"/>
-              <a:buChar char="•"/>
-            </a:pPr>
-            <a:endParaRPr lang="en-US"/>
-          </a:p>
-        </p:txBody>
-      </p:sp>
-      <p:sp>
-        <p:nvSpPr>
-          <p:cNvPr id="5" name="Text Placeholder 4">
-            <a:extLst>
-              <a:ext uri="{FF2B5EF4-FFF2-40B4-BE49-F238E27FC236}">
-                <a16:creationId xmlns:a16="http://schemas.microsoft.com/office/drawing/2014/main" id="{36C41D77-A3F5-44DF-B890-617E39A0B1A2}"/>
-              </a:ext>
-            </a:extLst>
-          </p:cNvPr>
-          <p:cNvSpPr>
-            <a:spLocks noGrp="1"/>
-          </p:cNvSpPr>
-          <p:nvPr>
-            <p:ph type="body" sz="quarter" idx="12"/>
-          </p:nvPr>
-        </p:nvSpPr>
-        <p:spPr/>
-        <p:txBody>
-          <a:bodyPr/>
-          <a:lstStyle/>
-          <a:p>
-            <a:endParaRPr lang="nl-BE"/>
-          </a:p>
-        </p:txBody>
-      </p:sp>
-    </p:spTree>
-    <p:extLst>
-      <p:ext uri="{BB962C8B-B14F-4D97-AF65-F5344CB8AC3E}">
-        <p14:creationId xmlns:p14="http://schemas.microsoft.com/office/powerpoint/2010/main" val="884819016"/>
-      </p:ext>
-    </p:extLst>
-  </p:cSld>
-  <p:clrMapOvr>
-    <a:masterClrMapping/>
-  </p:clrMapOvr>
-</p:sld>
-</file>
-
-<file path=ppt/slides/slide34.xml><?xml version="1.0" encoding="utf-8"?>
-<p:sld xmlns:a="http://schemas.openxmlformats.org/drawingml/2006/main" xmlns:r="http://schemas.openxmlformats.org/officeDocument/2006/relationships" xmlns:p="http://schemas.openxmlformats.org/presentationml/2006/main">
-  <p:cSld>
-    <p:spTree>
-      <p:nvGrpSpPr>
-        <p:cNvPr id="1" name=""/>
-        <p:cNvGrpSpPr/>
-        <p:nvPr/>
-      </p:nvGrpSpPr>
-      <p:grpSpPr>
-        <a:xfrm>
-          <a:off x="0" y="0"/>
-          <a:ext cx="0" cy="0"/>
-          <a:chOff x="0" y="0"/>
-          <a:chExt cx="0" cy="0"/>
-        </a:xfrm>
-      </p:grpSpPr>
-      <p:sp>
-        <p:nvSpPr>
-          <p:cNvPr id="2" name="Title 1">
-            <a:extLst>
-              <a:ext uri="{FF2B5EF4-FFF2-40B4-BE49-F238E27FC236}">
-                <a16:creationId xmlns:a16="http://schemas.microsoft.com/office/drawing/2014/main" id="{AEBD3A43-F2C0-4925-8A83-CBC39240A4C3}"/>
-              </a:ext>
-            </a:extLst>
-          </p:cNvPr>
-          <p:cNvSpPr>
-            <a:spLocks noGrp="1"/>
-          </p:cNvSpPr>
-          <p:nvPr>
-            <p:ph type="ctrTitle"/>
-          </p:nvPr>
-        </p:nvSpPr>
-        <p:spPr/>
-        <p:txBody>
-          <a:bodyPr/>
-          <a:lstStyle/>
-          <a:p>
-            <a:r>
-              <a:rPr lang="en-US"/>
-              <a:t>layout_width &amp; layout_height</a:t>
-            </a:r>
-          </a:p>
-        </p:txBody>
-      </p:sp>
-      <p:sp>
-        <p:nvSpPr>
-          <p:cNvPr id="9" name="Text Placeholder 8">
-            <a:extLst>
-              <a:ext uri="{FF2B5EF4-FFF2-40B4-BE49-F238E27FC236}">
-                <a16:creationId xmlns:a16="http://schemas.microsoft.com/office/drawing/2014/main" id="{25488B92-9C0F-47B2-91E3-38B277D03D69}"/>
-              </a:ext>
-            </a:extLst>
-          </p:cNvPr>
-          <p:cNvSpPr>
-            <a:spLocks noGrp="1"/>
-          </p:cNvSpPr>
-          <p:nvPr>
-            <p:ph type="body" sz="quarter" idx="18"/>
-          </p:nvPr>
-        </p:nvSpPr>
-        <p:spPr/>
-        <p:txBody>
-          <a:bodyPr/>
-          <a:lstStyle/>
-          <a:p>
-            <a:r>
-              <a:rPr lang="en-US"/>
-              <a:t>View</a:t>
-            </a:r>
-            <a:endParaRPr lang="nl-BE"/>
-          </a:p>
-        </p:txBody>
-      </p:sp>
-      <p:sp>
-        <p:nvSpPr>
-          <p:cNvPr id="5" name="Text Placeholder 4">
-            <a:extLst>
-              <a:ext uri="{FF2B5EF4-FFF2-40B4-BE49-F238E27FC236}">
-                <a16:creationId xmlns:a16="http://schemas.microsoft.com/office/drawing/2014/main" id="{36C41D77-A3F5-44DF-B890-617E39A0B1A2}"/>
-              </a:ext>
-            </a:extLst>
-          </p:cNvPr>
-          <p:cNvSpPr>
-            <a:spLocks noGrp="1"/>
-          </p:cNvSpPr>
-          <p:nvPr>
-            <p:ph type="body" sz="quarter" idx="16"/>
-          </p:nvPr>
-        </p:nvSpPr>
-        <p:spPr>
-          <a:xfrm>
-            <a:off x="795338" y="2178050"/>
-            <a:ext cx="6040892" cy="1888052"/>
-          </a:xfrm>
-        </p:spPr>
-        <p:txBody>
-          <a:bodyPr>
-            <a:normAutofit/>
-          </a:bodyPr>
-          <a:lstStyle/>
-          <a:p>
-            <a:r>
-              <a:rPr lang="en-US" sz="1800"/>
-              <a:t>Mogelijke waarden</a:t>
-            </a:r>
-          </a:p>
-          <a:p>
-            <a:pPr marL="285750" indent="-285750">
-              <a:buFont typeface="Arial" panose="020B0604020202020204" pitchFamily="34" charset="0"/>
-              <a:buChar char="•"/>
-            </a:pPr>
-            <a:r>
-              <a:rPr lang="en-US" sz="1800"/>
-              <a:t>MATCH_PARENT = vul zover als parent toelaat</a:t>
-            </a:r>
-          </a:p>
-          <a:p>
-            <a:pPr marL="285750" indent="-285750">
-              <a:buFont typeface="Arial" panose="020B0604020202020204" pitchFamily="34" charset="0"/>
-              <a:buChar char="•"/>
-            </a:pPr>
-            <a:r>
-              <a:rPr lang="en-US" sz="1800"/>
-              <a:t>WRAP_CONTENT = net groot genoeg</a:t>
-            </a:r>
-          </a:p>
-          <a:p>
-            <a:pPr marL="285750" indent="-285750">
-              <a:buFont typeface="Arial" panose="020B0604020202020204" pitchFamily="34" charset="0"/>
-              <a:buChar char="•"/>
-            </a:pPr>
-            <a:r>
-              <a:rPr lang="en-US" sz="1800"/>
-              <a:t>waarde in DP</a:t>
-            </a:r>
-            <a:endParaRPr lang="nl-BE" sz="1800"/>
-          </a:p>
-        </p:txBody>
-      </p:sp>
-      <p:sp>
-        <p:nvSpPr>
-          <p:cNvPr id="10" name="Rectangle 9">
-            <a:extLst>
-              <a:ext uri="{FF2B5EF4-FFF2-40B4-BE49-F238E27FC236}">
-                <a16:creationId xmlns:a16="http://schemas.microsoft.com/office/drawing/2014/main" id="{EA55E693-8B04-4EE8-95B5-4258DC63EEFD}"/>
-              </a:ext>
-            </a:extLst>
-          </p:cNvPr>
-          <p:cNvSpPr/>
-          <p:nvPr/>
-        </p:nvSpPr>
-        <p:spPr>
-          <a:xfrm>
-            <a:off x="795338" y="1777146"/>
-            <a:ext cx="4698319" cy="246221"/>
-          </a:xfrm>
-          <a:prstGeom prst="rect">
-            <a:avLst/>
-          </a:prstGeom>
-        </p:spPr>
-        <p:txBody>
-          <a:bodyPr wrap="square">
-            <a:spAutoFit/>
-          </a:bodyPr>
-          <a:lstStyle/>
-          <a:p>
-            <a:r>
-              <a:rPr lang="nl-BE" sz="1000">
-                <a:hlinkClick r:id="rId2"/>
-              </a:rPr>
-              <a:t>https://developer.android.com/guide/topics/ui/declaring-layout</a:t>
-            </a:r>
-            <a:endParaRPr lang="nl-BE" sz="1000"/>
-          </a:p>
-        </p:txBody>
-      </p:sp>
-    </p:spTree>
-    <p:extLst>
-      <p:ext uri="{BB962C8B-B14F-4D97-AF65-F5344CB8AC3E}">
-        <p14:creationId xmlns:p14="http://schemas.microsoft.com/office/powerpoint/2010/main" val="2067409136"/>
-      </p:ext>
-    </p:extLst>
-  </p:cSld>
-  <p:clrMapOvr>
-    <a:masterClrMapping/>
-  </p:clrMapOvr>
-</p:sld>
-</file>
-
-<file path=ppt/slides/slide35.xml><?xml version="1.0" encoding="utf-8"?>
-<p:sld xmlns:a="http://schemas.openxmlformats.org/drawingml/2006/main" xmlns:r="http://schemas.openxmlformats.org/officeDocument/2006/relationships" xmlns:p="http://schemas.openxmlformats.org/presentationml/2006/main">
-  <p:cSld>
-    <p:spTree>
-      <p:nvGrpSpPr>
-        <p:cNvPr id="1" name=""/>
-        <p:cNvGrpSpPr/>
-        <p:nvPr/>
-      </p:nvGrpSpPr>
-      <p:grpSpPr>
-        <a:xfrm>
-          <a:off x="0" y="0"/>
-          <a:ext cx="0" cy="0"/>
-          <a:chOff x="0" y="0"/>
-          <a:chExt cx="0" cy="0"/>
-        </a:xfrm>
-      </p:grpSpPr>
-      <p:sp>
-        <p:nvSpPr>
-          <p:cNvPr id="3" name="Title 2">
-            <a:extLst>
-              <a:ext uri="{FF2B5EF4-FFF2-40B4-BE49-F238E27FC236}">
-                <a16:creationId xmlns:a16="http://schemas.microsoft.com/office/drawing/2014/main" id="{11851859-D908-4D6A-A164-8A01E60A2188}"/>
-              </a:ext>
-            </a:extLst>
-          </p:cNvPr>
-          <p:cNvSpPr>
-            <a:spLocks noGrp="1"/>
-          </p:cNvSpPr>
-          <p:nvPr>
-            <p:ph type="ctrTitle"/>
-          </p:nvPr>
-        </p:nvSpPr>
-        <p:spPr/>
-        <p:txBody>
-          <a:bodyPr/>
-          <a:lstStyle/>
-          <a:p>
-            <a:r>
-              <a:rPr lang="en-US"/>
-              <a:t>Containers &amp; LayoutManagers</a:t>
-            </a:r>
-            <a:endParaRPr lang="nl-BE"/>
-          </a:p>
-        </p:txBody>
-      </p:sp>
-      <p:sp>
-        <p:nvSpPr>
-          <p:cNvPr id="7" name="Text Placeholder 6">
-            <a:extLst>
-              <a:ext uri="{FF2B5EF4-FFF2-40B4-BE49-F238E27FC236}">
-                <a16:creationId xmlns:a16="http://schemas.microsoft.com/office/drawing/2014/main" id="{E0663161-A170-4FB6-AC42-7F18ED1528E2}"/>
-              </a:ext>
-            </a:extLst>
-          </p:cNvPr>
-          <p:cNvSpPr>
-            <a:spLocks noGrp="1"/>
-          </p:cNvSpPr>
-          <p:nvPr>
-            <p:ph type="body" sz="quarter" idx="18"/>
-          </p:nvPr>
-        </p:nvSpPr>
-        <p:spPr/>
-        <p:txBody>
-          <a:bodyPr/>
-          <a:lstStyle/>
-          <a:p>
-            <a:endParaRPr lang="nl-BE"/>
-          </a:p>
-        </p:txBody>
-      </p:sp>
-      <p:sp>
-        <p:nvSpPr>
-          <p:cNvPr id="27" name="Text Placeholder 3">
-            <a:extLst>
-              <a:ext uri="{FF2B5EF4-FFF2-40B4-BE49-F238E27FC236}">
-                <a16:creationId xmlns:a16="http://schemas.microsoft.com/office/drawing/2014/main" id="{8A430D47-B24D-4492-85AC-223C88122F9C}"/>
-              </a:ext>
-            </a:extLst>
-          </p:cNvPr>
-          <p:cNvSpPr>
-            <a:spLocks noGrp="1"/>
-          </p:cNvSpPr>
-          <p:nvPr>
-            <p:ph type="body" sz="quarter" idx="16"/>
-          </p:nvPr>
-        </p:nvSpPr>
-        <p:spPr>
-          <a:xfrm>
-            <a:off x="795337" y="2178049"/>
-            <a:ext cx="6969805" cy="2437493"/>
-          </a:xfrm>
-        </p:spPr>
-        <p:txBody>
-          <a:bodyPr>
-            <a:normAutofit/>
-          </a:bodyPr>
-          <a:lstStyle/>
-          <a:p>
-            <a:r>
-              <a:rPr lang="en-US" sz="1800"/>
-              <a:t>LayoutManagers beslissen hoe de Views in de layout geplaatst worden</a:t>
-            </a:r>
-          </a:p>
-          <a:p>
-            <a:pPr marL="342900" indent="-342900">
-              <a:buFont typeface="Arial" panose="020B0604020202020204" pitchFamily="34" charset="0"/>
-              <a:buChar char="•"/>
-            </a:pPr>
-            <a:r>
-              <a:rPr lang="en-US" sz="1800"/>
-              <a:t>LinearLayout</a:t>
-            </a:r>
-          </a:p>
-          <a:p>
-            <a:pPr marL="342900" indent="-342900">
-              <a:buFont typeface="Arial" panose="020B0604020202020204" pitchFamily="34" charset="0"/>
-              <a:buChar char="•"/>
-            </a:pPr>
-            <a:r>
-              <a:rPr lang="en-US" sz="1800"/>
-              <a:t>TableLayout</a:t>
-            </a:r>
-          </a:p>
-          <a:p>
-            <a:pPr marL="342900" indent="-342900">
-              <a:buFont typeface="Arial" panose="020B0604020202020204" pitchFamily="34" charset="0"/>
-              <a:buChar char="•"/>
-            </a:pPr>
-            <a:r>
-              <a:rPr lang="en-US" sz="1800"/>
-              <a:t>ConstraintLayout </a:t>
-            </a:r>
-            <a:r>
-              <a:rPr lang="en-US" sz="1800">
-                <a:latin typeface="MoolBoran" panose="020B0100010101010101" pitchFamily="34" charset="0"/>
-                <a:cs typeface="MoolBoran" panose="020B0100010101010101" pitchFamily="34" charset="0"/>
-              </a:rPr>
-              <a:t>←</a:t>
-            </a:r>
-          </a:p>
-          <a:p>
-            <a:pPr marL="342900" indent="-342900">
-              <a:buFont typeface="Arial" panose="020B0604020202020204" pitchFamily="34" charset="0"/>
-              <a:buChar char="•"/>
-            </a:pPr>
-            <a:r>
-              <a:rPr lang="en-US" sz="1800">
-                <a:latin typeface="MoolBoran" panose="020B0100010101010101" pitchFamily="34" charset="0"/>
-                <a:cs typeface="MoolBoran" panose="020B0100010101010101" pitchFamily="34" charset="0"/>
-              </a:rPr>
-              <a:t>….</a:t>
-            </a:r>
-            <a:endParaRPr lang="en-US" sz="1800"/>
-          </a:p>
-          <a:p>
-            <a:pPr marL="342900" indent="-342900">
-              <a:buFont typeface="Arial" panose="020B0604020202020204" pitchFamily="34" charset="0"/>
-              <a:buChar char="•"/>
-            </a:pPr>
-            <a:endParaRPr lang="en-US" sz="1800"/>
-          </a:p>
-        </p:txBody>
-      </p:sp>
-      <p:sp>
-        <p:nvSpPr>
-          <p:cNvPr id="13" name="Rectangle 12">
-            <a:extLst>
-              <a:ext uri="{FF2B5EF4-FFF2-40B4-BE49-F238E27FC236}">
-                <a16:creationId xmlns:a16="http://schemas.microsoft.com/office/drawing/2014/main" id="{963D60FA-DD15-496F-B1FD-2898455D8C0A}"/>
-              </a:ext>
-            </a:extLst>
-          </p:cNvPr>
-          <p:cNvSpPr/>
-          <p:nvPr/>
-        </p:nvSpPr>
-        <p:spPr>
-          <a:xfrm>
-            <a:off x="795338" y="1777146"/>
-            <a:ext cx="4698319" cy="246221"/>
-          </a:xfrm>
-          <a:prstGeom prst="rect">
-            <a:avLst/>
-          </a:prstGeom>
-        </p:spPr>
-        <p:txBody>
-          <a:bodyPr wrap="square">
-            <a:spAutoFit/>
-          </a:bodyPr>
-          <a:lstStyle/>
-          <a:p>
-            <a:r>
-              <a:rPr lang="nl-BE" sz="1000">
-                <a:hlinkClick r:id="rId2"/>
-              </a:rPr>
-              <a:t>https://developer.android.com/guide/topics/ui/declaring-layout</a:t>
-            </a:r>
-            <a:endParaRPr lang="nl-BE" sz="1000"/>
-          </a:p>
-        </p:txBody>
-      </p:sp>
-    </p:spTree>
-    <p:extLst>
-      <p:ext uri="{BB962C8B-B14F-4D97-AF65-F5344CB8AC3E}">
-        <p14:creationId xmlns:p14="http://schemas.microsoft.com/office/powerpoint/2010/main" val="2588597379"/>
-      </p:ext>
-    </p:extLst>
-  </p:cSld>
-  <p:clrMapOvr>
-    <a:masterClrMapping/>
-  </p:clrMapOvr>
-</p:sld>
-</file>
-
-<file path=ppt/slides/slide36.xml><?xml version="1.0" encoding="utf-8"?>
-<p:sld xmlns:a="http://schemas.openxmlformats.org/drawingml/2006/main" xmlns:r="http://schemas.openxmlformats.org/officeDocument/2006/relationships" xmlns:p="http://schemas.openxmlformats.org/presentationml/2006/main">
-  <p:cSld>
-    <p:spTree>
-      <p:nvGrpSpPr>
-        <p:cNvPr id="1" name=""/>
-        <p:cNvGrpSpPr/>
-        <p:nvPr/>
-      </p:nvGrpSpPr>
-      <p:grpSpPr>
-        <a:xfrm>
-          <a:off x="0" y="0"/>
-          <a:ext cx="0" cy="0"/>
-          <a:chOff x="0" y="0"/>
-          <a:chExt cx="0" cy="0"/>
-        </a:xfrm>
-      </p:grpSpPr>
-      <p:sp>
-        <p:nvSpPr>
-          <p:cNvPr id="2" name="Title 1">
-            <a:extLst>
-              <a:ext uri="{FF2B5EF4-FFF2-40B4-BE49-F238E27FC236}">
-                <a16:creationId xmlns:a16="http://schemas.microsoft.com/office/drawing/2014/main" id="{393E1377-9986-4FC4-B3DA-19D265FE0302}"/>
-              </a:ext>
-            </a:extLst>
-          </p:cNvPr>
-          <p:cNvSpPr>
-            <a:spLocks noGrp="1"/>
-          </p:cNvSpPr>
-          <p:nvPr>
-            <p:ph type="ctrTitle"/>
-          </p:nvPr>
-        </p:nvSpPr>
-        <p:spPr/>
-        <p:txBody>
-          <a:bodyPr/>
-          <a:lstStyle/>
-          <a:p>
-            <a:r>
-              <a:rPr lang="en-US"/>
-              <a:t>LinearLayout</a:t>
-            </a:r>
-            <a:endParaRPr lang="nl-BE"/>
-          </a:p>
-        </p:txBody>
-      </p:sp>
-      <p:pic>
-        <p:nvPicPr>
-          <p:cNvPr id="7" name="Picture Placeholder 6">
-            <a:extLst>
-              <a:ext uri="{FF2B5EF4-FFF2-40B4-BE49-F238E27FC236}">
-                <a16:creationId xmlns:a16="http://schemas.microsoft.com/office/drawing/2014/main" id="{AF9E8F0E-4EAB-4B72-80D3-64A003FCAC43}"/>
-              </a:ext>
-            </a:extLst>
-          </p:cNvPr>
-          <p:cNvPicPr>
-            <a:picLocks noGrp="1" noChangeAspect="1"/>
-          </p:cNvPicPr>
-          <p:nvPr>
-            <p:ph type="pic" sz="quarter" idx="10"/>
-          </p:nvPr>
-        </p:nvPicPr>
-        <p:blipFill>
-          <a:blip r:embed="rId2"/>
-          <a:srcRect l="4144" r="4144"/>
-          <a:stretch>
-            <a:fillRect/>
-          </a:stretch>
-        </p:blipFill>
-        <p:spPr/>
-      </p:pic>
-      <p:sp>
-        <p:nvSpPr>
-          <p:cNvPr id="4" name="Text Placeholder 3">
-            <a:extLst>
-              <a:ext uri="{FF2B5EF4-FFF2-40B4-BE49-F238E27FC236}">
-                <a16:creationId xmlns:a16="http://schemas.microsoft.com/office/drawing/2014/main" id="{DCF6D0F7-5388-450F-A133-D738FE70E579}"/>
-              </a:ext>
-            </a:extLst>
-          </p:cNvPr>
-          <p:cNvSpPr>
-            <a:spLocks noGrp="1"/>
-          </p:cNvSpPr>
-          <p:nvPr>
-            <p:ph type="body" sz="quarter" idx="18"/>
-          </p:nvPr>
-        </p:nvSpPr>
-        <p:spPr/>
-        <p:txBody>
-          <a:bodyPr/>
-          <a:lstStyle/>
-          <a:p>
-            <a:endParaRPr lang="nl-BE"/>
-          </a:p>
-        </p:txBody>
-      </p:sp>
-      <p:sp>
-        <p:nvSpPr>
-          <p:cNvPr id="5" name="Text Placeholder 4">
-            <a:extLst>
-              <a:ext uri="{FF2B5EF4-FFF2-40B4-BE49-F238E27FC236}">
-                <a16:creationId xmlns:a16="http://schemas.microsoft.com/office/drawing/2014/main" id="{2AE40C82-0355-4EDA-9DB4-C127B993BC02}"/>
-              </a:ext>
-            </a:extLst>
-          </p:cNvPr>
-          <p:cNvSpPr>
-            <a:spLocks noGrp="1"/>
-          </p:cNvSpPr>
-          <p:nvPr>
-            <p:ph type="body" sz="quarter" idx="16"/>
-          </p:nvPr>
-        </p:nvSpPr>
-        <p:spPr>
-          <a:xfrm>
-            <a:off x="795338" y="2178050"/>
-            <a:ext cx="3746501" cy="1888052"/>
-          </a:xfrm>
-        </p:spPr>
-        <p:txBody>
-          <a:bodyPr/>
-          <a:lstStyle/>
-          <a:p>
-            <a:r>
-              <a:rPr lang="en-US"/>
-              <a:t>ViewGroup waarin alle kinderen onder/naast elkaar komen te staan</a:t>
-            </a:r>
-          </a:p>
-          <a:p>
-            <a:r>
-              <a:rPr lang="en-US"/>
-              <a:t>	afhankelijk van </a:t>
-            </a:r>
-            <a:r>
-              <a:rPr lang="en-US">
-                <a:latin typeface="Consolas" panose="020B0609020204030204" pitchFamily="49" charset="0"/>
-              </a:rPr>
-              <a:t>android:orientation</a:t>
-            </a:r>
-            <a:br>
-              <a:rPr lang="en-US">
-                <a:latin typeface="Consolas" panose="020B0609020204030204" pitchFamily="49" charset="0"/>
-              </a:rPr>
-            </a:br>
-            <a:r>
-              <a:rPr lang="en-US">
-                <a:latin typeface="Consolas" panose="020B0609020204030204" pitchFamily="49" charset="0"/>
-              </a:rPr>
-              <a:t>	=vertical/horizontal</a:t>
-            </a:r>
-            <a:endParaRPr lang="nl-BE">
-              <a:latin typeface="Consolas" panose="020B0609020204030204" pitchFamily="49" charset="0"/>
-            </a:endParaRPr>
-          </a:p>
-        </p:txBody>
-      </p:sp>
-      <p:sp>
-        <p:nvSpPr>
-          <p:cNvPr id="8" name="Rectangle 7">
-            <a:extLst>
-              <a:ext uri="{FF2B5EF4-FFF2-40B4-BE49-F238E27FC236}">
-                <a16:creationId xmlns:a16="http://schemas.microsoft.com/office/drawing/2014/main" id="{728CB27F-6467-47A5-934C-5031F6EF06C6}"/>
-              </a:ext>
-            </a:extLst>
-          </p:cNvPr>
-          <p:cNvSpPr/>
-          <p:nvPr/>
-        </p:nvSpPr>
-        <p:spPr>
-          <a:xfrm>
-            <a:off x="795338" y="1316443"/>
-            <a:ext cx="3508375" cy="246221"/>
-          </a:xfrm>
-          <a:prstGeom prst="rect">
-            <a:avLst/>
-          </a:prstGeom>
-        </p:spPr>
-        <p:txBody>
-          <a:bodyPr wrap="square">
-            <a:spAutoFit/>
-          </a:bodyPr>
-          <a:lstStyle/>
-          <a:p>
-            <a:r>
-              <a:rPr lang="nl-BE" sz="1000">
-                <a:hlinkClick r:id="rId3"/>
-              </a:rPr>
-              <a:t>https://developer.android.com/guide/topics/ui/layout/linear</a:t>
-            </a:r>
-            <a:endParaRPr lang="nl-BE" sz="1000"/>
-          </a:p>
-        </p:txBody>
-      </p:sp>
-    </p:spTree>
-    <p:extLst>
-      <p:ext uri="{BB962C8B-B14F-4D97-AF65-F5344CB8AC3E}">
-        <p14:creationId xmlns:p14="http://schemas.microsoft.com/office/powerpoint/2010/main" val="3617868043"/>
-      </p:ext>
-    </p:extLst>
-  </p:cSld>
-  <p:clrMapOvr>
-    <a:masterClrMapping/>
-  </p:clrMapOvr>
-</p:sld>
-</file>
-
-<file path=ppt/slides/slide37.xml><?xml version="1.0" encoding="utf-8"?>
-<p:sld xmlns:a="http://schemas.openxmlformats.org/drawingml/2006/main" xmlns:r="http://schemas.openxmlformats.org/officeDocument/2006/relationships" xmlns:p="http://schemas.openxmlformats.org/presentationml/2006/main">
-  <p:cSld>
-    <p:spTree>
-      <p:nvGrpSpPr>
-        <p:cNvPr id="1" name=""/>
-        <p:cNvGrpSpPr/>
-        <p:nvPr/>
-      </p:nvGrpSpPr>
-      <p:grpSpPr>
-        <a:xfrm>
-          <a:off x="0" y="0"/>
-          <a:ext cx="0" cy="0"/>
-          <a:chOff x="0" y="0"/>
-          <a:chExt cx="0" cy="0"/>
-        </a:xfrm>
-      </p:grpSpPr>
-      <p:sp>
-        <p:nvSpPr>
-          <p:cNvPr id="2" name="Title 1">
-            <a:extLst>
-              <a:ext uri="{FF2B5EF4-FFF2-40B4-BE49-F238E27FC236}">
-                <a16:creationId xmlns:a16="http://schemas.microsoft.com/office/drawing/2014/main" id="{393E1377-9986-4FC4-B3DA-19D265FE0302}"/>
-              </a:ext>
-            </a:extLst>
-          </p:cNvPr>
-          <p:cNvSpPr>
-            <a:spLocks noGrp="1"/>
-          </p:cNvSpPr>
-          <p:nvPr>
-            <p:ph type="ctrTitle"/>
-          </p:nvPr>
-        </p:nvSpPr>
-        <p:spPr/>
-        <p:txBody>
-          <a:bodyPr/>
-          <a:lstStyle/>
-          <a:p>
-            <a:r>
-              <a:rPr lang="en-US"/>
-              <a:t>TableLayout</a:t>
-            </a:r>
-            <a:endParaRPr lang="nl-BE"/>
-          </a:p>
-        </p:txBody>
-      </p:sp>
-      <p:sp>
-        <p:nvSpPr>
-          <p:cNvPr id="4" name="Text Placeholder 3">
-            <a:extLst>
-              <a:ext uri="{FF2B5EF4-FFF2-40B4-BE49-F238E27FC236}">
-                <a16:creationId xmlns:a16="http://schemas.microsoft.com/office/drawing/2014/main" id="{DCF6D0F7-5388-450F-A133-D738FE70E579}"/>
-              </a:ext>
-            </a:extLst>
-          </p:cNvPr>
-          <p:cNvSpPr>
-            <a:spLocks noGrp="1"/>
-          </p:cNvSpPr>
-          <p:nvPr>
-            <p:ph type="body" sz="quarter" idx="18"/>
-          </p:nvPr>
-        </p:nvSpPr>
-        <p:spPr/>
-        <p:txBody>
-          <a:bodyPr/>
-          <a:lstStyle/>
-          <a:p>
-            <a:endParaRPr lang="nl-BE"/>
-          </a:p>
-        </p:txBody>
-      </p:sp>
-      <p:sp>
-        <p:nvSpPr>
-          <p:cNvPr id="5" name="Text Placeholder 4">
-            <a:extLst>
-              <a:ext uri="{FF2B5EF4-FFF2-40B4-BE49-F238E27FC236}">
-                <a16:creationId xmlns:a16="http://schemas.microsoft.com/office/drawing/2014/main" id="{2AE40C82-0355-4EDA-9DB4-C127B993BC02}"/>
-              </a:ext>
-            </a:extLst>
-          </p:cNvPr>
-          <p:cNvSpPr>
-            <a:spLocks noGrp="1"/>
-          </p:cNvSpPr>
-          <p:nvPr>
-            <p:ph type="body" sz="quarter" idx="16"/>
-          </p:nvPr>
-        </p:nvSpPr>
-        <p:spPr>
-          <a:xfrm>
-            <a:off x="795338" y="2178050"/>
-            <a:ext cx="4248376" cy="1888052"/>
-          </a:xfrm>
-        </p:spPr>
-        <p:txBody>
-          <a:bodyPr/>
-          <a:lstStyle/>
-          <a:p>
-            <a:r>
-              <a:rPr lang="en-US"/>
-              <a:t>ViewGroup met tabelvorm</a:t>
-            </a:r>
-          </a:p>
-          <a:p>
-            <a:r>
-              <a:rPr lang="en-US"/>
-              <a:t>	Meerdere </a:t>
-            </a:r>
-            <a:r>
-              <a:rPr lang="en-US">
-                <a:latin typeface="Consolas" panose="020B0609020204030204" pitchFamily="49" charset="0"/>
-              </a:rPr>
-              <a:t>TableRow</a:t>
-            </a:r>
-            <a:r>
-              <a:rPr lang="en-US"/>
-              <a:t>s met daarin de child views</a:t>
-            </a:r>
-          </a:p>
-          <a:p>
-            <a:r>
-              <a:rPr lang="en-US">
-                <a:latin typeface="Consolas" panose="020B0609020204030204" pitchFamily="49" charset="0"/>
-              </a:rPr>
-              <a:t>	</a:t>
-            </a:r>
-            <a:r>
-              <a:rPr lang="en-US">
-                <a:latin typeface="Montserrat Semi"/>
-              </a:rPr>
-              <a:t>Gelijkaardig aan tabellen in HTML</a:t>
-            </a:r>
-            <a:endParaRPr lang="nl-BE">
-              <a:latin typeface="Consolas" panose="020B0609020204030204" pitchFamily="49" charset="0"/>
-            </a:endParaRPr>
-          </a:p>
-        </p:txBody>
-      </p:sp>
-      <p:sp>
-        <p:nvSpPr>
-          <p:cNvPr id="8" name="Rectangle 7">
-            <a:extLst>
-              <a:ext uri="{FF2B5EF4-FFF2-40B4-BE49-F238E27FC236}">
-                <a16:creationId xmlns:a16="http://schemas.microsoft.com/office/drawing/2014/main" id="{728CB27F-6467-47A5-934C-5031F6EF06C6}"/>
-              </a:ext>
-            </a:extLst>
-          </p:cNvPr>
-          <p:cNvSpPr/>
-          <p:nvPr/>
-        </p:nvSpPr>
-        <p:spPr>
-          <a:xfrm>
-            <a:off x="795338" y="1316443"/>
-            <a:ext cx="3508375" cy="246221"/>
-          </a:xfrm>
-          <a:prstGeom prst="rect">
-            <a:avLst/>
-          </a:prstGeom>
-        </p:spPr>
-        <p:txBody>
-          <a:bodyPr wrap="square">
-            <a:spAutoFit/>
-          </a:bodyPr>
-          <a:lstStyle/>
-          <a:p>
-            <a:r>
-              <a:rPr lang="nl-BE" sz="1000">
-                <a:hlinkClick r:id="rId2"/>
-              </a:rPr>
-              <a:t>https://developer.android.com/guide/topics/ui/layout/linear</a:t>
-            </a:r>
-            <a:endParaRPr lang="nl-BE" sz="1000"/>
-          </a:p>
-        </p:txBody>
-      </p:sp>
-      <p:pic>
-        <p:nvPicPr>
-          <p:cNvPr id="12" name="Picture Placeholder 11">
-            <a:extLst>
-              <a:ext uri="{FF2B5EF4-FFF2-40B4-BE49-F238E27FC236}">
-                <a16:creationId xmlns:a16="http://schemas.microsoft.com/office/drawing/2014/main" id="{F77BB327-A96D-41A6-BE0F-8388D8702DC3}"/>
-              </a:ext>
-            </a:extLst>
-          </p:cNvPr>
-          <p:cNvPicPr>
-            <a:picLocks noGrp="1" noChangeAspect="1"/>
-          </p:cNvPicPr>
-          <p:nvPr>
-            <p:ph type="pic" sz="quarter" idx="10"/>
-          </p:nvPr>
-        </p:nvPicPr>
-        <p:blipFill>
-          <a:blip r:embed="rId3"/>
-          <a:stretch>
-            <a:fillRect/>
-          </a:stretch>
-        </p:blipFill>
-        <p:spPr>
-          <a:xfrm>
-            <a:off x="5225143" y="901685"/>
-            <a:ext cx="3206524" cy="3340129"/>
-          </a:xfrm>
-        </p:spPr>
-      </p:pic>
-    </p:spTree>
-    <p:extLst>
-      <p:ext uri="{BB962C8B-B14F-4D97-AF65-F5344CB8AC3E}">
-        <p14:creationId xmlns:p14="http://schemas.microsoft.com/office/powerpoint/2010/main" val="281169694"/>
-      </p:ext>
-    </p:extLst>
-  </p:cSld>
-  <p:clrMapOvr>
-    <a:masterClrMapping/>
-  </p:clrMapOvr>
-</p:sld>
-</file>
-
-<file path=ppt/slides/slide38.xml><?xml version="1.0" encoding="utf-8"?>
-<p:sld xmlns:a="http://schemas.openxmlformats.org/drawingml/2006/main" xmlns:r="http://schemas.openxmlformats.org/officeDocument/2006/relationships" xmlns:p="http://schemas.openxmlformats.org/presentationml/2006/main">
-  <p:cSld>
-    <p:spTree>
-      <p:nvGrpSpPr>
-        <p:cNvPr id="1" name=""/>
-        <p:cNvGrpSpPr/>
-        <p:nvPr/>
-      </p:nvGrpSpPr>
-      <p:grpSpPr>
-        <a:xfrm>
-          <a:off x="0" y="0"/>
-          <a:ext cx="0" cy="0"/>
-          <a:chOff x="0" y="0"/>
-          <a:chExt cx="0" cy="0"/>
-        </a:xfrm>
-      </p:grpSpPr>
-      <p:sp>
-        <p:nvSpPr>
-          <p:cNvPr id="2" name="Title 1">
-            <a:extLst>
-              <a:ext uri="{FF2B5EF4-FFF2-40B4-BE49-F238E27FC236}">
-                <a16:creationId xmlns:a16="http://schemas.microsoft.com/office/drawing/2014/main" id="{393E1377-9986-4FC4-B3DA-19D265FE0302}"/>
-              </a:ext>
-            </a:extLst>
-          </p:cNvPr>
-          <p:cNvSpPr>
-            <a:spLocks noGrp="1"/>
-          </p:cNvSpPr>
-          <p:nvPr>
-            <p:ph type="ctrTitle"/>
-          </p:nvPr>
-        </p:nvSpPr>
-        <p:spPr/>
-        <p:txBody>
-          <a:bodyPr/>
-          <a:lstStyle/>
-          <a:p>
-            <a:r>
-              <a:rPr lang="en-US"/>
-              <a:t>ConstraintLayout</a:t>
-            </a:r>
-            <a:endParaRPr lang="nl-BE"/>
-          </a:p>
-        </p:txBody>
-      </p:sp>
-      <p:sp>
-        <p:nvSpPr>
-          <p:cNvPr id="4" name="Text Placeholder 3">
-            <a:extLst>
-              <a:ext uri="{FF2B5EF4-FFF2-40B4-BE49-F238E27FC236}">
-                <a16:creationId xmlns:a16="http://schemas.microsoft.com/office/drawing/2014/main" id="{DCF6D0F7-5388-450F-A133-D738FE70E579}"/>
-              </a:ext>
-            </a:extLst>
-          </p:cNvPr>
-          <p:cNvSpPr>
-            <a:spLocks noGrp="1"/>
-          </p:cNvSpPr>
-          <p:nvPr>
-            <p:ph type="body" sz="quarter" idx="18"/>
-          </p:nvPr>
-        </p:nvSpPr>
-        <p:spPr/>
-        <p:txBody>
-          <a:bodyPr/>
-          <a:lstStyle/>
-          <a:p>
-            <a:endParaRPr lang="nl-BE"/>
-          </a:p>
-        </p:txBody>
-      </p:sp>
-      <p:sp>
-        <p:nvSpPr>
-          <p:cNvPr id="5" name="Text Placeholder 4">
-            <a:extLst>
-              <a:ext uri="{FF2B5EF4-FFF2-40B4-BE49-F238E27FC236}">
-                <a16:creationId xmlns:a16="http://schemas.microsoft.com/office/drawing/2014/main" id="{2AE40C82-0355-4EDA-9DB4-C127B993BC02}"/>
-              </a:ext>
-            </a:extLst>
-          </p:cNvPr>
-          <p:cNvSpPr>
-            <a:spLocks noGrp="1"/>
-          </p:cNvSpPr>
-          <p:nvPr>
-            <p:ph type="body" sz="quarter" idx="16"/>
-          </p:nvPr>
-        </p:nvSpPr>
-        <p:spPr>
-          <a:xfrm>
-            <a:off x="795337" y="2178050"/>
-            <a:ext cx="4458833" cy="1888052"/>
-          </a:xfrm>
-        </p:spPr>
-        <p:txBody>
-          <a:bodyPr/>
-          <a:lstStyle/>
-          <a:p>
-            <a:r>
-              <a:rPr lang="en-US">
-                <a:latin typeface="Montserrat Semi"/>
-              </a:rPr>
-              <a:t>Eenvoudig complexe en vlakke Layouts maken</a:t>
-            </a:r>
-          </a:p>
-          <a:p>
-            <a:endParaRPr lang="en-US">
-              <a:latin typeface="Montserrat Semi"/>
-            </a:endParaRPr>
-          </a:p>
-          <a:p>
-            <a:r>
-              <a:rPr lang="en-US">
-                <a:latin typeface="Montserrat Semi"/>
-              </a:rPr>
-              <a:t>Views worden met Constraints aan elkaar gelinkt</a:t>
-            </a:r>
-          </a:p>
-          <a:p>
-            <a:r>
-              <a:rPr lang="en-US">
-                <a:latin typeface="Montserrat Semi"/>
-              </a:rPr>
-              <a:t>	minstens 1 horizontaal en 1 verticaal</a:t>
-            </a:r>
-          </a:p>
-          <a:p>
-            <a:endParaRPr lang="en-US">
-              <a:latin typeface="Montserrat Semi"/>
-            </a:endParaRPr>
-          </a:p>
-          <a:p>
-            <a:r>
-              <a:rPr lang="en-US">
-                <a:latin typeface="Montserrat Semi"/>
-              </a:rPr>
-              <a:t>G</a:t>
-            </a:r>
-            <a:r>
-              <a:rPr lang="nl-BE">
-                <a:latin typeface="Montserrat Semi"/>
-              </a:rPr>
-              <a:t>o-to layout als (aantal) elementen vastligt</a:t>
-            </a:r>
-            <a:endParaRPr lang="en-US">
-              <a:latin typeface="Montserrat Semi"/>
-            </a:endParaRPr>
-          </a:p>
-        </p:txBody>
-      </p:sp>
-      <p:sp>
-        <p:nvSpPr>
-          <p:cNvPr id="8" name="Rectangle 7">
-            <a:extLst>
-              <a:ext uri="{FF2B5EF4-FFF2-40B4-BE49-F238E27FC236}">
-                <a16:creationId xmlns:a16="http://schemas.microsoft.com/office/drawing/2014/main" id="{728CB27F-6467-47A5-934C-5031F6EF06C6}"/>
-              </a:ext>
-            </a:extLst>
-          </p:cNvPr>
-          <p:cNvSpPr/>
-          <p:nvPr/>
-        </p:nvSpPr>
-        <p:spPr>
-          <a:xfrm>
-            <a:off x="795338" y="1316443"/>
-            <a:ext cx="3508375" cy="246221"/>
-          </a:xfrm>
-          <a:prstGeom prst="rect">
-            <a:avLst/>
-          </a:prstGeom>
-        </p:spPr>
-        <p:txBody>
-          <a:bodyPr wrap="square">
-            <a:spAutoFit/>
-          </a:bodyPr>
-          <a:lstStyle/>
-          <a:p>
-            <a:r>
-              <a:rPr lang="nl-BE" sz="1000">
-                <a:hlinkClick r:id="rId2"/>
-              </a:rPr>
-              <a:t>https://developer.android.com/training/constraint-layout/</a:t>
-            </a:r>
-            <a:endParaRPr lang="nl-BE" sz="1000"/>
-          </a:p>
-        </p:txBody>
-      </p:sp>
-      <p:pic>
-        <p:nvPicPr>
-          <p:cNvPr id="13" name="Picture Placeholder 8">
-            <a:extLst>
-              <a:ext uri="{FF2B5EF4-FFF2-40B4-BE49-F238E27FC236}">
-                <a16:creationId xmlns:a16="http://schemas.microsoft.com/office/drawing/2014/main" id="{772FBC1C-1EE5-4711-8481-B147A54CE705}"/>
-              </a:ext>
-            </a:extLst>
-          </p:cNvPr>
-          <p:cNvPicPr>
-            <a:picLocks noGrp="1" noChangeAspect="1"/>
-          </p:cNvPicPr>
-          <p:nvPr>
-            <p:ph type="pic" sz="quarter" idx="10"/>
-          </p:nvPr>
-        </p:nvPicPr>
-        <p:blipFill rotWithShape="1">
-          <a:blip r:embed="rId3"/>
-          <a:srcRect t="-33286" b="-33286"/>
-          <a:stretch/>
-        </p:blipFill>
-        <p:spPr>
-          <a:xfrm>
-            <a:off x="5040168" y="741364"/>
-            <a:ext cx="3635520" cy="2923494"/>
-          </a:xfrm>
-        </p:spPr>
-      </p:pic>
-    </p:spTree>
-    <p:extLst>
-      <p:ext uri="{BB962C8B-B14F-4D97-AF65-F5344CB8AC3E}">
-        <p14:creationId xmlns:p14="http://schemas.microsoft.com/office/powerpoint/2010/main" val="3850291291"/>
-      </p:ext>
-    </p:extLst>
-  </p:cSld>
-  <p:clrMapOvr>
-    <a:masterClrMapping/>
-  </p:clrMapOvr>
-</p:sld>
-</file>
-
-<file path=ppt/slides/slide39.xml><?xml version="1.0" encoding="utf-8"?>
-<p:sld xmlns:a="http://schemas.openxmlformats.org/drawingml/2006/main" xmlns:r="http://schemas.openxmlformats.org/officeDocument/2006/relationships" xmlns:p="http://schemas.openxmlformats.org/presentationml/2006/main">
-  <p:cSld>
-    <p:spTree>
-      <p:nvGrpSpPr>
-        <p:cNvPr id="1" name=""/>
-        <p:cNvGrpSpPr/>
-        <p:nvPr/>
-      </p:nvGrpSpPr>
-      <p:grpSpPr>
-        <a:xfrm>
-          <a:off x="0" y="0"/>
-          <a:ext cx="0" cy="0"/>
-          <a:chOff x="0" y="0"/>
-          <a:chExt cx="0" cy="0"/>
-        </a:xfrm>
-      </p:grpSpPr>
-      <p:sp>
-        <p:nvSpPr>
-          <p:cNvPr id="2" name="Title 1">
-            <a:extLst>
-              <a:ext uri="{FF2B5EF4-FFF2-40B4-BE49-F238E27FC236}">
-                <a16:creationId xmlns:a16="http://schemas.microsoft.com/office/drawing/2014/main" id="{393E1377-9986-4FC4-B3DA-19D265FE0302}"/>
-              </a:ext>
-            </a:extLst>
-          </p:cNvPr>
-          <p:cNvSpPr>
-            <a:spLocks noGrp="1"/>
-          </p:cNvSpPr>
-          <p:nvPr>
-            <p:ph type="ctrTitle"/>
-          </p:nvPr>
-        </p:nvSpPr>
-        <p:spPr/>
-        <p:txBody>
-          <a:bodyPr/>
-          <a:lstStyle/>
-          <a:p>
-            <a:r>
-              <a:rPr lang="en-US"/>
-              <a:t>Screen &amp; </a:t>
-            </a:r>
-            <a:br>
-              <a:rPr lang="en-US"/>
-            </a:br>
-            <a:r>
-              <a:rPr lang="en-US"/>
-              <a:t>UI performance</a:t>
-            </a:r>
-            <a:endParaRPr lang="nl-BE"/>
-          </a:p>
-        </p:txBody>
-      </p:sp>
-      <p:sp>
-        <p:nvSpPr>
-          <p:cNvPr id="4" name="Text Placeholder 3">
-            <a:extLst>
-              <a:ext uri="{FF2B5EF4-FFF2-40B4-BE49-F238E27FC236}">
-                <a16:creationId xmlns:a16="http://schemas.microsoft.com/office/drawing/2014/main" id="{DCF6D0F7-5388-450F-A133-D738FE70E579}"/>
-              </a:ext>
-            </a:extLst>
-          </p:cNvPr>
-          <p:cNvSpPr>
-            <a:spLocks noGrp="1"/>
-          </p:cNvSpPr>
-          <p:nvPr>
-            <p:ph type="body" sz="quarter" idx="18"/>
-          </p:nvPr>
-        </p:nvSpPr>
-        <p:spPr/>
-        <p:txBody>
-          <a:bodyPr/>
-          <a:lstStyle/>
-          <a:p>
-            <a:endParaRPr lang="nl-BE"/>
-          </a:p>
-        </p:txBody>
-      </p:sp>
-      <p:sp>
-        <p:nvSpPr>
-          <p:cNvPr id="5" name="Text Placeholder 4">
-            <a:extLst>
-              <a:ext uri="{FF2B5EF4-FFF2-40B4-BE49-F238E27FC236}">
-                <a16:creationId xmlns:a16="http://schemas.microsoft.com/office/drawing/2014/main" id="{2AE40C82-0355-4EDA-9DB4-C127B993BC02}"/>
-              </a:ext>
-            </a:extLst>
-          </p:cNvPr>
-          <p:cNvSpPr>
-            <a:spLocks noGrp="1"/>
-          </p:cNvSpPr>
-          <p:nvPr>
-            <p:ph type="body" sz="quarter" idx="16"/>
-          </p:nvPr>
-        </p:nvSpPr>
-        <p:spPr>
-          <a:xfrm>
-            <a:off x="795337" y="2178050"/>
-            <a:ext cx="4458833" cy="1888052"/>
-          </a:xfrm>
-        </p:spPr>
-        <p:txBody>
-          <a:bodyPr>
-            <a:noAutofit/>
-          </a:bodyPr>
-          <a:lstStyle/>
-          <a:p>
-            <a:r>
-              <a:rPr lang="en-US" sz="1500">
-                <a:latin typeface="Montserrat Semi"/>
-              </a:rPr>
-              <a:t>Opletten hoe je</a:t>
-            </a:r>
-          </a:p>
-          <a:p>
-            <a:pPr marL="285750" indent="-285750">
-              <a:buFont typeface="Arial" panose="020B0604020202020204" pitchFamily="34" charset="0"/>
-              <a:buChar char="•"/>
-            </a:pPr>
-            <a:r>
-              <a:rPr lang="en-US" sz="1500">
-                <a:latin typeface="Montserrat Semi"/>
-              </a:rPr>
-              <a:t>Views / Layouts opbouwt</a:t>
-            </a:r>
-          </a:p>
-          <a:p>
-            <a:pPr marL="1028700" lvl="1">
-              <a:buFont typeface="Arial" panose="020B0604020202020204" pitchFamily="34" charset="0"/>
-              <a:buChar char="•"/>
-            </a:pPr>
-            <a:r>
-              <a:rPr lang="en-US" sz="1500">
-                <a:latin typeface="Montserrat Semi"/>
-              </a:rPr>
-              <a:t>Measure/Layout/Draw</a:t>
-            </a:r>
-          </a:p>
-          <a:p>
-            <a:pPr marL="1028700" lvl="1">
-              <a:buFont typeface="Arial" panose="020B0604020202020204" pitchFamily="34" charset="0"/>
-              <a:buChar char="•"/>
-            </a:pPr>
-            <a:r>
-              <a:rPr lang="en-US" sz="1500">
-                <a:latin typeface="Montserrat Semi"/>
-              </a:rPr>
-              <a:t>Mogelijks meerdere keren</a:t>
-            </a:r>
-          </a:p>
-          <a:p>
-            <a:pPr marL="285750" indent="-285750">
-              <a:buFont typeface="Arial" panose="020B0604020202020204" pitchFamily="34" charset="0"/>
-              <a:buChar char="•"/>
-            </a:pPr>
-            <a:r>
-              <a:rPr lang="en-US" sz="1500">
-                <a:latin typeface="Montserrat Semi"/>
-              </a:rPr>
-              <a:t>Assets gebruikt</a:t>
-            </a:r>
-          </a:p>
-          <a:p>
-            <a:pPr marL="285750" indent="-285750">
-              <a:buFont typeface="Arial" panose="020B0604020202020204" pitchFamily="34" charset="0"/>
-              <a:buChar char="•"/>
-            </a:pPr>
-            <a:endParaRPr lang="en-US" sz="1500">
-              <a:latin typeface="Montserrat Semi"/>
-            </a:endParaRPr>
-          </a:p>
-          <a:p>
-            <a:pPr marL="285750" indent="-285750">
-              <a:buFont typeface="Arial" panose="020B0604020202020204" pitchFamily="34" charset="0"/>
-              <a:buChar char="•"/>
-            </a:pPr>
-            <a:r>
-              <a:rPr lang="en-US" sz="1500">
-                <a:latin typeface="Montserrat Semi"/>
-              </a:rPr>
-              <a:t>Op het scherm tekent</a:t>
-            </a:r>
-          </a:p>
-        </p:txBody>
-      </p:sp>
-      <p:sp>
-        <p:nvSpPr>
-          <p:cNvPr id="8" name="Rectangle 7">
-            <a:extLst>
-              <a:ext uri="{FF2B5EF4-FFF2-40B4-BE49-F238E27FC236}">
-                <a16:creationId xmlns:a16="http://schemas.microsoft.com/office/drawing/2014/main" id="{728CB27F-6467-47A5-934C-5031F6EF06C6}"/>
-              </a:ext>
-            </a:extLst>
-          </p:cNvPr>
-          <p:cNvSpPr/>
-          <p:nvPr/>
-        </p:nvSpPr>
-        <p:spPr>
-          <a:xfrm>
-            <a:off x="795337" y="1796293"/>
-            <a:ext cx="3508375" cy="246221"/>
-          </a:xfrm>
-          <a:prstGeom prst="rect">
-            <a:avLst/>
-          </a:prstGeom>
-        </p:spPr>
-        <p:txBody>
-          <a:bodyPr wrap="square">
-            <a:spAutoFit/>
-          </a:bodyPr>
-          <a:lstStyle/>
-          <a:p>
-            <a:r>
-              <a:rPr lang="nl-BE" sz="1000">
-                <a:hlinkClick r:id="rId2"/>
-              </a:rPr>
-              <a:t>https://developer.android.com/training/constraint-layout/</a:t>
-            </a:r>
-            <a:endParaRPr lang="nl-BE" sz="1000"/>
-          </a:p>
-        </p:txBody>
-      </p:sp>
-      <p:sp>
-        <p:nvSpPr>
-          <p:cNvPr id="6" name="Picture Placeholder 5">
-            <a:extLst>
-              <a:ext uri="{FF2B5EF4-FFF2-40B4-BE49-F238E27FC236}">
-                <a16:creationId xmlns:a16="http://schemas.microsoft.com/office/drawing/2014/main" id="{A9B87CB3-9B06-4D3F-B261-95ED94C5E1B2}"/>
-              </a:ext>
-            </a:extLst>
-          </p:cNvPr>
-          <p:cNvSpPr>
-            <a:spLocks noGrp="1"/>
-          </p:cNvSpPr>
-          <p:nvPr>
-            <p:ph type="pic" sz="quarter" idx="10"/>
-          </p:nvPr>
-        </p:nvSpPr>
-        <p:spPr/>
-      </p:sp>
-    </p:spTree>
-    <p:extLst>
-      <p:ext uri="{BB962C8B-B14F-4D97-AF65-F5344CB8AC3E}">
-        <p14:creationId xmlns:p14="http://schemas.microsoft.com/office/powerpoint/2010/main" val="3085576277"/>
-      </p:ext>
-    </p:extLst>
-  </p:cSld>
-  <p:clrMapOvr>
-    <a:masterClrMapping/>
-  </p:clrMapOvr>
-</p:sld>
-</file>
-
-<file path=ppt/slides/slide4.xml><?xml version="1.0" encoding="utf-8"?>
-<p:sld xmlns:a="http://schemas.openxmlformats.org/drawingml/2006/main" xmlns:r="http://schemas.openxmlformats.org/officeDocument/2006/relationships" xmlns:p="http://schemas.openxmlformats.org/presentationml/2006/main">
-  <p:cSld>
-    <p:spTree>
-      <p:nvGrpSpPr>
-        <p:cNvPr id="1" name=""/>
-        <p:cNvGrpSpPr/>
-        <p:nvPr/>
-      </p:nvGrpSpPr>
-      <p:grpSpPr>
-        <a:xfrm>
-          <a:off x="0" y="0"/>
-          <a:ext cx="0" cy="0"/>
-          <a:chOff x="0" y="0"/>
-          <a:chExt cx="0" cy="0"/>
-        </a:xfrm>
-      </p:grpSpPr>
-      <p:sp>
-        <p:nvSpPr>
-          <p:cNvPr id="2" name="Titel 1">
-            <a:extLst>
-              <a:ext uri="{FF2B5EF4-FFF2-40B4-BE49-F238E27FC236}">
-                <a16:creationId xmlns:a16="http://schemas.microsoft.com/office/drawing/2014/main" id="{1EEA192F-8BCF-4754-80CE-D04051F8F1C0}"/>
-              </a:ext>
-            </a:extLst>
-          </p:cNvPr>
-          <p:cNvSpPr>
-            <a:spLocks noGrp="1"/>
-          </p:cNvSpPr>
-          <p:nvPr>
-            <p:ph type="title"/>
-          </p:nvPr>
-        </p:nvSpPr>
-        <p:spPr/>
-        <p:txBody>
-          <a:bodyPr/>
-          <a:lstStyle/>
-          <a:p>
-            <a:r>
-              <a:rPr lang="nl-BE" dirty="0"/>
-              <a:t>Activity </a:t>
-            </a:r>
-            <a:r>
-              <a:rPr lang="nl-BE" dirty="0" err="1"/>
-              <a:t>Lifecycle</a:t>
-            </a:r>
-            <a:endParaRPr lang="nl-BE" dirty="0"/>
-          </a:p>
-        </p:txBody>
-      </p:sp>
-      <p:sp>
-        <p:nvSpPr>
-          <p:cNvPr id="5" name="Tijdelijke aanduiding voor tekst 4">
-            <a:extLst>
-              <a:ext uri="{FF2B5EF4-FFF2-40B4-BE49-F238E27FC236}">
-                <a16:creationId xmlns:a16="http://schemas.microsoft.com/office/drawing/2014/main" id="{2B6990D4-19EF-4373-BAF6-AD20E3120057}"/>
-              </a:ext>
-            </a:extLst>
-          </p:cNvPr>
-          <p:cNvSpPr>
-            <a:spLocks noGrp="1"/>
-          </p:cNvSpPr>
-          <p:nvPr>
-            <p:ph idx="1"/>
-          </p:nvPr>
-        </p:nvSpPr>
-        <p:spPr/>
-        <p:txBody>
-          <a:bodyPr>
-            <a:normAutofit fontScale="85000" lnSpcReduction="10000"/>
-          </a:bodyPr>
-          <a:lstStyle/>
-          <a:p>
-            <a:pPr marL="0" indent="0">
-              <a:buNone/>
-            </a:pPr>
-            <a:r>
-              <a:rPr lang="en-US"/>
-              <a:t>Doorheen het werken met je app doorloopt ze verschillende </a:t>
-            </a:r>
-            <a:r>
-              <a:rPr lang="en-US" i="1"/>
-              <a:t>levensfases</a:t>
-            </a:r>
-            <a:endParaRPr lang="en-US"/>
-          </a:p>
-          <a:p>
-            <a:pPr marL="685800" lvl="1">
-              <a:buFont typeface="Arial" panose="020B0604020202020204" pitchFamily="34" charset="0"/>
-              <a:buChar char="•"/>
-            </a:pPr>
-            <a:r>
-              <a:rPr lang="en-US"/>
-              <a:t>Active</a:t>
-            </a:r>
-          </a:p>
-          <a:p>
-            <a:pPr marL="685800" lvl="1">
-              <a:buFont typeface="Arial" panose="020B0604020202020204" pitchFamily="34" charset="0"/>
-              <a:buChar char="•"/>
-            </a:pPr>
-            <a:r>
-              <a:rPr lang="en-US"/>
-              <a:t>Paused</a:t>
-            </a:r>
-          </a:p>
-          <a:p>
-            <a:pPr marL="685800" lvl="1">
-              <a:buFont typeface="Arial" panose="020B0604020202020204" pitchFamily="34" charset="0"/>
-              <a:buChar char="•"/>
-            </a:pPr>
-            <a:r>
-              <a:rPr lang="en-US"/>
-              <a:t>Stopped</a:t>
-            </a:r>
-          </a:p>
-          <a:p>
-            <a:pPr marL="685800" lvl="1">
-              <a:buFont typeface="Arial" panose="020B0604020202020204" pitchFamily="34" charset="0"/>
-              <a:buChar char="•"/>
-            </a:pPr>
-            <a:r>
-              <a:rPr lang="en-US"/>
-              <a:t>Inactive</a:t>
-            </a:r>
-          </a:p>
-          <a:p>
-            <a:pPr marL="0" indent="0">
-              <a:buNone/>
-            </a:pPr>
-            <a:r>
-              <a:rPr lang="en-US"/>
-              <a:t>Activity heeft enkel recht op alle nodige resources als ze </a:t>
-            </a:r>
-            <a:r>
-              <a:rPr lang="en-US" i="1"/>
-              <a:t>Active</a:t>
-            </a:r>
-            <a:r>
-              <a:rPr lang="en-US"/>
-              <a:t> is</a:t>
-            </a:r>
-            <a:endParaRPr lang="nl-BE" dirty="0"/>
-          </a:p>
-        </p:txBody>
-      </p:sp>
-    </p:spTree>
-    <p:extLst>
-      <p:ext uri="{BB962C8B-B14F-4D97-AF65-F5344CB8AC3E}">
-        <p14:creationId xmlns:p14="http://schemas.microsoft.com/office/powerpoint/2010/main" val="3281156717"/>
-      </p:ext>
-    </p:extLst>
-  </p:cSld>
-  <p:clrMapOvr>
-    <a:masterClrMapping/>
-  </p:clrMapOvr>
-</p:sld>
-</file>
-
-<file path=ppt/slides/slide40.xml><?xml version="1.0" encoding="utf-8"?>
-<p:sld xmlns:a="http://schemas.openxmlformats.org/drawingml/2006/main" xmlns:r="http://schemas.openxmlformats.org/officeDocument/2006/relationships" xmlns:p="http://schemas.openxmlformats.org/presentationml/2006/main">
-  <p:cSld>
-    <p:spTree>
-      <p:nvGrpSpPr>
-        <p:cNvPr id="1" name=""/>
-        <p:cNvGrpSpPr/>
-        <p:nvPr/>
-      </p:nvGrpSpPr>
-      <p:grpSpPr>
-        <a:xfrm>
-          <a:off x="0" y="0"/>
-          <a:ext cx="0" cy="0"/>
-          <a:chOff x="0" y="0"/>
-          <a:chExt cx="0" cy="0"/>
-        </a:xfrm>
-      </p:grpSpPr>
-      <p:pic>
-        <p:nvPicPr>
           <p:cNvPr id="2" name="Afbeelding 1"/>
           <p:cNvPicPr>
             <a:picLocks noChangeAspect="1"/>
@@ -18374,7 +14152,7 @@
 </p:sld>
 </file>
 
-<file path=ppt/slides/slide41.xml><?xml version="1.0" encoding="utf-8"?>
+<file path=ppt/slides/slide22.xml><?xml version="1.0" encoding="utf-8"?>
 <p:sld xmlns:a="http://schemas.openxmlformats.org/drawingml/2006/main" xmlns:r="http://schemas.openxmlformats.org/officeDocument/2006/relationships" xmlns:p="http://schemas.openxmlformats.org/presentationml/2006/main">
   <p:cSld>
     <p:spTree>
@@ -18531,7 +14309,7 @@
 </p:sld>
 </file>
 
-<file path=ppt/slides/slide42.xml><?xml version="1.0" encoding="utf-8"?>
+<file path=ppt/slides/slide23.xml><?xml version="1.0" encoding="utf-8"?>
 <p:sld xmlns:a="http://schemas.openxmlformats.org/drawingml/2006/main" xmlns:r="http://schemas.openxmlformats.org/officeDocument/2006/relationships" xmlns:p="http://schemas.openxmlformats.org/presentationml/2006/main">
   <p:cSld>
     <p:spTree>
@@ -18679,6 +14457,456 @@
     <p:extLst>
       <p:ext uri="{BB962C8B-B14F-4D97-AF65-F5344CB8AC3E}">
         <p14:creationId xmlns:p14="http://schemas.microsoft.com/office/powerpoint/2010/main" val="2037020455"/>
+      </p:ext>
+    </p:extLst>
+  </p:cSld>
+  <p:clrMapOvr>
+    <a:masterClrMapping/>
+  </p:clrMapOvr>
+</p:sld>
+</file>
+
+<file path=ppt/slides/slide3.xml><?xml version="1.0" encoding="utf-8"?>
+<p:sld xmlns:a="http://schemas.openxmlformats.org/drawingml/2006/main" xmlns:r="http://schemas.openxmlformats.org/officeDocument/2006/relationships" xmlns:p="http://schemas.openxmlformats.org/presentationml/2006/main">
+  <p:cSld>
+    <p:spTree>
+      <p:nvGrpSpPr>
+        <p:cNvPr id="1" name=""/>
+        <p:cNvGrpSpPr/>
+        <p:nvPr/>
+      </p:nvGrpSpPr>
+      <p:grpSpPr>
+        <a:xfrm>
+          <a:off x="0" y="0"/>
+          <a:ext cx="0" cy="0"/>
+          <a:chOff x="0" y="0"/>
+          <a:chExt cx="0" cy="0"/>
+        </a:xfrm>
+      </p:grpSpPr>
+      <p:sp>
+        <p:nvSpPr>
+          <p:cNvPr id="2" name="Titel 1">
+            <a:extLst>
+              <a:ext uri="{FF2B5EF4-FFF2-40B4-BE49-F238E27FC236}">
+                <a16:creationId xmlns:a16="http://schemas.microsoft.com/office/drawing/2014/main" id="{1EEA192F-8BCF-4754-80CE-D04051F8F1C0}"/>
+              </a:ext>
+            </a:extLst>
+          </p:cNvPr>
+          <p:cNvSpPr>
+            <a:spLocks noGrp="1"/>
+          </p:cNvSpPr>
+          <p:nvPr>
+            <p:ph type="ctrTitle"/>
+          </p:nvPr>
+        </p:nvSpPr>
+        <p:spPr/>
+        <p:txBody>
+          <a:bodyPr/>
+          <a:lstStyle/>
+          <a:p>
+            <a:r>
+              <a:rPr lang="en-US"/>
+              <a:t>One Activity to rule them all</a:t>
+            </a:r>
+            <a:endParaRPr lang="nl-BE" dirty="0"/>
+          </a:p>
+        </p:txBody>
+      </p:sp>
+      <p:sp>
+        <p:nvSpPr>
+          <p:cNvPr id="4" name="Tijdelijke aanduiding voor tekst 3">
+            <a:extLst>
+              <a:ext uri="{FF2B5EF4-FFF2-40B4-BE49-F238E27FC236}">
+                <a16:creationId xmlns:a16="http://schemas.microsoft.com/office/drawing/2014/main" id="{A46D9FA8-EDA5-4443-B95B-A58552E51CE6}"/>
+              </a:ext>
+            </a:extLst>
+          </p:cNvPr>
+          <p:cNvSpPr>
+            <a:spLocks noGrp="1"/>
+          </p:cNvSpPr>
+          <p:nvPr>
+            <p:ph type="body" sz="quarter" idx="18"/>
+          </p:nvPr>
+        </p:nvSpPr>
+        <p:spPr/>
+        <p:txBody>
+          <a:bodyPr/>
+          <a:lstStyle/>
+          <a:p>
+            <a:r>
+              <a:rPr lang="en-US" b="0"/>
+              <a:t>Activities</a:t>
+            </a:r>
+            <a:endParaRPr lang="nl-BE" b="0"/>
+          </a:p>
+        </p:txBody>
+      </p:sp>
+      <p:sp>
+        <p:nvSpPr>
+          <p:cNvPr id="5" name="Tijdelijke aanduiding voor tekst 4">
+            <a:extLst>
+              <a:ext uri="{FF2B5EF4-FFF2-40B4-BE49-F238E27FC236}">
+                <a16:creationId xmlns:a16="http://schemas.microsoft.com/office/drawing/2014/main" id="{2B6990D4-19EF-4373-BAF6-AD20E3120057}"/>
+              </a:ext>
+            </a:extLst>
+          </p:cNvPr>
+          <p:cNvSpPr>
+            <a:spLocks noGrp="1"/>
+          </p:cNvSpPr>
+          <p:nvPr>
+            <p:ph type="body" sz="quarter" idx="16"/>
+          </p:nvPr>
+        </p:nvSpPr>
+        <p:spPr>
+          <a:xfrm>
+            <a:off x="795338" y="2178050"/>
+            <a:ext cx="3856038" cy="2081716"/>
+          </a:xfrm>
+        </p:spPr>
+        <p:txBody>
+          <a:bodyPr>
+            <a:normAutofit fontScale="92500" lnSpcReduction="10000"/>
+          </a:bodyPr>
+          <a:lstStyle/>
+          <a:p>
+            <a:r>
+              <a:rPr lang="en-US"/>
+              <a:t>Problemen met 1 activity per scherm</a:t>
+            </a:r>
+          </a:p>
+          <a:p>
+            <a:r>
+              <a:rPr lang="en-US"/>
+              <a:t>	Toolbarconfiguratie</a:t>
+            </a:r>
+          </a:p>
+          <a:p>
+            <a:r>
+              <a:rPr lang="en-US"/>
+              <a:t>	Backstackmanagement</a:t>
+            </a:r>
+          </a:p>
+          <a:p>
+            <a:r>
+              <a:rPr lang="en-US"/>
+              <a:t>	Moeilijke implementatie sidemenu</a:t>
+            </a:r>
+          </a:p>
+          <a:p>
+            <a:r>
+              <a:rPr lang="en-US"/>
+              <a:t>	…</a:t>
+            </a:r>
+          </a:p>
+          <a:p>
+            <a:r>
+              <a:rPr lang="en-US"/>
+              <a:t>1 activity voor alle schermen</a:t>
+            </a:r>
+          </a:p>
+          <a:p>
+            <a:r>
+              <a:rPr lang="en-US"/>
+              <a:t>	</a:t>
+            </a:r>
+            <a:r>
+              <a:rPr lang="en-US" i="1"/>
+              <a:t>Single Activity Pattern</a:t>
+            </a:r>
+          </a:p>
+          <a:p>
+            <a:r>
+              <a:rPr lang="en-US" i="1"/>
+              <a:t>	</a:t>
+            </a:r>
+            <a:r>
+              <a:rPr lang="en-US"/>
+              <a:t>Meerdere </a:t>
+            </a:r>
+            <a:r>
+              <a:rPr lang="en-US" i="1"/>
+              <a:t>Fragments</a:t>
+            </a:r>
+          </a:p>
+          <a:p>
+            <a:r>
+              <a:rPr lang="en-US"/>
+              <a:t>Navigation architecture component</a:t>
+            </a:r>
+          </a:p>
+          <a:p>
+            <a:endParaRPr lang="nl-BE" dirty="0"/>
+          </a:p>
+        </p:txBody>
+      </p:sp>
+      <p:sp>
+        <p:nvSpPr>
+          <p:cNvPr id="7" name="Tekstvak 5">
+            <a:extLst>
+              <a:ext uri="{FF2B5EF4-FFF2-40B4-BE49-F238E27FC236}">
+                <a16:creationId xmlns:a16="http://schemas.microsoft.com/office/drawing/2014/main" id="{42B322AE-F11E-444C-916E-B6B927B051AB}"/>
+              </a:ext>
+            </a:extLst>
+          </p:cNvPr>
+          <p:cNvSpPr txBox="1"/>
+          <p:nvPr/>
+        </p:nvSpPr>
+        <p:spPr>
+          <a:xfrm>
+            <a:off x="795338" y="1902855"/>
+            <a:ext cx="6417944" cy="253916"/>
+          </a:xfrm>
+          <a:prstGeom prst="rect">
+            <a:avLst/>
+          </a:prstGeom>
+          <a:noFill/>
+        </p:spPr>
+        <p:txBody>
+          <a:bodyPr wrap="square" rtlCol="0">
+            <a:spAutoFit/>
+          </a:bodyPr>
+          <a:lstStyle/>
+          <a:p>
+            <a:r>
+              <a:rPr lang="nl-BE" sz="1050">
+                <a:hlinkClick r:id="rId3"/>
+              </a:rPr>
+              <a:t>https://developer.android.com/topic/libraries/architecture/navigation/</a:t>
+            </a:r>
+            <a:endParaRPr lang="nl-BE" sz="1050"/>
+          </a:p>
+        </p:txBody>
+      </p:sp>
+      <p:pic>
+        <p:nvPicPr>
+          <p:cNvPr id="12" name="Picture Placeholder 11">
+            <a:extLst>
+              <a:ext uri="{FF2B5EF4-FFF2-40B4-BE49-F238E27FC236}">
+                <a16:creationId xmlns:a16="http://schemas.microsoft.com/office/drawing/2014/main" id="{3DF1ACD8-C35D-43A9-BADF-D18CCE3EC4FF}"/>
+              </a:ext>
+            </a:extLst>
+          </p:cNvPr>
+          <p:cNvPicPr>
+            <a:picLocks noGrp="1" noChangeAspect="1"/>
+          </p:cNvPicPr>
+          <p:nvPr>
+            <p:ph type="pic" sz="quarter" idx="10"/>
+          </p:nvPr>
+        </p:nvPicPr>
+        <p:blipFill>
+          <a:blip r:embed="rId4"/>
+          <a:stretch>
+            <a:fillRect/>
+          </a:stretch>
+        </p:blipFill>
+        <p:spPr>
+          <a:xfrm>
+            <a:off x="5365958" y="1665637"/>
+            <a:ext cx="3694648" cy="1812225"/>
+          </a:xfrm>
+        </p:spPr>
+      </p:pic>
+      <p:sp>
+        <p:nvSpPr>
+          <p:cNvPr id="13" name="Rectangle 12">
+            <a:extLst>
+              <a:ext uri="{FF2B5EF4-FFF2-40B4-BE49-F238E27FC236}">
+                <a16:creationId xmlns:a16="http://schemas.microsoft.com/office/drawing/2014/main" id="{70782886-D143-4045-B0A4-D262243EEBA6}"/>
+              </a:ext>
+            </a:extLst>
+          </p:cNvPr>
+          <p:cNvSpPr/>
+          <p:nvPr/>
+        </p:nvSpPr>
+        <p:spPr>
+          <a:xfrm>
+            <a:off x="5365958" y="3499141"/>
+            <a:ext cx="3778042" cy="403786"/>
+          </a:xfrm>
+          <a:prstGeom prst="rect">
+            <a:avLst/>
+          </a:prstGeom>
+        </p:spPr>
+        <p:txBody>
+          <a:bodyPr wrap="square">
+            <a:spAutoFit/>
+          </a:bodyPr>
+          <a:lstStyle/>
+          <a:p>
+            <a:pPr algn="r"/>
+            <a:r>
+              <a:rPr lang="nl-BE" sz="1000">
+                <a:hlinkClick r:id="rId5"/>
+              </a:rPr>
+              <a:t>https://proandroiddev.com/android-jetpack-navigation-to-the-rescue-fe588271d36</a:t>
+            </a:r>
+            <a:endParaRPr lang="nl-BE" sz="1000"/>
+          </a:p>
+        </p:txBody>
+      </p:sp>
+    </p:spTree>
+    <p:extLst>
+      <p:ext uri="{BB962C8B-B14F-4D97-AF65-F5344CB8AC3E}">
+        <p14:creationId xmlns:p14="http://schemas.microsoft.com/office/powerpoint/2010/main" val="2674454564"/>
+      </p:ext>
+    </p:extLst>
+  </p:cSld>
+  <p:clrMapOvr>
+    <a:masterClrMapping/>
+  </p:clrMapOvr>
+</p:sld>
+</file>
+
+<file path=ppt/slides/slide4.xml><?xml version="1.0" encoding="utf-8"?>
+<p:sld xmlns:a="http://schemas.openxmlformats.org/drawingml/2006/main" xmlns:r="http://schemas.openxmlformats.org/officeDocument/2006/relationships" xmlns:p="http://schemas.openxmlformats.org/presentationml/2006/main">
+  <p:cSld>
+    <p:spTree>
+      <p:nvGrpSpPr>
+        <p:cNvPr id="1" name=""/>
+        <p:cNvGrpSpPr/>
+        <p:nvPr/>
+      </p:nvGrpSpPr>
+      <p:grpSpPr>
+        <a:xfrm>
+          <a:off x="0" y="0"/>
+          <a:ext cx="0" cy="0"/>
+          <a:chOff x="0" y="0"/>
+          <a:chExt cx="0" cy="0"/>
+        </a:xfrm>
+      </p:grpSpPr>
+      <p:sp>
+        <p:nvSpPr>
+          <p:cNvPr id="2" name="Titel 1">
+            <a:extLst>
+              <a:ext uri="{FF2B5EF4-FFF2-40B4-BE49-F238E27FC236}">
+                <a16:creationId xmlns:a16="http://schemas.microsoft.com/office/drawing/2014/main" id="{1EEA192F-8BCF-4754-80CE-D04051F8F1C0}"/>
+              </a:ext>
+            </a:extLst>
+          </p:cNvPr>
+          <p:cNvSpPr>
+            <a:spLocks noGrp="1"/>
+          </p:cNvSpPr>
+          <p:nvPr>
+            <p:ph type="title"/>
+          </p:nvPr>
+        </p:nvSpPr>
+        <p:spPr/>
+        <p:txBody>
+          <a:bodyPr/>
+          <a:lstStyle/>
+          <a:p>
+            <a:r>
+              <a:rPr lang="nl-BE" dirty="0"/>
+              <a:t>Activity </a:t>
+            </a:r>
+            <a:r>
+              <a:rPr lang="nl-BE" dirty="0" err="1"/>
+              <a:t>Lifecycle</a:t>
+            </a:r>
+            <a:endParaRPr lang="nl-BE" dirty="0"/>
+          </a:p>
+        </p:txBody>
+      </p:sp>
+      <p:sp>
+        <p:nvSpPr>
+          <p:cNvPr id="5" name="Tijdelijke aanduiding voor tekst 4">
+            <a:extLst>
+              <a:ext uri="{FF2B5EF4-FFF2-40B4-BE49-F238E27FC236}">
+                <a16:creationId xmlns:a16="http://schemas.microsoft.com/office/drawing/2014/main" id="{2B6990D4-19EF-4373-BAF6-AD20E3120057}"/>
+              </a:ext>
+            </a:extLst>
+          </p:cNvPr>
+          <p:cNvSpPr>
+            <a:spLocks noGrp="1"/>
+          </p:cNvSpPr>
+          <p:nvPr>
+            <p:ph idx="1"/>
+          </p:nvPr>
+        </p:nvSpPr>
+        <p:spPr/>
+        <p:txBody>
+          <a:bodyPr>
+            <a:normAutofit fontScale="85000" lnSpcReduction="10000"/>
+          </a:bodyPr>
+          <a:lstStyle/>
+          <a:p>
+            <a:pPr marL="0" indent="0">
+              <a:buNone/>
+            </a:pPr>
+            <a:r>
+              <a:rPr lang="en-US"/>
+              <a:t>Doorheen het werken met je app doorloopt ze verschillende </a:t>
+            </a:r>
+            <a:r>
+              <a:rPr lang="en-US" i="1"/>
+              <a:t>levensfases</a:t>
+            </a:r>
+            <a:endParaRPr lang="en-US"/>
+          </a:p>
+          <a:p>
+            <a:pPr marL="685800" lvl="1">
+              <a:buFont typeface="Arial" panose="020B0604020202020204" pitchFamily="34" charset="0"/>
+              <a:buChar char="•"/>
+            </a:pPr>
+            <a:r>
+              <a:rPr lang="en-US"/>
+              <a:t>Active</a:t>
+            </a:r>
+          </a:p>
+          <a:p>
+            <a:pPr marL="685800" lvl="1">
+              <a:buFont typeface="Arial" panose="020B0604020202020204" pitchFamily="34" charset="0"/>
+              <a:buChar char="•"/>
+            </a:pPr>
+            <a:r>
+              <a:rPr lang="en-US"/>
+              <a:t>Paused</a:t>
+            </a:r>
+          </a:p>
+          <a:p>
+            <a:pPr marL="685800" lvl="1">
+              <a:buFont typeface="Arial" panose="020B0604020202020204" pitchFamily="34" charset="0"/>
+              <a:buChar char="•"/>
+            </a:pPr>
+            <a:r>
+              <a:rPr lang="en-US"/>
+              <a:t>Stopped</a:t>
+            </a:r>
+          </a:p>
+          <a:p>
+            <a:pPr marL="685800" lvl="1">
+              <a:buFont typeface="Arial" panose="020B0604020202020204" pitchFamily="34" charset="0"/>
+              <a:buChar char="•"/>
+            </a:pPr>
+            <a:r>
+              <a:rPr lang="en-US"/>
+              <a:t>Inactive</a:t>
+            </a:r>
+          </a:p>
+          <a:p>
+            <a:pPr marL="0" indent="0">
+              <a:buNone/>
+            </a:pPr>
+            <a:r>
+              <a:rPr lang="en-US"/>
+              <a:t>Activity heeft enkel recht op alle nodige resources als ze </a:t>
+            </a:r>
+            <a:r>
+              <a:rPr lang="en-US" i="1"/>
+              <a:t>Active</a:t>
+            </a:r>
+            <a:r>
+              <a:rPr lang="en-US"/>
+              <a:t> is</a:t>
+            </a:r>
+            <a:endParaRPr lang="nl-BE" dirty="0"/>
+          </a:p>
+        </p:txBody>
+      </p:sp>
+    </p:spTree>
+    <p:extLst>
+      <p:ext uri="{BB962C8B-B14F-4D97-AF65-F5344CB8AC3E}">
+        <p14:creationId xmlns:p14="http://schemas.microsoft.com/office/powerpoint/2010/main" val="3281156717"/>
       </p:ext>
     </p:extLst>
   </p:cSld>
